--- a/web pitch deck.pptx
+++ b/web pitch deck.pptx
@@ -309,7 +309,7 @@
           <a:p>
             <a:fld id="{9E5637FB-0DD5-4D5D-801C-E86BE6288A76}" type="datetimeFigureOut">
               <a:rPr lang="en-US" smtClean="0"/>
-              <a:t>9/11/2024</a:t>
+              <a:t>9/22/2024</a:t>
             </a:fld>
             <a:endParaRPr lang="en-US"/>
           </a:p>
@@ -647,7 +647,7 @@
           <a:p>
             <a:fld id="{9E5637FB-0DD5-4D5D-801C-E86BE6288A76}" type="datetimeFigureOut">
               <a:rPr lang="en-US" smtClean="0"/>
-              <a:t>9/11/2024</a:t>
+              <a:t>9/22/2024</a:t>
             </a:fld>
             <a:endParaRPr lang="en-US"/>
           </a:p>
@@ -1048,7 +1048,7 @@
           <a:p>
             <a:fld id="{9E5637FB-0DD5-4D5D-801C-E86BE6288A76}" type="datetimeFigureOut">
               <a:rPr lang="en-US" smtClean="0"/>
-              <a:t>9/11/2024</a:t>
+              <a:t>9/22/2024</a:t>
             </a:fld>
             <a:endParaRPr lang="en-US"/>
           </a:p>
@@ -1384,7 +1384,7 @@
           <a:p>
             <a:fld id="{9E5637FB-0DD5-4D5D-801C-E86BE6288A76}" type="datetimeFigureOut">
               <a:rPr lang="en-US" smtClean="0"/>
-              <a:t>9/11/2024</a:t>
+              <a:t>9/22/2024</a:t>
             </a:fld>
             <a:endParaRPr lang="en-US"/>
           </a:p>
@@ -1704,7 +1704,7 @@
           <a:p>
             <a:fld id="{9E5637FB-0DD5-4D5D-801C-E86BE6288A76}" type="datetimeFigureOut">
               <a:rPr lang="en-US" smtClean="0"/>
-              <a:t>9/11/2024</a:t>
+              <a:t>9/22/2024</a:t>
             </a:fld>
             <a:endParaRPr lang="en-US"/>
           </a:p>
@@ -2100,7 +2100,7 @@
           <a:p>
             <a:fld id="{9E5637FB-0DD5-4D5D-801C-E86BE6288A76}" type="datetimeFigureOut">
               <a:rPr lang="en-US" smtClean="0"/>
-              <a:t>9/11/2024</a:t>
+              <a:t>9/22/2024</a:t>
             </a:fld>
             <a:endParaRPr lang="en-US"/>
           </a:p>
@@ -2357,7 +2357,7 @@
           <a:p>
             <a:fld id="{9E5637FB-0DD5-4D5D-801C-E86BE6288A76}" type="datetimeFigureOut">
               <a:rPr lang="en-US" smtClean="0"/>
-              <a:t>9/11/2024</a:t>
+              <a:t>9/22/2024</a:t>
             </a:fld>
             <a:endParaRPr lang="en-US"/>
           </a:p>
@@ -2619,7 +2619,7 @@
           <a:p>
             <a:fld id="{9E5637FB-0DD5-4D5D-801C-E86BE6288A76}" type="datetimeFigureOut">
               <a:rPr lang="en-US" smtClean="0"/>
-              <a:t>9/11/2024</a:t>
+              <a:t>9/22/2024</a:t>
             </a:fld>
             <a:endParaRPr lang="en-US"/>
           </a:p>
@@ -2881,7 +2881,7 @@
           <a:p>
             <a:fld id="{9E5637FB-0DD5-4D5D-801C-E86BE6288A76}" type="datetimeFigureOut">
               <a:rPr lang="en-US" smtClean="0"/>
-              <a:t>9/11/2024</a:t>
+              <a:t>9/22/2024</a:t>
             </a:fld>
             <a:endParaRPr lang="en-US"/>
           </a:p>
@@ -3210,7 +3210,7 @@
           <a:p>
             <a:fld id="{9E5637FB-0DD5-4D5D-801C-E86BE6288A76}" type="datetimeFigureOut">
               <a:rPr lang="en-US" smtClean="0"/>
-              <a:t>9/11/2024</a:t>
+              <a:t>9/22/2024</a:t>
             </a:fld>
             <a:endParaRPr lang="en-US"/>
           </a:p>
@@ -3533,7 +3533,7 @@
           <a:p>
             <a:fld id="{9E5637FB-0DD5-4D5D-801C-E86BE6288A76}" type="datetimeFigureOut">
               <a:rPr lang="en-US" smtClean="0"/>
-              <a:t>9/11/2024</a:t>
+              <a:t>9/22/2024</a:t>
             </a:fld>
             <a:endParaRPr lang="en-US"/>
           </a:p>
@@ -3990,7 +3990,7 @@
           <a:p>
             <a:fld id="{9E5637FB-0DD5-4D5D-801C-E86BE6288A76}" type="datetimeFigureOut">
               <a:rPr lang="en-US" smtClean="0"/>
-              <a:t>9/11/2024</a:t>
+              <a:t>9/22/2024</a:t>
             </a:fld>
             <a:endParaRPr lang="en-US"/>
           </a:p>
@@ -4195,7 +4195,7 @@
           <a:p>
             <a:fld id="{9E5637FB-0DD5-4D5D-801C-E86BE6288A76}" type="datetimeFigureOut">
               <a:rPr lang="en-US" smtClean="0"/>
-              <a:t>9/11/2024</a:t>
+              <a:t>9/22/2024</a:t>
             </a:fld>
             <a:endParaRPr lang="en-US"/>
           </a:p>
@@ -4372,7 +4372,7 @@
           <a:p>
             <a:fld id="{9E5637FB-0DD5-4D5D-801C-E86BE6288A76}" type="datetimeFigureOut">
               <a:rPr lang="en-US" smtClean="0"/>
-              <a:t>9/11/2024</a:t>
+              <a:t>9/22/2024</a:t>
             </a:fld>
             <a:endParaRPr lang="en-US"/>
           </a:p>
@@ -4705,7 +4705,7 @@
           <a:p>
             <a:fld id="{9E5637FB-0DD5-4D5D-801C-E86BE6288A76}" type="datetimeFigureOut">
               <a:rPr lang="en-US" smtClean="0"/>
-              <a:t>9/11/2024</a:t>
+              <a:t>9/22/2024</a:t>
             </a:fld>
             <a:endParaRPr lang="en-US"/>
           </a:p>
@@ -5050,7 +5050,7 @@
           <a:p>
             <a:fld id="{9E5637FB-0DD5-4D5D-801C-E86BE6288A76}" type="datetimeFigureOut">
               <a:rPr lang="en-US" smtClean="0"/>
-              <a:t>9/11/2024</a:t>
+              <a:t>9/22/2024</a:t>
             </a:fld>
             <a:endParaRPr lang="en-US"/>
           </a:p>
@@ -7167,7 +7167,7 @@
           <a:p>
             <a:fld id="{9E5637FB-0DD5-4D5D-801C-E86BE6288A76}" type="datetimeFigureOut">
               <a:rPr lang="en-US" smtClean="0"/>
-              <a:t>9/11/2024</a:t>
+              <a:t>9/22/2024</a:t>
             </a:fld>
             <a:endParaRPr lang="en-US"/>
           </a:p>
@@ -8897,7 +8897,7 @@
         <p:spPr>
           <a:xfrm>
             <a:off x="1514007" y="1963711"/>
-            <a:ext cx="9608695" cy="2308324"/>
+            <a:ext cx="9608695" cy="1754326"/>
           </a:xfrm>
           <a:prstGeom prst="rect">
             <a:avLst/>
@@ -8918,7 +8918,7 @@
                 <a:latin typeface="Times New Roman" panose="02020603050405020304" pitchFamily="18" charset="0"/>
                 <a:cs typeface="Times New Roman" panose="02020603050405020304" pitchFamily="18" charset="0"/>
               </a:rPr>
-              <a:t>Our application boasts several key features such as secure registration, meal logging, expiration alerts, sustainability tips, and dietary recommendations tailored to individual needs</a:t>
+              <a:t>Our application boasts several key features such as secure registration, meal logging, expiration alerts and sustainability tips.</a:t>
             </a:r>
           </a:p>
         </p:txBody>
@@ -9833,7 +9833,7 @@
         <p:spPr>
           <a:xfrm>
             <a:off x="1190625" y="1720840"/>
-            <a:ext cx="8255833" cy="3416320"/>
+            <a:ext cx="8255833" cy="2308324"/>
           </a:xfrm>
           <a:prstGeom prst="rect">
             <a:avLst/>
@@ -9854,7 +9854,7 @@
                 <a:latin typeface="Times New Roman" panose="02020603050405020304" pitchFamily="18" charset="0"/>
                 <a:cs typeface="Times New Roman" panose="02020603050405020304" pitchFamily="18" charset="0"/>
               </a:rPr>
-              <a:t>By utilizing Diet Tracker, users can simplify their meal tracking, adopt healthier eating habits, minimize food waste, and cultivate a mindset of sustainability, all while staying informed about their dietary choices.</a:t>
+              <a:t>By utilizing Diet Tracker, users can simplify their meal tracking, adopt healthier eating habits, minimize food waste, and cultivate a mindset of sustainability.</a:t>
             </a:r>
           </a:p>
         </p:txBody>

--- a/web pitch deck.pptx
+++ b/web pitch deck.pptx
@@ -8581,7 +8581,7 @@
         <p:spPr>
           <a:xfrm>
             <a:off x="2833141" y="716518"/>
-            <a:ext cx="5336904" cy="1323439"/>
+            <a:ext cx="6034634" cy="707886"/>
           </a:xfrm>
           <a:prstGeom prst="rect">
             <a:avLst/>
@@ -8688,7 +8688,7 @@
         <p:spPr>
           <a:xfrm>
             <a:off x="1366603" y="1720840"/>
-            <a:ext cx="9458794" cy="3416320"/>
+            <a:ext cx="9458794" cy="2862322"/>
           </a:xfrm>
           <a:prstGeom prst="rect">
             <a:avLst/>
@@ -8709,7 +8709,7 @@
                 <a:latin typeface="Times New Roman" panose="02020603050405020304" pitchFamily="18" charset="0"/>
                 <a:cs typeface="Times New Roman" panose="02020603050405020304" pitchFamily="18" charset="0"/>
               </a:rPr>
-              <a:t>Diet Tracker offers a user-friendly platform where individuals can log their meals, track nutrient intake, and receive reminders about dietary limitations. Additionally, it provides sustainability tips to promote environmentally conscious eating habits.</a:t>
+              <a:t>Diet Tracker offers a user-friendly platform where individuals can log their meals and track nutrient intake. Additionally, it provides sustainability tips to promote environmentally conscious eating habits.</a:t>
             </a:r>
           </a:p>
         </p:txBody>
@@ -8918,7 +8918,7 @@
                 <a:latin typeface="Times New Roman" panose="02020603050405020304" pitchFamily="18" charset="0"/>
                 <a:cs typeface="Times New Roman" panose="02020603050405020304" pitchFamily="18" charset="0"/>
               </a:rPr>
-              <a:t>Our application boasts several key features such as secure registration, meal logging, expiration alerts and sustainability tips.</a:t>
+              <a:t>Our application boasts several key features such as secure registration, meal logging and sustainability tips.</a:t>
             </a:r>
           </a:p>
         </p:txBody>
@@ -9473,8 +9473,8 @@
         </p:nvSpPr>
         <p:spPr bwMode="auto">
           <a:xfrm>
-            <a:off x="674559" y="900823"/>
-            <a:ext cx="2758189" cy="5170646"/>
+            <a:off x="674559" y="1824153"/>
+            <a:ext cx="2758189" cy="3323987"/>
           </a:xfrm>
           <a:prstGeom prst="rect">
             <a:avLst/>
@@ -9544,7 +9544,7 @@
                 <a:latin typeface="Times New Roman" panose="02020603050405020304" pitchFamily="18" charset="0"/>
                 <a:cs typeface="Times New Roman" panose="02020603050405020304" pitchFamily="18" charset="0"/>
               </a:rPr>
-              <a:t>Let’s take a look at the application in action. Here are some screenshots showing user registration, meal logging, and the alert system that informs users about their dietary choices.</a:t>
+              <a:t>Let’s take a look at the application in action. Here are some screenshots showing user registration and meal logging.</a:t>
             </a:r>
             <a:r>
               <a:rPr kumimoji="0" lang="en-US" altLang="en-US" sz="2400" b="0" i="0" u="none" strike="noStrike" cap="none" normalizeH="0" baseline="0" dirty="0">

--- a/web pitch deck.pptx
+++ b/web pitch deck.pptx
@@ -2,7 +2,7 @@
 <file path=ppt/presentation.xml><?xml version="1.0" encoding="utf-8"?>
 <p:presentation xmlns:a="http://schemas.openxmlformats.org/drawingml/2006/main" xmlns:r="http://schemas.openxmlformats.org/officeDocument/2006/relationships" xmlns:p="http://schemas.openxmlformats.org/presentationml/2006/main" saveSubsetFonts="1">
   <p:sldMasterIdLst>
-    <p:sldMasterId id="2147483768" r:id="rId1"/>
+    <p:sldMasterId id="2147483893" r:id="rId1"/>
   </p:sldMasterIdLst>
   <p:sldIdLst>
     <p:sldId id="256" r:id="rId2"/>
@@ -138,6 +138,143 @@
           <a:chExt cx="0" cy="0"/>
         </a:xfrm>
       </p:grpSpPr>
+      <p:grpSp>
+        <p:nvGrpSpPr>
+          <p:cNvPr id="7" name="Group 6"/>
+          <p:cNvGrpSpPr/>
+          <p:nvPr/>
+        </p:nvGrpSpPr>
+        <p:grpSpPr>
+          <a:xfrm>
+            <a:off x="-16934" y="0"/>
+            <a:ext cx="12231160" cy="6856214"/>
+            <a:chOff x="-16934" y="0"/>
+            <a:chExt cx="12231160" cy="6856214"/>
+          </a:xfrm>
+        </p:grpSpPr>
+        <p:pic>
+          <p:nvPicPr>
+            <p:cNvPr id="16" name="Picture 15" descr="HD-PanelTitleR1.png"/>
+            <p:cNvPicPr>
+              <a:picLocks noChangeAspect="1"/>
+            </p:cNvPicPr>
+            <p:nvPr/>
+          </p:nvPicPr>
+          <p:blipFill>
+            <a:blip r:embed="rId2">
+              <a:extLst>
+                <a:ext uri="{28A0092B-C50C-407E-A947-70E740481C1C}">
+                  <a14:useLocalDpi xmlns:a14="http://schemas.microsoft.com/office/drawing/2010/main" val="0"/>
+                </a:ext>
+              </a:extLst>
+            </a:blip>
+            <a:stretch>
+              <a:fillRect/>
+            </a:stretch>
+          </p:blipFill>
+          <p:spPr>
+            <a:xfrm>
+              <a:off x="0" y="0"/>
+              <a:ext cx="12188825" cy="6856214"/>
+            </a:xfrm>
+            <a:prstGeom prst="rect">
+              <a:avLst/>
+            </a:prstGeom>
+          </p:spPr>
+        </p:pic>
+        <p:sp>
+          <p:nvSpPr>
+            <p:cNvPr id="26" name="Rectangle 25"/>
+            <p:cNvSpPr/>
+            <p:nvPr/>
+          </p:nvSpPr>
+          <p:spPr>
+            <a:xfrm>
+              <a:off x="2328332" y="1540931"/>
+              <a:ext cx="7543802" cy="3835401"/>
+            </a:xfrm>
+            <a:prstGeom prst="rect">
+              <a:avLst/>
+            </a:prstGeom>
+            <a:noFill/>
+            <a:ln w="15875">
+              <a:miter lim="800000"/>
+            </a:ln>
+          </p:spPr>
+          <p:style>
+            <a:lnRef idx="1">
+              <a:schemeClr val="accent1"/>
+            </a:lnRef>
+            <a:fillRef idx="3">
+              <a:schemeClr val="accent1"/>
+            </a:fillRef>
+            <a:effectRef idx="2">
+              <a:schemeClr val="accent1"/>
+            </a:effectRef>
+            <a:fontRef idx="minor">
+              <a:schemeClr val="lt1"/>
+            </a:fontRef>
+          </p:style>
+        </p:sp>
+        <p:pic>
+          <p:nvPicPr>
+            <p:cNvPr id="17" name="Picture 16" descr="HDRibbonTitle-UniformTrim.png"/>
+            <p:cNvPicPr>
+              <a:picLocks noChangeAspect="1"/>
+            </p:cNvPicPr>
+            <p:nvPr/>
+          </p:nvPicPr>
+          <p:blipFill rotWithShape="1">
+            <a:blip r:embed="rId3">
+              <a:extLst>
+                <a:ext uri="{28A0092B-C50C-407E-A947-70E740481C1C}">
+                  <a14:useLocalDpi xmlns:a14="http://schemas.microsoft.com/office/drawing/2010/main" val="0"/>
+                </a:ext>
+              </a:extLst>
+            </a:blip>
+            <a:srcRect/>
+            <a:stretch/>
+          </p:blipFill>
+          <p:spPr>
+            <a:xfrm>
+              <a:off x="-16934" y="3147609"/>
+              <a:ext cx="2478024" cy="612648"/>
+            </a:xfrm>
+            <a:prstGeom prst="rect">
+              <a:avLst/>
+            </a:prstGeom>
+          </p:spPr>
+        </p:pic>
+        <p:pic>
+          <p:nvPicPr>
+            <p:cNvPr id="20" name="Picture 19" descr="HDRibbonTitle-UniformTrim.png"/>
+            <p:cNvPicPr>
+              <a:picLocks noChangeAspect="1"/>
+            </p:cNvPicPr>
+            <p:nvPr/>
+          </p:nvPicPr>
+          <p:blipFill rotWithShape="1">
+            <a:blip r:embed="rId3">
+              <a:extLst>
+                <a:ext uri="{28A0092B-C50C-407E-A947-70E740481C1C}">
+                  <a14:useLocalDpi xmlns:a14="http://schemas.microsoft.com/office/drawing/2010/main" val="0"/>
+                </a:ext>
+              </a:extLst>
+            </a:blip>
+            <a:srcRect/>
+            <a:stretch/>
+          </p:blipFill>
+          <p:spPr>
+            <a:xfrm>
+              <a:off x="9736202" y="3147609"/>
+              <a:ext cx="2478024" cy="612648"/>
+            </a:xfrm>
+            <a:prstGeom prst="rect">
+              <a:avLst/>
+            </a:prstGeom>
+          </p:spPr>
+        </p:pic>
+      </p:grpSp>
       <p:sp>
         <p:nvSpPr>
           <p:cNvPr id="2" name="Title 1"/>
@@ -150,55 +287,56 @@
         </p:nvSpPr>
         <p:spPr>
           <a:xfrm>
-            <a:off x="2589213" y="2514600"/>
-            <a:ext cx="8915399" cy="2262781"/>
+            <a:off x="2692398" y="1871131"/>
+            <a:ext cx="6815669" cy="1515533"/>
           </a:xfrm>
         </p:spPr>
         <p:txBody>
           <a:bodyPr anchor="b">
+            <a:noAutofit/>
+          </a:bodyPr>
+          <a:lstStyle>
+            <a:lvl1pPr algn="ctr">
+              <a:defRPr sz="5400">
+                <a:effectLst/>
+              </a:defRPr>
+            </a:lvl1pPr>
+          </a:lstStyle>
+          <a:p>
+            <a:r>
+              <a:rPr lang="en-US"/>
+              <a:t>Click to edit Master title style</a:t>
+            </a:r>
+            <a:endParaRPr lang="en-US" dirty="0"/>
+          </a:p>
+        </p:txBody>
+      </p:sp>
+      <p:sp>
+        <p:nvSpPr>
+          <p:cNvPr id="3" name="Subtitle 2"/>
+          <p:cNvSpPr>
+            <a:spLocks noGrp="1"/>
+          </p:cNvSpPr>
+          <p:nvPr>
+            <p:ph type="subTitle" idx="1"/>
+          </p:nvPr>
+        </p:nvSpPr>
+        <p:spPr>
+          <a:xfrm>
+            <a:off x="2692398" y="3657597"/>
+            <a:ext cx="6815669" cy="1320802"/>
+          </a:xfrm>
+        </p:spPr>
+        <p:txBody>
+          <a:bodyPr anchor="t">
             <a:normAutofit/>
           </a:bodyPr>
           <a:lstStyle>
-            <a:lvl1pPr>
-              <a:defRPr sz="5400"/>
-            </a:lvl1pPr>
-          </a:lstStyle>
-          <a:p>
-            <a:r>
-              <a:rPr lang="en-US"/>
-              <a:t>Click to edit Master title style</a:t>
-            </a:r>
-            <a:endParaRPr lang="en-US" dirty="0"/>
-          </a:p>
-        </p:txBody>
-      </p:sp>
-      <p:sp>
-        <p:nvSpPr>
-          <p:cNvPr id="3" name="Subtitle 2"/>
-          <p:cNvSpPr>
-            <a:spLocks noGrp="1"/>
-          </p:cNvSpPr>
-          <p:nvPr>
-            <p:ph type="subTitle" idx="1"/>
-          </p:nvPr>
-        </p:nvSpPr>
-        <p:spPr>
-          <a:xfrm>
-            <a:off x="2589213" y="4777379"/>
-            <a:ext cx="8915399" cy="1126283"/>
-          </a:xfrm>
-        </p:spPr>
-        <p:txBody>
-          <a:bodyPr anchor="t"/>
-          <a:lstStyle>
-            <a:lvl1pPr marL="0" indent="0" algn="l">
-              <a:buNone/>
-              <a:defRPr>
-                <a:solidFill>
-                  <a:schemeClr val="tx1">
-                    <a:lumMod val="65000"/>
-                    <a:lumOff val="35000"/>
-                  </a:schemeClr>
+            <a:lvl1pPr marL="0" indent="0" algn="ctr">
+              <a:buNone/>
+              <a:defRPr sz="2100">
+                <a:solidFill>
+                  <a:schemeClr val="tx1"/>
                 </a:solidFill>
               </a:defRPr>
             </a:lvl1pPr>
@@ -302,14 +440,19 @@
             <p:ph type="dt" sz="half" idx="10"/>
           </p:nvPr>
         </p:nvSpPr>
-        <p:spPr/>
+        <p:spPr>
+          <a:xfrm>
+            <a:off x="7983232" y="5037663"/>
+            <a:ext cx="897467" cy="279400"/>
+          </a:xfrm>
+        </p:spPr>
         <p:txBody>
           <a:bodyPr/>
           <a:lstStyle/>
           <a:p>
             <a:fld id="{9E5637FB-0DD5-4D5D-801C-E86BE6288A76}" type="datetimeFigureOut">
               <a:rPr lang="en-US" smtClean="0"/>
-              <a:t>9/22/2024</a:t>
+              <a:t>9/30/2024</a:t>
             </a:fld>
             <a:endParaRPr lang="en-US"/>
           </a:p>
@@ -325,7 +468,12 @@
             <p:ph type="ftr" sz="quarter" idx="11"/>
           </p:nvPr>
         </p:nvSpPr>
-        <p:spPr/>
+        <p:spPr>
+          <a:xfrm>
+            <a:off x="2692397" y="5037663"/>
+            <a:ext cx="5214635" cy="279400"/>
+          </a:xfrm>
+        </p:spPr>
         <p:txBody>
           <a:bodyPr/>
           <a:lstStyle/>
@@ -336,88 +484,6 @@
       </p:sp>
       <p:sp>
         <p:nvSpPr>
-          <p:cNvPr id="7" name="Freeform 6"/>
-          <p:cNvSpPr/>
-          <p:nvPr/>
-        </p:nvSpPr>
-        <p:spPr bwMode="auto">
-          <a:xfrm>
-            <a:off x="0" y="4323810"/>
-            <a:ext cx="1744652" cy="778589"/>
-          </a:xfrm>
-          <a:custGeom>
-            <a:avLst/>
-            <a:gdLst/>
-            <a:ahLst/>
-            <a:cxnLst/>
-            <a:rect l="0" t="0" r="r" b="b"/>
-            <a:pathLst>
-              <a:path w="372" h="166">
-                <a:moveTo>
-                  <a:pt x="287" y="166"/>
-                </a:moveTo>
-                <a:cubicBezTo>
-                  <a:pt x="290" y="166"/>
-                  <a:pt x="292" y="165"/>
-                  <a:pt x="293" y="164"/>
-                </a:cubicBezTo>
-                <a:cubicBezTo>
-                  <a:pt x="293" y="163"/>
-                  <a:pt x="294" y="163"/>
-                  <a:pt x="294" y="163"/>
-                </a:cubicBezTo>
-                <a:cubicBezTo>
-                  <a:pt x="370" y="87"/>
-                  <a:pt x="370" y="87"/>
-                  <a:pt x="370" y="87"/>
-                </a:cubicBezTo>
-                <a:cubicBezTo>
-                  <a:pt x="372" y="85"/>
-                  <a:pt x="372" y="81"/>
-                  <a:pt x="370" y="78"/>
-                </a:cubicBezTo>
-                <a:cubicBezTo>
-                  <a:pt x="294" y="3"/>
-                  <a:pt x="294" y="3"/>
-                  <a:pt x="294" y="3"/>
-                </a:cubicBezTo>
-                <a:cubicBezTo>
-                  <a:pt x="294" y="2"/>
-                  <a:pt x="293" y="2"/>
-                  <a:pt x="293" y="2"/>
-                </a:cubicBezTo>
-                <a:cubicBezTo>
-                  <a:pt x="292" y="1"/>
-                  <a:pt x="290" y="0"/>
-                  <a:pt x="287" y="0"/>
-                </a:cubicBezTo>
-                <a:cubicBezTo>
-                  <a:pt x="0" y="0"/>
-                  <a:pt x="0" y="0"/>
-                  <a:pt x="0" y="0"/>
-                </a:cubicBezTo>
-                <a:cubicBezTo>
-                  <a:pt x="0" y="166"/>
-                  <a:pt x="0" y="166"/>
-                  <a:pt x="0" y="166"/>
-                </a:cubicBezTo>
-                <a:lnTo>
-                  <a:pt x="287" y="166"/>
-                </a:lnTo>
-                <a:close/>
-              </a:path>
-            </a:pathLst>
-          </a:custGeom>
-          <a:solidFill>
-            <a:schemeClr val="accent1"/>
-          </a:solidFill>
-          <a:ln>
-            <a:noFill/>
-          </a:ln>
-        </p:spPr>
-      </p:sp>
-      <p:sp>
-        <p:nvSpPr>
           <p:cNvPr id="6" name="Slide Number Placeholder 5"/>
           <p:cNvSpPr>
             <a:spLocks noGrp="1"/>
@@ -428,8 +494,8 @@
         </p:nvSpPr>
         <p:spPr>
           <a:xfrm>
-            <a:off x="531812" y="4529540"/>
-            <a:ext cx="779767" cy="365125"/>
+            <a:off x="8956900" y="5037663"/>
+            <a:ext cx="551167" cy="279400"/>
           </a:xfrm>
         </p:spPr>
         <p:txBody>
@@ -444,10 +510,40 @@
           </a:p>
         </p:txBody>
       </p:sp>
+      <p:cxnSp>
+        <p:nvCxnSpPr>
+          <p:cNvPr id="15" name="Straight Connector 14"/>
+          <p:cNvCxnSpPr/>
+          <p:nvPr/>
+        </p:nvCxnSpPr>
+        <p:spPr>
+          <a:xfrm>
+            <a:off x="2692399" y="3522131"/>
+            <a:ext cx="6815668" cy="0"/>
+          </a:xfrm>
+          <a:prstGeom prst="line">
+            <a:avLst/>
+          </a:prstGeom>
+        </p:spPr>
+        <p:style>
+          <a:lnRef idx="2">
+            <a:schemeClr val="accent1"/>
+          </a:lnRef>
+          <a:fillRef idx="0">
+            <a:schemeClr val="accent1"/>
+          </a:fillRef>
+          <a:effectRef idx="1">
+            <a:schemeClr val="accent1"/>
+          </a:effectRef>
+          <a:fontRef idx="minor">
+            <a:schemeClr val="tx1"/>
+          </a:fontRef>
+        </p:style>
+      </p:cxnSp>
     </p:spTree>
     <p:extLst>
       <p:ext uri="{BB962C8B-B14F-4D97-AF65-F5344CB8AC3E}">
-        <p14:creationId xmlns:p14="http://schemas.microsoft.com/office/powerpoint/2010/main" val="959227258"/>
+        <p14:creationId xmlns:p14="http://schemas.microsoft.com/office/powerpoint/2010/main" val="1860480998"/>
       </p:ext>
     </p:extLst>
   </p:cSld>
@@ -458,6 +554,290 @@
 </file>
 
 <file path=ppt/slideLayouts/slideLayout10.xml><?xml version="1.0" encoding="utf-8"?>
+<p:sldLayout xmlns:a="http://schemas.openxmlformats.org/drawingml/2006/main" xmlns:r="http://schemas.openxmlformats.org/officeDocument/2006/relationships" xmlns:p="http://schemas.openxmlformats.org/presentationml/2006/main" preserve="1">
+  <p:cSld name="Panoramic Picture with Caption">
+    <p:spTree>
+      <p:nvGrpSpPr>
+        <p:cNvPr id="1" name=""/>
+        <p:cNvGrpSpPr/>
+        <p:nvPr/>
+      </p:nvGrpSpPr>
+      <p:grpSpPr>
+        <a:xfrm>
+          <a:off x="0" y="0"/>
+          <a:ext cx="0" cy="0"/>
+          <a:chOff x="0" y="0"/>
+          <a:chExt cx="0" cy="0"/>
+        </a:xfrm>
+      </p:grpSpPr>
+      <p:sp>
+        <p:nvSpPr>
+          <p:cNvPr id="2" name="Title 1"/>
+          <p:cNvSpPr>
+            <a:spLocks noGrp="1"/>
+          </p:cNvSpPr>
+          <p:nvPr>
+            <p:ph type="title"/>
+          </p:nvPr>
+        </p:nvSpPr>
+        <p:spPr>
+          <a:xfrm>
+            <a:off x="1295401" y="4815415"/>
+            <a:ext cx="9609666" cy="566738"/>
+          </a:xfrm>
+        </p:spPr>
+        <p:txBody>
+          <a:bodyPr anchor="b">
+            <a:normAutofit/>
+          </a:bodyPr>
+          <a:lstStyle>
+            <a:lvl1pPr algn="ctr">
+              <a:defRPr sz="2400" b="0"/>
+            </a:lvl1pPr>
+          </a:lstStyle>
+          <a:p>
+            <a:r>
+              <a:rPr lang="en-US"/>
+              <a:t>Click to edit Master title style</a:t>
+            </a:r>
+            <a:endParaRPr lang="en-US" dirty="0"/>
+          </a:p>
+        </p:txBody>
+      </p:sp>
+      <p:sp>
+        <p:nvSpPr>
+          <p:cNvPr id="3" name="Picture Placeholder 2"/>
+          <p:cNvSpPr>
+            <a:spLocks noGrp="1" noChangeAspect="1"/>
+          </p:cNvSpPr>
+          <p:nvPr>
+            <p:ph type="pic" idx="1"/>
+          </p:nvPr>
+        </p:nvSpPr>
+        <p:spPr>
+          <a:xfrm>
+            <a:off x="1041427" y="1041399"/>
+            <a:ext cx="10105972" cy="3335869"/>
+          </a:xfrm>
+          <a:prstGeom prst="roundRect">
+            <a:avLst>
+              <a:gd name="adj" fmla="val 0"/>
+            </a:avLst>
+          </a:prstGeom>
+          <a:ln w="57150" cmpd="thickThin">
+            <a:solidFill>
+              <a:schemeClr val="tx1">
+                <a:lumMod val="50000"/>
+                <a:lumOff val="50000"/>
+              </a:schemeClr>
+            </a:solidFill>
+            <a:miter lim="800000"/>
+          </a:ln>
+          <a:effectLst>
+            <a:innerShdw blurRad="57150" dist="38100" dir="14460000">
+              <a:srgbClr val="000000">
+                <a:alpha val="70000"/>
+              </a:srgbClr>
+            </a:innerShdw>
+          </a:effectLst>
+        </p:spPr>
+        <p:txBody>
+          <a:bodyPr anchor="t">
+            <a:normAutofit/>
+          </a:bodyPr>
+          <a:lstStyle>
+            <a:lvl1pPr marL="0" indent="0" algn="ctr">
+              <a:buNone/>
+              <a:defRPr sz="1600"/>
+            </a:lvl1pPr>
+            <a:lvl2pPr marL="457200" indent="0">
+              <a:buNone/>
+              <a:defRPr sz="1600"/>
+            </a:lvl2pPr>
+            <a:lvl3pPr marL="914400" indent="0">
+              <a:buNone/>
+              <a:defRPr sz="1600"/>
+            </a:lvl3pPr>
+            <a:lvl4pPr marL="1371600" indent="0">
+              <a:buNone/>
+              <a:defRPr sz="1600"/>
+            </a:lvl4pPr>
+            <a:lvl5pPr marL="1828800" indent="0">
+              <a:buNone/>
+              <a:defRPr sz="1600"/>
+            </a:lvl5pPr>
+            <a:lvl6pPr marL="2286000" indent="0">
+              <a:buNone/>
+              <a:defRPr sz="1600"/>
+            </a:lvl6pPr>
+            <a:lvl7pPr marL="2743200" indent="0">
+              <a:buNone/>
+              <a:defRPr sz="1600"/>
+            </a:lvl7pPr>
+            <a:lvl8pPr marL="3200400" indent="0">
+              <a:buNone/>
+              <a:defRPr sz="1600"/>
+            </a:lvl8pPr>
+            <a:lvl9pPr marL="3657600" indent="0">
+              <a:buNone/>
+              <a:defRPr sz="1600"/>
+            </a:lvl9pPr>
+          </a:lstStyle>
+          <a:p>
+            <a:r>
+              <a:rPr lang="en-US"/>
+              <a:t>Click icon to add picture</a:t>
+            </a:r>
+            <a:endParaRPr lang="en-US" dirty="0"/>
+          </a:p>
+        </p:txBody>
+      </p:sp>
+      <p:sp>
+        <p:nvSpPr>
+          <p:cNvPr id="4" name="Text Placeholder 3"/>
+          <p:cNvSpPr>
+            <a:spLocks noGrp="1"/>
+          </p:cNvSpPr>
+          <p:nvPr>
+            <p:ph type="body" sz="half" idx="2"/>
+          </p:nvPr>
+        </p:nvSpPr>
+        <p:spPr>
+          <a:xfrm>
+            <a:off x="1295401" y="5382153"/>
+            <a:ext cx="9609666" cy="493712"/>
+          </a:xfrm>
+        </p:spPr>
+        <p:txBody>
+          <a:bodyPr>
+            <a:normAutofit/>
+          </a:bodyPr>
+          <a:lstStyle>
+            <a:lvl1pPr marL="0" indent="0" algn="ctr">
+              <a:buNone/>
+              <a:defRPr sz="1400"/>
+            </a:lvl1pPr>
+            <a:lvl2pPr marL="457200" indent="0">
+              <a:buNone/>
+              <a:defRPr sz="1200"/>
+            </a:lvl2pPr>
+            <a:lvl3pPr marL="914400" indent="0">
+              <a:buNone/>
+              <a:defRPr sz="1000"/>
+            </a:lvl3pPr>
+            <a:lvl4pPr marL="1371600" indent="0">
+              <a:buNone/>
+              <a:defRPr sz="900"/>
+            </a:lvl4pPr>
+            <a:lvl5pPr marL="1828800" indent="0">
+              <a:buNone/>
+              <a:defRPr sz="900"/>
+            </a:lvl5pPr>
+            <a:lvl6pPr marL="2286000" indent="0">
+              <a:buNone/>
+              <a:defRPr sz="900"/>
+            </a:lvl6pPr>
+            <a:lvl7pPr marL="2743200" indent="0">
+              <a:buNone/>
+              <a:defRPr sz="900"/>
+            </a:lvl7pPr>
+            <a:lvl8pPr marL="3200400" indent="0">
+              <a:buNone/>
+              <a:defRPr sz="900"/>
+            </a:lvl8pPr>
+            <a:lvl9pPr marL="3657600" indent="0">
+              <a:buNone/>
+              <a:defRPr sz="900"/>
+            </a:lvl9pPr>
+          </a:lstStyle>
+          <a:p>
+            <a:pPr lvl="0"/>
+            <a:r>
+              <a:rPr lang="en-US"/>
+              <a:t>Click to edit Master text styles</a:t>
+            </a:r>
+          </a:p>
+        </p:txBody>
+      </p:sp>
+      <p:sp>
+        <p:nvSpPr>
+          <p:cNvPr id="5" name="Date Placeholder 4"/>
+          <p:cNvSpPr>
+            <a:spLocks noGrp="1"/>
+          </p:cNvSpPr>
+          <p:nvPr>
+            <p:ph type="dt" sz="half" idx="10"/>
+          </p:nvPr>
+        </p:nvSpPr>
+        <p:spPr/>
+        <p:txBody>
+          <a:bodyPr/>
+          <a:lstStyle/>
+          <a:p>
+            <a:fld id="{9E5637FB-0DD5-4D5D-801C-E86BE6288A76}" type="datetimeFigureOut">
+              <a:rPr lang="en-US" smtClean="0"/>
+              <a:t>9/30/2024</a:t>
+            </a:fld>
+            <a:endParaRPr lang="en-US"/>
+          </a:p>
+        </p:txBody>
+      </p:sp>
+      <p:sp>
+        <p:nvSpPr>
+          <p:cNvPr id="6" name="Footer Placeholder 5"/>
+          <p:cNvSpPr>
+            <a:spLocks noGrp="1"/>
+          </p:cNvSpPr>
+          <p:nvPr>
+            <p:ph type="ftr" sz="quarter" idx="11"/>
+          </p:nvPr>
+        </p:nvSpPr>
+        <p:spPr/>
+        <p:txBody>
+          <a:bodyPr/>
+          <a:lstStyle/>
+          <a:p>
+            <a:endParaRPr lang="en-US"/>
+          </a:p>
+        </p:txBody>
+      </p:sp>
+      <p:sp>
+        <p:nvSpPr>
+          <p:cNvPr id="7" name="Slide Number Placeholder 6"/>
+          <p:cNvSpPr>
+            <a:spLocks noGrp="1"/>
+          </p:cNvSpPr>
+          <p:nvPr>
+            <p:ph type="sldNum" sz="quarter" idx="12"/>
+          </p:nvPr>
+        </p:nvSpPr>
+        <p:spPr/>
+        <p:txBody>
+          <a:bodyPr/>
+          <a:lstStyle/>
+          <a:p>
+            <a:fld id="{107944CD-ED6B-4E5C-9A52-7FBDCF2DEF1F}" type="slidenum">
+              <a:rPr lang="en-US" smtClean="0"/>
+              <a:t>‹#›</a:t>
+            </a:fld>
+            <a:endParaRPr lang="en-US"/>
+          </a:p>
+        </p:txBody>
+      </p:sp>
+    </p:spTree>
+    <p:extLst>
+      <p:ext uri="{BB962C8B-B14F-4D97-AF65-F5344CB8AC3E}">
+        <p14:creationId xmlns:p14="http://schemas.microsoft.com/office/powerpoint/2010/main" val="4015427418"/>
+      </p:ext>
+    </p:extLst>
+  </p:cSld>
+  <p:clrMapOvr>
+    <a:masterClrMapping/>
+  </p:clrMapOvr>
+</p:sldLayout>
+</file>
+
+<file path=ppt/slideLayouts/slideLayout11.xml><?xml version="1.0" encoding="utf-8"?>
 <p:sldLayout xmlns:a="http://schemas.openxmlformats.org/drawingml/2006/main" xmlns:r="http://schemas.openxmlformats.org/officeDocument/2006/relationships" xmlns:p="http://schemas.openxmlformats.org/presentationml/2006/main" preserve="1">
   <p:cSld name="Title and Caption">
     <p:spTree>
@@ -486,8 +866,8 @@
         </p:nvSpPr>
         <p:spPr>
           <a:xfrm>
-            <a:off x="2589212" y="609600"/>
-            <a:ext cx="8915399" cy="3117040"/>
+            <a:off x="1303868" y="982132"/>
+            <a:ext cx="9592732" cy="2954868"/>
           </a:xfrm>
         </p:spPr>
         <p:txBody>
@@ -495,8 +875,8 @@
             <a:normAutofit/>
           </a:bodyPr>
           <a:lstStyle>
-            <a:lvl1pPr algn="l">
-              <a:defRPr sz="4800" b="0" cap="none"/>
+            <a:lvl1pPr algn="ctr">
+              <a:defRPr sz="3200" b="0" cap="none"/>
             </a:lvl1pPr>
           </a:lstStyle>
           <a:p>
@@ -520,8 +900,8 @@
         </p:nvSpPr>
         <p:spPr>
           <a:xfrm>
-            <a:off x="2589212" y="4354046"/>
-            <a:ext cx="8915399" cy="1555864"/>
+            <a:off x="1303868" y="4343399"/>
+            <a:ext cx="9592732" cy="1532467"/>
           </a:xfrm>
         </p:spPr>
         <p:txBody>
@@ -529,14 +909,11 @@
             <a:normAutofit/>
           </a:bodyPr>
           <a:lstStyle>
-            <a:lvl1pPr marL="0" indent="0" algn="l">
-              <a:buNone/>
-              <a:defRPr sz="1800">
-                <a:solidFill>
-                  <a:schemeClr val="tx1">
-                    <a:lumMod val="65000"/>
-                    <a:lumOff val="35000"/>
-                  </a:schemeClr>
+            <a:lvl1pPr marL="0" indent="0" algn="ctr">
+              <a:buNone/>
+              <a:defRPr sz="2000">
+                <a:solidFill>
+                  <a:schemeClr val="tx1"/>
                 </a:solidFill>
               </a:defRPr>
             </a:lvl1pPr>
@@ -647,7 +1024,7 @@
           <a:p>
             <a:fld id="{9E5637FB-0DD5-4D5D-801C-E86BE6288A76}" type="datetimeFigureOut">
               <a:rPr lang="en-US" smtClean="0"/>
-              <a:t>9/22/2024</a:t>
+              <a:t>9/30/2024</a:t>
             </a:fld>
             <a:endParaRPr lang="en-US"/>
           </a:p>
@@ -674,88 +1051,6 @@
       </p:sp>
       <p:sp>
         <p:nvSpPr>
-          <p:cNvPr id="9" name="Freeform 11"/>
-          <p:cNvSpPr/>
-          <p:nvPr/>
-        </p:nvSpPr>
-        <p:spPr bwMode="auto">
-          <a:xfrm flipV="1">
-            <a:off x="-4189" y="3178175"/>
-            <a:ext cx="1588527" cy="507297"/>
-          </a:xfrm>
-          <a:custGeom>
-            <a:avLst/>
-            <a:gdLst/>
-            <a:ahLst/>
-            <a:cxnLst/>
-            <a:rect l="l" t="t" r="r" b="b"/>
-            <a:pathLst>
-              <a:path w="9248" h="10000">
-                <a:moveTo>
-                  <a:pt x="9248" y="4701"/>
-                </a:moveTo>
-                <a:lnTo>
-                  <a:pt x="7915" y="188"/>
-                </a:lnTo>
-                <a:cubicBezTo>
-                  <a:pt x="7906" y="156"/>
-                  <a:pt x="7895" y="126"/>
-                  <a:pt x="7886" y="94"/>
-                </a:cubicBezTo>
-                <a:cubicBezTo>
-                  <a:pt x="7859" y="0"/>
-                  <a:pt x="7831" y="0"/>
-                  <a:pt x="7803" y="0"/>
-                </a:cubicBezTo>
-                <a:lnTo>
-                  <a:pt x="7275" y="0"/>
-                </a:lnTo>
-                <a:lnTo>
-                  <a:pt x="0" y="70"/>
-                </a:lnTo>
-                <a:cubicBezTo>
-                  <a:pt x="8" y="3380"/>
-                  <a:pt x="17" y="6690"/>
-                  <a:pt x="25" y="10000"/>
-                </a:cubicBezTo>
-                <a:lnTo>
-                  <a:pt x="7275" y="9966"/>
-                </a:lnTo>
-                <a:lnTo>
-                  <a:pt x="7803" y="9966"/>
-                </a:lnTo>
-                <a:cubicBezTo>
-                  <a:pt x="7831" y="9966"/>
-                  <a:pt x="7859" y="9872"/>
-                  <a:pt x="7886" y="9872"/>
-                </a:cubicBezTo>
-                <a:cubicBezTo>
-                  <a:pt x="7886" y="9778"/>
-                  <a:pt x="7915" y="9778"/>
-                  <a:pt x="7915" y="9778"/>
-                </a:cubicBezTo>
-                <a:lnTo>
-                  <a:pt x="9248" y="5265"/>
-                </a:lnTo>
-                <a:cubicBezTo>
-                  <a:pt x="9303" y="5077"/>
-                  <a:pt x="9303" y="4889"/>
-                  <a:pt x="9248" y="4701"/>
-                </a:cubicBezTo>
-                <a:close/>
-              </a:path>
-            </a:pathLst>
-          </a:custGeom>
-          <a:solidFill>
-            <a:schemeClr val="accent1"/>
-          </a:solidFill>
-          <a:ln>
-            <a:noFill/>
-          </a:ln>
-        </p:spPr>
-      </p:sp>
-      <p:sp>
-        <p:nvSpPr>
           <p:cNvPr id="6" name="Slide Number Placeholder 5"/>
           <p:cNvSpPr>
             <a:spLocks noGrp="1"/>
@@ -764,12 +1059,7 @@
             <p:ph type="sldNum" sz="quarter" idx="12"/>
           </p:nvPr>
         </p:nvSpPr>
-        <p:spPr>
-          <a:xfrm>
-            <a:off x="531812" y="3244139"/>
-            <a:ext cx="779767" cy="365125"/>
-          </a:xfrm>
-        </p:spPr>
+        <p:spPr/>
         <p:txBody>
           <a:bodyPr/>
           <a:lstStyle/>
@@ -782,10 +1072,41 @@
           </a:p>
         </p:txBody>
       </p:sp>
+      <p:cxnSp>
+        <p:nvCxnSpPr>
+          <p:cNvPr id="15" name="Straight Connector 14"/>
+          <p:cNvCxnSpPr/>
+          <p:nvPr/>
+        </p:nvCxnSpPr>
+        <p:spPr>
+          <a:xfrm>
+            <a:off x="1396169" y="4140199"/>
+            <a:ext cx="9407298" cy="0"/>
+          </a:xfrm>
+          <a:prstGeom prst="line">
+            <a:avLst/>
+          </a:prstGeom>
+          <a:ln w="15875"/>
+        </p:spPr>
+        <p:style>
+          <a:lnRef idx="2">
+            <a:schemeClr val="accent1"/>
+          </a:lnRef>
+          <a:fillRef idx="0">
+            <a:schemeClr val="accent1"/>
+          </a:fillRef>
+          <a:effectRef idx="1">
+            <a:schemeClr val="accent1"/>
+          </a:effectRef>
+          <a:fontRef idx="minor">
+            <a:schemeClr val="tx1"/>
+          </a:fontRef>
+        </p:style>
+      </p:cxnSp>
     </p:spTree>
     <p:extLst>
       <p:ext uri="{BB962C8B-B14F-4D97-AF65-F5344CB8AC3E}">
-        <p14:creationId xmlns:p14="http://schemas.microsoft.com/office/powerpoint/2010/main" val="4254967116"/>
+        <p14:creationId xmlns:p14="http://schemas.microsoft.com/office/powerpoint/2010/main" val="2066351143"/>
       </p:ext>
     </p:extLst>
   </p:cSld>
@@ -795,7 +1116,7 @@
 </p:sldLayout>
 </file>
 
-<file path=ppt/slideLayouts/slideLayout11.xml><?xml version="1.0" encoding="utf-8"?>
+<file path=ppt/slideLayouts/slideLayout12.xml><?xml version="1.0" encoding="utf-8"?>
 <p:sldLayout xmlns:a="http://schemas.openxmlformats.org/drawingml/2006/main" xmlns:r="http://schemas.openxmlformats.org/officeDocument/2006/relationships" xmlns:p="http://schemas.openxmlformats.org/presentationml/2006/main" preserve="1">
   <p:cSld name="Quote with Caption">
     <p:spTree>
@@ -824,8 +1145,8 @@
         </p:nvSpPr>
         <p:spPr>
           <a:xfrm>
-            <a:off x="2849949" y="609600"/>
-            <a:ext cx="8393926" cy="2895600"/>
+            <a:off x="1446213" y="982132"/>
+            <a:ext cx="9296398" cy="2370668"/>
           </a:xfrm>
         </p:spPr>
         <p:txBody>
@@ -833,8 +1154,12 @@
             <a:normAutofit/>
           </a:bodyPr>
           <a:lstStyle>
-            <a:lvl1pPr algn="l">
-              <a:defRPr sz="4800" b="0" cap="none"/>
+            <a:lvl1pPr algn="ctr">
+              <a:defRPr sz="3200" b="0" cap="none">
+                <a:solidFill>
+                  <a:schemeClr val="tx1"/>
+                </a:solidFill>
+              </a:defRPr>
             </a:lvl1pPr>
           </a:lstStyle>
           <a:p>
@@ -848,7 +1173,7 @@
       </p:sp>
       <p:sp>
         <p:nvSpPr>
-          <p:cNvPr id="13" name="Text Placeholder 9"/>
+          <p:cNvPr id="10" name="Text Placeholder 9"/>
           <p:cNvSpPr>
             <a:spLocks noGrp="1"/>
           </p:cNvSpPr>
@@ -858,26 +1183,19 @@
         </p:nvSpPr>
         <p:spPr>
           <a:xfrm>
-            <a:off x="3275012" y="3505200"/>
-            <a:ext cx="7536554" cy="381000"/>
+            <a:off x="1674812" y="3352800"/>
+            <a:ext cx="8839202" cy="584200"/>
           </a:xfrm>
         </p:spPr>
         <p:txBody>
           <a:bodyPr anchor="ctr">
-            <a:noAutofit/>
+            <a:normAutofit/>
           </a:bodyPr>
           <a:lstStyle>
-            <a:lvl1pPr marL="0" indent="0">
+            <a:lvl1pPr marL="0" indent="0" algn="r">
               <a:buFontTx/>
               <a:buNone/>
-              <a:defRPr sz="1600">
-                <a:solidFill>
-                  <a:schemeClr val="tx1">
-                    <a:lumMod val="50000"/>
-                    <a:lumOff val="50000"/>
-                  </a:schemeClr>
-                </a:solidFill>
-              </a:defRPr>
+              <a:defRPr sz="2000"/>
             </a:lvl1pPr>
             <a:lvl2pPr marL="457200" indent="0">
               <a:buFontTx/>
@@ -921,8 +1239,8 @@
         </p:nvSpPr>
         <p:spPr>
           <a:xfrm>
-            <a:off x="2589212" y="4354046"/>
-            <a:ext cx="8915399" cy="1555864"/>
+            <a:off x="1295401" y="4343399"/>
+            <a:ext cx="9609666" cy="1532467"/>
           </a:xfrm>
         </p:spPr>
         <p:txBody>
@@ -930,14 +1248,11 @@
             <a:normAutofit/>
           </a:bodyPr>
           <a:lstStyle>
-            <a:lvl1pPr marL="0" indent="0" algn="l">
-              <a:buNone/>
-              <a:defRPr sz="1800">
-                <a:solidFill>
-                  <a:schemeClr val="tx1">
-                    <a:lumMod val="65000"/>
-                    <a:lumOff val="35000"/>
-                  </a:schemeClr>
+            <a:lvl1pPr marL="0" indent="0" algn="ctr">
+              <a:buNone/>
+              <a:defRPr sz="2000">
+                <a:solidFill>
+                  <a:schemeClr val="tx1"/>
                 </a:solidFill>
               </a:defRPr>
             </a:lvl1pPr>
@@ -1048,7 +1363,7 @@
           <a:p>
             <a:fld id="{9E5637FB-0DD5-4D5D-801C-E86BE6288A76}" type="datetimeFigureOut">
               <a:rPr lang="en-US" smtClean="0"/>
-              <a:t>9/22/2024</a:t>
+              <a:t>9/30/2024</a:t>
             </a:fld>
             <a:endParaRPr lang="en-US"/>
           </a:p>
@@ -1075,88 +1390,6 @@
       </p:sp>
       <p:sp>
         <p:nvSpPr>
-          <p:cNvPr id="11" name="Freeform 11"/>
-          <p:cNvSpPr/>
-          <p:nvPr/>
-        </p:nvSpPr>
-        <p:spPr bwMode="auto">
-          <a:xfrm flipV="1">
-            <a:off x="-4189" y="3178175"/>
-            <a:ext cx="1588527" cy="507297"/>
-          </a:xfrm>
-          <a:custGeom>
-            <a:avLst/>
-            <a:gdLst/>
-            <a:ahLst/>
-            <a:cxnLst/>
-            <a:rect l="l" t="t" r="r" b="b"/>
-            <a:pathLst>
-              <a:path w="9248" h="10000">
-                <a:moveTo>
-                  <a:pt x="9248" y="4701"/>
-                </a:moveTo>
-                <a:lnTo>
-                  <a:pt x="7915" y="188"/>
-                </a:lnTo>
-                <a:cubicBezTo>
-                  <a:pt x="7906" y="156"/>
-                  <a:pt x="7895" y="126"/>
-                  <a:pt x="7886" y="94"/>
-                </a:cubicBezTo>
-                <a:cubicBezTo>
-                  <a:pt x="7859" y="0"/>
-                  <a:pt x="7831" y="0"/>
-                  <a:pt x="7803" y="0"/>
-                </a:cubicBezTo>
-                <a:lnTo>
-                  <a:pt x="7275" y="0"/>
-                </a:lnTo>
-                <a:lnTo>
-                  <a:pt x="0" y="70"/>
-                </a:lnTo>
-                <a:cubicBezTo>
-                  <a:pt x="8" y="3380"/>
-                  <a:pt x="17" y="6690"/>
-                  <a:pt x="25" y="10000"/>
-                </a:cubicBezTo>
-                <a:lnTo>
-                  <a:pt x="7275" y="9966"/>
-                </a:lnTo>
-                <a:lnTo>
-                  <a:pt x="7803" y="9966"/>
-                </a:lnTo>
-                <a:cubicBezTo>
-                  <a:pt x="7831" y="9966"/>
-                  <a:pt x="7859" y="9872"/>
-                  <a:pt x="7886" y="9872"/>
-                </a:cubicBezTo>
-                <a:cubicBezTo>
-                  <a:pt x="7886" y="9778"/>
-                  <a:pt x="7915" y="9778"/>
-                  <a:pt x="7915" y="9778"/>
-                </a:cubicBezTo>
-                <a:lnTo>
-                  <a:pt x="9248" y="5265"/>
-                </a:lnTo>
-                <a:cubicBezTo>
-                  <a:pt x="9303" y="5077"/>
-                  <a:pt x="9303" y="4889"/>
-                  <a:pt x="9248" y="4701"/>
-                </a:cubicBezTo>
-                <a:close/>
-              </a:path>
-            </a:pathLst>
-          </a:custGeom>
-          <a:solidFill>
-            <a:schemeClr val="accent1"/>
-          </a:solidFill>
-          <a:ln>
-            <a:noFill/>
-          </a:ln>
-        </p:spPr>
-      </p:sp>
-      <p:sp>
-        <p:nvSpPr>
           <p:cNvPr id="6" name="Slide Number Placeholder 5"/>
           <p:cNvSpPr>
             <a:spLocks noGrp="1"/>
@@ -1165,12 +1398,7 @@
             <p:ph type="sldNum" sz="quarter" idx="12"/>
           </p:nvPr>
         </p:nvSpPr>
-        <p:spPr>
-          <a:xfrm>
-            <a:off x="531812" y="3244139"/>
-            <a:ext cx="779767" cy="365125"/>
-          </a:xfrm>
-        </p:spPr>
+        <p:spPr/>
         <p:txBody>
           <a:bodyPr/>
           <a:lstStyle/>
@@ -1191,7 +1419,7 @@
         </p:nvSpPr>
         <p:spPr>
           <a:xfrm>
-            <a:off x="2467652" y="648005"/>
+            <a:off x="862013" y="879961"/>
             <a:ext cx="609600" cy="584776"/>
           </a:xfrm>
           <a:prstGeom prst="rect">
@@ -1206,15 +1434,11 @@
           <a:p>
             <a:pPr lvl="0"/>
             <a:r>
-              <a:rPr lang="en-US" sz="8000" baseline="0" dirty="0">
-                <a:ln w="3175" cmpd="sng">
-                  <a:noFill/>
-                </a:ln>
-                <a:solidFill>
-                  <a:schemeClr val="accent1"/>
+              <a:rPr lang="en-US" sz="8000" dirty="0">
+                <a:solidFill>
+                  <a:schemeClr val="tx1"/>
                 </a:solidFill>
                 <a:effectLst/>
-                <a:latin typeface="Arial"/>
               </a:rPr>
               <a:t>“</a:t>
             </a:r>
@@ -1229,7 +1453,7 @@
         </p:nvSpPr>
         <p:spPr>
           <a:xfrm>
-            <a:off x="11114852" y="2905306"/>
+            <a:off x="10600267" y="2827870"/>
             <a:ext cx="609600" cy="584776"/>
           </a:xfrm>
           <a:prstGeom prst="rect">
@@ -1242,27 +1466,54 @@
           </a:bodyPr>
           <a:lstStyle/>
           <a:p>
-            <a:pPr lvl="0"/>
-            <a:r>
-              <a:rPr lang="en-US" sz="8000" baseline="0" dirty="0">
-                <a:ln w="3175" cmpd="sng">
-                  <a:noFill/>
-                </a:ln>
-                <a:solidFill>
-                  <a:schemeClr val="accent1"/>
+            <a:pPr lvl="0" algn="r"/>
+            <a:r>
+              <a:rPr lang="en-US" sz="8000" dirty="0">
+                <a:solidFill>
+                  <a:schemeClr val="tx1"/>
                 </a:solidFill>
                 <a:effectLst/>
-                <a:latin typeface="Arial"/>
               </a:rPr>
               <a:t>”</a:t>
             </a:r>
           </a:p>
         </p:txBody>
       </p:sp>
+      <p:cxnSp>
+        <p:nvCxnSpPr>
+          <p:cNvPr id="19" name="Straight Connector 18"/>
+          <p:cNvCxnSpPr/>
+          <p:nvPr/>
+        </p:nvCxnSpPr>
+        <p:spPr>
+          <a:xfrm>
+            <a:off x="1396169" y="4140199"/>
+            <a:ext cx="9407298" cy="0"/>
+          </a:xfrm>
+          <a:prstGeom prst="line">
+            <a:avLst/>
+          </a:prstGeom>
+          <a:ln w="15875"/>
+        </p:spPr>
+        <p:style>
+          <a:lnRef idx="2">
+            <a:schemeClr val="accent1"/>
+          </a:lnRef>
+          <a:fillRef idx="0">
+            <a:schemeClr val="accent1"/>
+          </a:fillRef>
+          <a:effectRef idx="1">
+            <a:schemeClr val="accent1"/>
+          </a:effectRef>
+          <a:fontRef idx="minor">
+            <a:schemeClr val="tx1"/>
+          </a:fontRef>
+        </p:style>
+      </p:cxnSp>
     </p:spTree>
     <p:extLst>
       <p:ext uri="{BB962C8B-B14F-4D97-AF65-F5344CB8AC3E}">
-        <p14:creationId xmlns:p14="http://schemas.microsoft.com/office/powerpoint/2010/main" val="72824693"/>
+        <p14:creationId xmlns:p14="http://schemas.microsoft.com/office/powerpoint/2010/main" val="1878198797"/>
       </p:ext>
     </p:extLst>
   </p:cSld>
@@ -1272,7 +1523,7 @@
 </p:sldLayout>
 </file>
 
-<file path=ppt/slideLayouts/slideLayout12.xml><?xml version="1.0" encoding="utf-8"?>
+<file path=ppt/slideLayouts/slideLayout13.xml><?xml version="1.0" encoding="utf-8"?>
 <p:sldLayout xmlns:a="http://schemas.openxmlformats.org/drawingml/2006/main" xmlns:r="http://schemas.openxmlformats.org/officeDocument/2006/relationships" xmlns:p="http://schemas.openxmlformats.org/presentationml/2006/main" preserve="1">
   <p:cSld name="Name Card">
     <p:spTree>
@@ -1301,8 +1552,8 @@
         </p:nvSpPr>
         <p:spPr>
           <a:xfrm>
-            <a:off x="2589213" y="2438400"/>
-            <a:ext cx="8915400" cy="2724845"/>
+            <a:off x="1295402" y="3308581"/>
+            <a:ext cx="9609668" cy="1468800"/>
           </a:xfrm>
         </p:spPr>
         <p:txBody>
@@ -1311,7 +1562,7 @@
           </a:bodyPr>
           <a:lstStyle>
             <a:lvl1pPr algn="l">
-              <a:defRPr sz="4800" b="0"/>
+              <a:defRPr sz="3200" b="0" cap="none"/>
             </a:lvl1pPr>
           </a:lstStyle>
           <a:p>
@@ -1325,41 +1576,116 @@
       </p:sp>
       <p:sp>
         <p:nvSpPr>
-          <p:cNvPr id="4" name="Text Placeholder 3"/>
-          <p:cNvSpPr>
-            <a:spLocks noGrp="1"/>
-          </p:cNvSpPr>
-          <p:nvPr>
-            <p:ph type="body" sz="half" idx="2"/>
-          </p:nvPr>
-        </p:nvSpPr>
-        <p:spPr>
-          <a:xfrm>
-            <a:off x="2589213" y="5181600"/>
-            <a:ext cx="8915400" cy="729622"/>
-          </a:xfrm>
-        </p:spPr>
-        <p:txBody>
-          <a:bodyPr vert="horz" lIns="91440" tIns="45720" rIns="91440" bIns="45720" rtlCol="0" anchor="t">
+          <p:cNvPr id="3" name="Text Placeholder 2"/>
+          <p:cNvSpPr>
+            <a:spLocks noGrp="1"/>
+          </p:cNvSpPr>
+          <p:nvPr>
+            <p:ph type="body" idx="1"/>
+          </p:nvPr>
+        </p:nvSpPr>
+        <p:spPr>
+          <a:xfrm>
+            <a:off x="1295401" y="4777381"/>
+            <a:ext cx="9609668" cy="860400"/>
+          </a:xfrm>
+        </p:spPr>
+        <p:txBody>
+          <a:bodyPr anchor="t">
             <a:normAutofit/>
           </a:bodyPr>
           <a:lstStyle>
-            <a:lvl1pPr>
-              <a:buNone/>
-              <a:defRPr lang="en-US">
+            <a:lvl1pPr marL="0" indent="0" algn="l">
+              <a:buNone/>
+              <a:defRPr sz="2000">
+                <a:solidFill>
+                  <a:schemeClr val="tx1"/>
+                </a:solidFill>
+              </a:defRPr>
+            </a:lvl1pPr>
+            <a:lvl2pPr marL="457200" indent="0">
+              <a:buNone/>
+              <a:defRPr sz="1800">
                 <a:solidFill>
                   <a:schemeClr val="tx1">
-                    <a:lumMod val="65000"/>
-                    <a:lumOff val="35000"/>
+                    <a:tint val="75000"/>
                   </a:schemeClr>
                 </a:solidFill>
               </a:defRPr>
-            </a:lvl1pPr>
+            </a:lvl2pPr>
+            <a:lvl3pPr marL="914400" indent="0">
+              <a:buNone/>
+              <a:defRPr sz="1600">
+                <a:solidFill>
+                  <a:schemeClr val="tx1">
+                    <a:tint val="75000"/>
+                  </a:schemeClr>
+                </a:solidFill>
+              </a:defRPr>
+            </a:lvl3pPr>
+            <a:lvl4pPr marL="1371600" indent="0">
+              <a:buNone/>
+              <a:defRPr sz="1400">
+                <a:solidFill>
+                  <a:schemeClr val="tx1">
+                    <a:tint val="75000"/>
+                  </a:schemeClr>
+                </a:solidFill>
+              </a:defRPr>
+            </a:lvl4pPr>
+            <a:lvl5pPr marL="1828800" indent="0">
+              <a:buNone/>
+              <a:defRPr sz="1400">
+                <a:solidFill>
+                  <a:schemeClr val="tx1">
+                    <a:tint val="75000"/>
+                  </a:schemeClr>
+                </a:solidFill>
+              </a:defRPr>
+            </a:lvl5pPr>
+            <a:lvl6pPr marL="2286000" indent="0">
+              <a:buNone/>
+              <a:defRPr sz="1400">
+                <a:solidFill>
+                  <a:schemeClr val="tx1">
+                    <a:tint val="75000"/>
+                  </a:schemeClr>
+                </a:solidFill>
+              </a:defRPr>
+            </a:lvl6pPr>
+            <a:lvl7pPr marL="2743200" indent="0">
+              <a:buNone/>
+              <a:defRPr sz="1400">
+                <a:solidFill>
+                  <a:schemeClr val="tx1">
+                    <a:tint val="75000"/>
+                  </a:schemeClr>
+                </a:solidFill>
+              </a:defRPr>
+            </a:lvl7pPr>
+            <a:lvl8pPr marL="3200400" indent="0">
+              <a:buNone/>
+              <a:defRPr sz="1400">
+                <a:solidFill>
+                  <a:schemeClr val="tx1">
+                    <a:tint val="75000"/>
+                  </a:schemeClr>
+                </a:solidFill>
+              </a:defRPr>
+            </a:lvl8pPr>
+            <a:lvl9pPr marL="3657600" indent="0">
+              <a:buNone/>
+              <a:defRPr sz="1400">
+                <a:solidFill>
+                  <a:schemeClr val="tx1">
+                    <a:tint val="75000"/>
+                  </a:schemeClr>
+                </a:solidFill>
+              </a:defRPr>
+            </a:lvl9pPr>
           </a:lstStyle>
           <a:p>
-            <a:pPr marL="0" lvl="0" indent="0">
-              <a:buNone/>
-            </a:pPr>
+            <a:pPr lvl="0"/>
             <a:r>
               <a:rPr lang="en-US"/>
               <a:t>Click to edit Master text styles</a:t>
@@ -1369,7 +1695,7 @@
       </p:sp>
       <p:sp>
         <p:nvSpPr>
-          <p:cNvPr id="5" name="Date Placeholder 4"/>
+          <p:cNvPr id="4" name="Date Placeholder 3"/>
           <p:cNvSpPr>
             <a:spLocks noGrp="1"/>
           </p:cNvSpPr>
@@ -1384,7 +1710,7 @@
           <a:p>
             <a:fld id="{9E5637FB-0DD5-4D5D-801C-E86BE6288A76}" type="datetimeFigureOut">
               <a:rPr lang="en-US" smtClean="0"/>
-              <a:t>9/22/2024</a:t>
+              <a:t>9/30/2024</a:t>
             </a:fld>
             <a:endParaRPr lang="en-US"/>
           </a:p>
@@ -1392,7 +1718,7 @@
       </p:sp>
       <p:sp>
         <p:nvSpPr>
-          <p:cNvPr id="6" name="Footer Placeholder 5"/>
+          <p:cNvPr id="5" name="Footer Placeholder 4"/>
           <p:cNvSpPr>
             <a:spLocks noGrp="1"/>
           </p:cNvSpPr>
@@ -1411,89 +1737,7 @@
       </p:sp>
       <p:sp>
         <p:nvSpPr>
-          <p:cNvPr id="9" name="Freeform 11"/>
-          <p:cNvSpPr/>
-          <p:nvPr/>
-        </p:nvSpPr>
-        <p:spPr bwMode="auto">
-          <a:xfrm flipV="1">
-            <a:off x="-4189" y="4911725"/>
-            <a:ext cx="1588527" cy="507297"/>
-          </a:xfrm>
-          <a:custGeom>
-            <a:avLst/>
-            <a:gdLst/>
-            <a:ahLst/>
-            <a:cxnLst/>
-            <a:rect l="l" t="t" r="r" b="b"/>
-            <a:pathLst>
-              <a:path w="9248" h="10000">
-                <a:moveTo>
-                  <a:pt x="9248" y="4701"/>
-                </a:moveTo>
-                <a:lnTo>
-                  <a:pt x="7915" y="188"/>
-                </a:lnTo>
-                <a:cubicBezTo>
-                  <a:pt x="7906" y="156"/>
-                  <a:pt x="7895" y="126"/>
-                  <a:pt x="7886" y="94"/>
-                </a:cubicBezTo>
-                <a:cubicBezTo>
-                  <a:pt x="7859" y="0"/>
-                  <a:pt x="7831" y="0"/>
-                  <a:pt x="7803" y="0"/>
-                </a:cubicBezTo>
-                <a:lnTo>
-                  <a:pt x="7275" y="0"/>
-                </a:lnTo>
-                <a:lnTo>
-                  <a:pt x="0" y="70"/>
-                </a:lnTo>
-                <a:cubicBezTo>
-                  <a:pt x="8" y="3380"/>
-                  <a:pt x="17" y="6690"/>
-                  <a:pt x="25" y="10000"/>
-                </a:cubicBezTo>
-                <a:lnTo>
-                  <a:pt x="7275" y="9966"/>
-                </a:lnTo>
-                <a:lnTo>
-                  <a:pt x="7803" y="9966"/>
-                </a:lnTo>
-                <a:cubicBezTo>
-                  <a:pt x="7831" y="9966"/>
-                  <a:pt x="7859" y="9872"/>
-                  <a:pt x="7886" y="9872"/>
-                </a:cubicBezTo>
-                <a:cubicBezTo>
-                  <a:pt x="7886" y="9778"/>
-                  <a:pt x="7915" y="9778"/>
-                  <a:pt x="7915" y="9778"/>
-                </a:cubicBezTo>
-                <a:lnTo>
-                  <a:pt x="9248" y="5265"/>
-                </a:lnTo>
-                <a:cubicBezTo>
-                  <a:pt x="9303" y="5077"/>
-                  <a:pt x="9303" y="4889"/>
-                  <a:pt x="9248" y="4701"/>
-                </a:cubicBezTo>
-                <a:close/>
-              </a:path>
-            </a:pathLst>
-          </a:custGeom>
-          <a:solidFill>
-            <a:schemeClr val="accent1"/>
-          </a:solidFill>
-          <a:ln>
-            <a:noFill/>
-          </a:ln>
-        </p:spPr>
-      </p:sp>
-      <p:sp>
-        <p:nvSpPr>
-          <p:cNvPr id="7" name="Slide Number Placeholder 6"/>
+          <p:cNvPr id="6" name="Slide Number Placeholder 5"/>
           <p:cNvSpPr>
             <a:spLocks noGrp="1"/>
           </p:cNvSpPr>
@@ -1501,12 +1745,7 @@
             <p:ph type="sldNum" sz="quarter" idx="12"/>
           </p:nvPr>
         </p:nvSpPr>
-        <p:spPr>
-          <a:xfrm>
-            <a:off x="531812" y="4983087"/>
-            <a:ext cx="779767" cy="365125"/>
-          </a:xfrm>
-        </p:spPr>
+        <p:spPr/>
         <p:txBody>
           <a:bodyPr/>
           <a:lstStyle/>
@@ -1522,7 +1761,7 @@
     </p:spTree>
     <p:extLst>
       <p:ext uri="{BB962C8B-B14F-4D97-AF65-F5344CB8AC3E}">
-        <p14:creationId xmlns:p14="http://schemas.microsoft.com/office/powerpoint/2010/main" val="3939552690"/>
+        <p14:creationId xmlns:p14="http://schemas.microsoft.com/office/powerpoint/2010/main" val="3333655264"/>
       </p:ext>
     </p:extLst>
   </p:cSld>
@@ -1532,7 +1771,7 @@
 </p:sldLayout>
 </file>
 
-<file path=ppt/slideLayouts/slideLayout13.xml><?xml version="1.0" encoding="utf-8"?>
+<file path=ppt/slideLayouts/slideLayout14.xml><?xml version="1.0" encoding="utf-8"?>
 <p:sldLayout xmlns:a="http://schemas.openxmlformats.org/drawingml/2006/main" xmlns:r="http://schemas.openxmlformats.org/officeDocument/2006/relationships" xmlns:p="http://schemas.openxmlformats.org/presentationml/2006/main" preserve="1">
   <p:cSld name="Quote Name Card">
     <p:spTree>
@@ -1551,7 +1790,7 @@
       </p:grpSpPr>
       <p:sp>
         <p:nvSpPr>
-          <p:cNvPr id="12" name="Title 1"/>
+          <p:cNvPr id="2" name="Title 1"/>
           <p:cNvSpPr>
             <a:spLocks noGrp="1"/>
           </p:cNvSpPr>
@@ -1561,8 +1800,8 @@
         </p:nvSpPr>
         <p:spPr>
           <a:xfrm>
-            <a:off x="2849949" y="609600"/>
-            <a:ext cx="8393926" cy="2895600"/>
+            <a:off x="1446213" y="982132"/>
+            <a:ext cx="9296398" cy="2243668"/>
           </a:xfrm>
         </p:spPr>
         <p:txBody>
@@ -1570,8 +1809,12 @@
             <a:normAutofit/>
           </a:bodyPr>
           <a:lstStyle>
-            <a:lvl1pPr algn="l">
-              <a:defRPr sz="4800" b="0" cap="none"/>
+            <a:lvl1pPr algn="ctr">
+              <a:defRPr sz="3200" b="0" cap="none">
+                <a:solidFill>
+                  <a:schemeClr val="tx1"/>
+                </a:solidFill>
+              </a:defRPr>
             </a:lvl1pPr>
           </a:lstStyle>
           <a:p>
@@ -1585,101 +1828,119 @@
       </p:sp>
       <p:sp>
         <p:nvSpPr>
-          <p:cNvPr id="21" name="Text Placeholder 9"/>
-          <p:cNvSpPr>
-            <a:spLocks noGrp="1"/>
-          </p:cNvSpPr>
-          <p:nvPr>
-            <p:ph type="body" sz="quarter" idx="13"/>
-          </p:nvPr>
-        </p:nvSpPr>
-        <p:spPr>
-          <a:xfrm>
-            <a:off x="2589212" y="4343400"/>
-            <a:ext cx="8915400" cy="838200"/>
+          <p:cNvPr id="23" name="Text Placeholder 2"/>
+          <p:cNvSpPr>
+            <a:spLocks noGrp="1"/>
+          </p:cNvSpPr>
+          <p:nvPr>
+            <p:ph type="body" idx="13"/>
+          </p:nvPr>
+        </p:nvSpPr>
+        <p:spPr>
+          <a:xfrm>
+            <a:off x="1295401" y="3639312"/>
+            <a:ext cx="9609668" cy="886968"/>
           </a:xfrm>
         </p:spPr>
         <p:txBody>
           <a:bodyPr anchor="b">
-            <a:noAutofit/>
-          </a:bodyPr>
-          <a:lstStyle>
-            <a:lvl1pPr marL="0" indent="0">
-              <a:buFontTx/>
-              <a:buNone/>
-              <a:defRPr sz="2400">
-                <a:solidFill>
-                  <a:schemeClr val="accent1"/>
-                </a:solidFill>
-              </a:defRPr>
-            </a:lvl1pPr>
-            <a:lvl2pPr marL="457200" indent="0">
-              <a:buFontTx/>
-              <a:buNone/>
-              <a:defRPr/>
-            </a:lvl2pPr>
-            <a:lvl3pPr marL="914400" indent="0">
-              <a:buFontTx/>
-              <a:buNone/>
-              <a:defRPr/>
-            </a:lvl3pPr>
-            <a:lvl4pPr marL="1371600" indent="0">
-              <a:buFontTx/>
-              <a:buNone/>
-              <a:defRPr/>
-            </a:lvl4pPr>
-            <a:lvl5pPr marL="1828800" indent="0">
-              <a:buFontTx/>
-              <a:buNone/>
-              <a:defRPr/>
-            </a:lvl5pPr>
-          </a:lstStyle>
-          <a:p>
-            <a:pPr lvl="0"/>
-            <a:r>
-              <a:rPr lang="en-US"/>
-              <a:t>Click to edit Master text styles</a:t>
-            </a:r>
-          </a:p>
-        </p:txBody>
-      </p:sp>
-      <p:sp>
-        <p:nvSpPr>
-          <p:cNvPr id="4" name="Text Placeholder 3"/>
-          <p:cNvSpPr>
-            <a:spLocks noGrp="1"/>
-          </p:cNvSpPr>
-          <p:nvPr>
-            <p:ph type="body" sz="half" idx="2"/>
-          </p:nvPr>
-        </p:nvSpPr>
-        <p:spPr>
-          <a:xfrm>
-            <a:off x="2589213" y="5181600"/>
-            <a:ext cx="8915400" cy="729622"/>
-          </a:xfrm>
-        </p:spPr>
-        <p:txBody>
-          <a:bodyPr vert="horz" lIns="91440" tIns="45720" rIns="91440" bIns="45720" rtlCol="0" anchor="t">
             <a:normAutofit/>
           </a:bodyPr>
           <a:lstStyle>
-            <a:lvl1pPr>
-              <a:buNone/>
-              <a:defRPr lang="en-US">
+            <a:lvl1pPr marL="0" indent="0" algn="l">
+              <a:spcBef>
+                <a:spcPts val="0"/>
+              </a:spcBef>
+              <a:buNone/>
+              <a:defRPr sz="2400">
+                <a:solidFill>
+                  <a:schemeClr val="tx1"/>
+                </a:solidFill>
+              </a:defRPr>
+            </a:lvl1pPr>
+            <a:lvl2pPr marL="457200" indent="0">
+              <a:buNone/>
+              <a:defRPr sz="1800">
                 <a:solidFill>
                   <a:schemeClr val="tx1">
-                    <a:lumMod val="65000"/>
-                    <a:lumOff val="35000"/>
+                    <a:tint val="75000"/>
                   </a:schemeClr>
                 </a:solidFill>
               </a:defRPr>
-            </a:lvl1pPr>
+            </a:lvl2pPr>
+            <a:lvl3pPr marL="914400" indent="0">
+              <a:buNone/>
+              <a:defRPr sz="1600">
+                <a:solidFill>
+                  <a:schemeClr val="tx1">
+                    <a:tint val="75000"/>
+                  </a:schemeClr>
+                </a:solidFill>
+              </a:defRPr>
+            </a:lvl3pPr>
+            <a:lvl4pPr marL="1371600" indent="0">
+              <a:buNone/>
+              <a:defRPr sz="1400">
+                <a:solidFill>
+                  <a:schemeClr val="tx1">
+                    <a:tint val="75000"/>
+                  </a:schemeClr>
+                </a:solidFill>
+              </a:defRPr>
+            </a:lvl4pPr>
+            <a:lvl5pPr marL="1828800" indent="0">
+              <a:buNone/>
+              <a:defRPr sz="1400">
+                <a:solidFill>
+                  <a:schemeClr val="tx1">
+                    <a:tint val="75000"/>
+                  </a:schemeClr>
+                </a:solidFill>
+              </a:defRPr>
+            </a:lvl5pPr>
+            <a:lvl6pPr marL="2286000" indent="0">
+              <a:buNone/>
+              <a:defRPr sz="1400">
+                <a:solidFill>
+                  <a:schemeClr val="tx1">
+                    <a:tint val="75000"/>
+                  </a:schemeClr>
+                </a:solidFill>
+              </a:defRPr>
+            </a:lvl6pPr>
+            <a:lvl7pPr marL="2743200" indent="0">
+              <a:buNone/>
+              <a:defRPr sz="1400">
+                <a:solidFill>
+                  <a:schemeClr val="tx1">
+                    <a:tint val="75000"/>
+                  </a:schemeClr>
+                </a:solidFill>
+              </a:defRPr>
+            </a:lvl7pPr>
+            <a:lvl8pPr marL="3200400" indent="0">
+              <a:buNone/>
+              <a:defRPr sz="1400">
+                <a:solidFill>
+                  <a:schemeClr val="tx1">
+                    <a:tint val="75000"/>
+                  </a:schemeClr>
+                </a:solidFill>
+              </a:defRPr>
+            </a:lvl8pPr>
+            <a:lvl9pPr marL="3657600" indent="0">
+              <a:buNone/>
+              <a:defRPr sz="1400">
+                <a:solidFill>
+                  <a:schemeClr val="tx1">
+                    <a:tint val="75000"/>
+                  </a:schemeClr>
+                </a:solidFill>
+              </a:defRPr>
+            </a:lvl9pPr>
           </a:lstStyle>
           <a:p>
-            <a:pPr marL="0" lvl="0" indent="0">
-              <a:buNone/>
-            </a:pPr>
+            <a:pPr lvl="0"/>
             <a:r>
               <a:rPr lang="en-US"/>
               <a:t>Click to edit Master text styles</a:t>
@@ -1689,7 +1950,126 @@
       </p:sp>
       <p:sp>
         <p:nvSpPr>
-          <p:cNvPr id="5" name="Date Placeholder 4"/>
+          <p:cNvPr id="3" name="Text Placeholder 2"/>
+          <p:cNvSpPr>
+            <a:spLocks noGrp="1"/>
+          </p:cNvSpPr>
+          <p:nvPr>
+            <p:ph type="body" idx="1"/>
+          </p:nvPr>
+        </p:nvSpPr>
+        <p:spPr>
+          <a:xfrm>
+            <a:off x="1295401" y="4529667"/>
+            <a:ext cx="9609668" cy="1346200"/>
+          </a:xfrm>
+        </p:spPr>
+        <p:txBody>
+          <a:bodyPr anchor="t">
+            <a:normAutofit/>
+          </a:bodyPr>
+          <a:lstStyle>
+            <a:lvl1pPr marL="0" indent="0" algn="l">
+              <a:buNone/>
+              <a:defRPr sz="1800">
+                <a:solidFill>
+                  <a:schemeClr val="tx1"/>
+                </a:solidFill>
+              </a:defRPr>
+            </a:lvl1pPr>
+            <a:lvl2pPr marL="457200" indent="0">
+              <a:buNone/>
+              <a:defRPr sz="1800">
+                <a:solidFill>
+                  <a:schemeClr val="tx1">
+                    <a:tint val="75000"/>
+                  </a:schemeClr>
+                </a:solidFill>
+              </a:defRPr>
+            </a:lvl2pPr>
+            <a:lvl3pPr marL="914400" indent="0">
+              <a:buNone/>
+              <a:defRPr sz="1600">
+                <a:solidFill>
+                  <a:schemeClr val="tx1">
+                    <a:tint val="75000"/>
+                  </a:schemeClr>
+                </a:solidFill>
+              </a:defRPr>
+            </a:lvl3pPr>
+            <a:lvl4pPr marL="1371600" indent="0">
+              <a:buNone/>
+              <a:defRPr sz="1400">
+                <a:solidFill>
+                  <a:schemeClr val="tx1">
+                    <a:tint val="75000"/>
+                  </a:schemeClr>
+                </a:solidFill>
+              </a:defRPr>
+            </a:lvl4pPr>
+            <a:lvl5pPr marL="1828800" indent="0">
+              <a:buNone/>
+              <a:defRPr sz="1400">
+                <a:solidFill>
+                  <a:schemeClr val="tx1">
+                    <a:tint val="75000"/>
+                  </a:schemeClr>
+                </a:solidFill>
+              </a:defRPr>
+            </a:lvl5pPr>
+            <a:lvl6pPr marL="2286000" indent="0">
+              <a:buNone/>
+              <a:defRPr sz="1400">
+                <a:solidFill>
+                  <a:schemeClr val="tx1">
+                    <a:tint val="75000"/>
+                  </a:schemeClr>
+                </a:solidFill>
+              </a:defRPr>
+            </a:lvl6pPr>
+            <a:lvl7pPr marL="2743200" indent="0">
+              <a:buNone/>
+              <a:defRPr sz="1400">
+                <a:solidFill>
+                  <a:schemeClr val="tx1">
+                    <a:tint val="75000"/>
+                  </a:schemeClr>
+                </a:solidFill>
+              </a:defRPr>
+            </a:lvl7pPr>
+            <a:lvl8pPr marL="3200400" indent="0">
+              <a:buNone/>
+              <a:defRPr sz="1400">
+                <a:solidFill>
+                  <a:schemeClr val="tx1">
+                    <a:tint val="75000"/>
+                  </a:schemeClr>
+                </a:solidFill>
+              </a:defRPr>
+            </a:lvl8pPr>
+            <a:lvl9pPr marL="3657600" indent="0">
+              <a:buNone/>
+              <a:defRPr sz="1400">
+                <a:solidFill>
+                  <a:schemeClr val="tx1">
+                    <a:tint val="75000"/>
+                  </a:schemeClr>
+                </a:solidFill>
+              </a:defRPr>
+            </a:lvl9pPr>
+          </a:lstStyle>
+          <a:p>
+            <a:pPr lvl="0"/>
+            <a:r>
+              <a:rPr lang="en-US"/>
+              <a:t>Click to edit Master text styles</a:t>
+            </a:r>
+          </a:p>
+        </p:txBody>
+      </p:sp>
+      <p:sp>
+        <p:nvSpPr>
+          <p:cNvPr id="4" name="Date Placeholder 3"/>
           <p:cNvSpPr>
             <a:spLocks noGrp="1"/>
           </p:cNvSpPr>
@@ -1704,7 +2084,7 @@
           <a:p>
             <a:fld id="{9E5637FB-0DD5-4D5D-801C-E86BE6288A76}" type="datetimeFigureOut">
               <a:rPr lang="en-US" smtClean="0"/>
-              <a:t>9/22/2024</a:t>
+              <a:t>9/30/2024</a:t>
             </a:fld>
             <a:endParaRPr lang="en-US"/>
           </a:p>
@@ -1712,7 +2092,7 @@
       </p:sp>
       <p:sp>
         <p:nvSpPr>
-          <p:cNvPr id="6" name="Footer Placeholder 5"/>
+          <p:cNvPr id="5" name="Footer Placeholder 4"/>
           <p:cNvSpPr>
             <a:spLocks noGrp="1"/>
           </p:cNvSpPr>
@@ -1731,89 +2111,7 @@
       </p:sp>
       <p:sp>
         <p:nvSpPr>
-          <p:cNvPr id="11" name="Freeform 11"/>
-          <p:cNvSpPr/>
-          <p:nvPr/>
-        </p:nvSpPr>
-        <p:spPr bwMode="auto">
-          <a:xfrm flipV="1">
-            <a:off x="-4189" y="4911725"/>
-            <a:ext cx="1588527" cy="507297"/>
-          </a:xfrm>
-          <a:custGeom>
-            <a:avLst/>
-            <a:gdLst/>
-            <a:ahLst/>
-            <a:cxnLst/>
-            <a:rect l="l" t="t" r="r" b="b"/>
-            <a:pathLst>
-              <a:path w="9248" h="10000">
-                <a:moveTo>
-                  <a:pt x="9248" y="4701"/>
-                </a:moveTo>
-                <a:lnTo>
-                  <a:pt x="7915" y="188"/>
-                </a:lnTo>
-                <a:cubicBezTo>
-                  <a:pt x="7906" y="156"/>
-                  <a:pt x="7895" y="126"/>
-                  <a:pt x="7886" y="94"/>
-                </a:cubicBezTo>
-                <a:cubicBezTo>
-                  <a:pt x="7859" y="0"/>
-                  <a:pt x="7831" y="0"/>
-                  <a:pt x="7803" y="0"/>
-                </a:cubicBezTo>
-                <a:lnTo>
-                  <a:pt x="7275" y="0"/>
-                </a:lnTo>
-                <a:lnTo>
-                  <a:pt x="0" y="70"/>
-                </a:lnTo>
-                <a:cubicBezTo>
-                  <a:pt x="8" y="3380"/>
-                  <a:pt x="17" y="6690"/>
-                  <a:pt x="25" y="10000"/>
-                </a:cubicBezTo>
-                <a:lnTo>
-                  <a:pt x="7275" y="9966"/>
-                </a:lnTo>
-                <a:lnTo>
-                  <a:pt x="7803" y="9966"/>
-                </a:lnTo>
-                <a:cubicBezTo>
-                  <a:pt x="7831" y="9966"/>
-                  <a:pt x="7859" y="9872"/>
-                  <a:pt x="7886" y="9872"/>
-                </a:cubicBezTo>
-                <a:cubicBezTo>
-                  <a:pt x="7886" y="9778"/>
-                  <a:pt x="7915" y="9778"/>
-                  <a:pt x="7915" y="9778"/>
-                </a:cubicBezTo>
-                <a:lnTo>
-                  <a:pt x="9248" y="5265"/>
-                </a:lnTo>
-                <a:cubicBezTo>
-                  <a:pt x="9303" y="5077"/>
-                  <a:pt x="9303" y="4889"/>
-                  <a:pt x="9248" y="4701"/>
-                </a:cubicBezTo>
-                <a:close/>
-              </a:path>
-            </a:pathLst>
-          </a:custGeom>
-          <a:solidFill>
-            <a:schemeClr val="accent1"/>
-          </a:solidFill>
-          <a:ln>
-            <a:noFill/>
-          </a:ln>
-        </p:spPr>
-      </p:sp>
-      <p:sp>
-        <p:nvSpPr>
-          <p:cNvPr id="7" name="Slide Number Placeholder 6"/>
+          <p:cNvPr id="6" name="Slide Number Placeholder 5"/>
           <p:cNvSpPr>
             <a:spLocks noGrp="1"/>
           </p:cNvSpPr>
@@ -1821,12 +2119,7 @@
             <p:ph type="sldNum" sz="quarter" idx="12"/>
           </p:nvPr>
         </p:nvSpPr>
-        <p:spPr>
-          <a:xfrm>
-            <a:off x="531812" y="4983087"/>
-            <a:ext cx="779767" cy="365125"/>
-          </a:xfrm>
-        </p:spPr>
+        <p:spPr/>
         <p:txBody>
           <a:bodyPr/>
           <a:lstStyle/>
@@ -1841,13 +2134,13 @@
       </p:sp>
       <p:sp>
         <p:nvSpPr>
-          <p:cNvPr id="17" name="TextBox 16"/>
+          <p:cNvPr id="12" name="TextBox 11"/>
           <p:cNvSpPr txBox="1"/>
           <p:nvPr/>
         </p:nvSpPr>
         <p:spPr>
           <a:xfrm>
-            <a:off x="2467652" y="648005"/>
+            <a:off x="862013" y="879961"/>
             <a:ext cx="609600" cy="584776"/>
           </a:xfrm>
           <a:prstGeom prst="rect">
@@ -1862,15 +2155,11 @@
           <a:p>
             <a:pPr lvl="0"/>
             <a:r>
-              <a:rPr lang="en-US" sz="8000" baseline="0" dirty="0">
-                <a:ln w="3175" cmpd="sng">
-                  <a:noFill/>
-                </a:ln>
-                <a:solidFill>
-                  <a:schemeClr val="accent1"/>
+              <a:rPr lang="en-US" sz="8000" dirty="0">
+                <a:solidFill>
+                  <a:schemeClr val="tx1"/>
                 </a:solidFill>
                 <a:effectLst/>
-                <a:latin typeface="Arial"/>
               </a:rPr>
               <a:t>“</a:t>
             </a:r>
@@ -1879,13 +2168,13 @@
       </p:sp>
       <p:sp>
         <p:nvSpPr>
-          <p:cNvPr id="18" name="TextBox 17"/>
+          <p:cNvPr id="13" name="TextBox 12"/>
           <p:cNvSpPr txBox="1"/>
           <p:nvPr/>
         </p:nvSpPr>
         <p:spPr>
           <a:xfrm>
-            <a:off x="11114852" y="2905306"/>
+            <a:off x="10600267" y="2599261"/>
             <a:ext cx="609600" cy="584776"/>
           </a:xfrm>
           <a:prstGeom prst="rect">
@@ -1898,27 +2187,54 @@
           </a:bodyPr>
           <a:lstStyle/>
           <a:p>
-            <a:pPr lvl="0"/>
-            <a:r>
-              <a:rPr lang="en-US" sz="8000" baseline="0" dirty="0">
-                <a:ln w="3175" cmpd="sng">
-                  <a:noFill/>
-                </a:ln>
-                <a:solidFill>
-                  <a:schemeClr val="accent1"/>
+            <a:pPr lvl="0" algn="r"/>
+            <a:r>
+              <a:rPr lang="en-US" sz="8000" dirty="0">
+                <a:solidFill>
+                  <a:schemeClr val="tx1"/>
                 </a:solidFill>
                 <a:effectLst/>
-                <a:latin typeface="Arial"/>
               </a:rPr>
               <a:t>”</a:t>
             </a:r>
           </a:p>
         </p:txBody>
       </p:sp>
+      <p:cxnSp>
+        <p:nvCxnSpPr>
+          <p:cNvPr id="26" name="Straight Connector 25"/>
+          <p:cNvCxnSpPr/>
+          <p:nvPr/>
+        </p:nvCxnSpPr>
+        <p:spPr>
+          <a:xfrm>
+            <a:off x="1396169" y="3429000"/>
+            <a:ext cx="9407298" cy="0"/>
+          </a:xfrm>
+          <a:prstGeom prst="line">
+            <a:avLst/>
+          </a:prstGeom>
+          <a:ln w="15875"/>
+        </p:spPr>
+        <p:style>
+          <a:lnRef idx="2">
+            <a:schemeClr val="accent1"/>
+          </a:lnRef>
+          <a:fillRef idx="0">
+            <a:schemeClr val="accent1"/>
+          </a:fillRef>
+          <a:effectRef idx="1">
+            <a:schemeClr val="accent1"/>
+          </a:effectRef>
+          <a:fontRef idx="minor">
+            <a:schemeClr val="tx1"/>
+          </a:fontRef>
+        </p:style>
+      </p:cxnSp>
     </p:spTree>
     <p:extLst>
       <p:ext uri="{BB962C8B-B14F-4D97-AF65-F5344CB8AC3E}">
-        <p14:creationId xmlns:p14="http://schemas.microsoft.com/office/powerpoint/2010/main" val="4197493068"/>
+        <p14:creationId xmlns:p14="http://schemas.microsoft.com/office/powerpoint/2010/main" val="2330381701"/>
       </p:ext>
     </p:extLst>
   </p:cSld>
@@ -1928,7 +2244,7 @@
 </p:sldLayout>
 </file>
 
-<file path=ppt/slideLayouts/slideLayout14.xml><?xml version="1.0" encoding="utf-8"?>
+<file path=ppt/slideLayouts/slideLayout15.xml><?xml version="1.0" encoding="utf-8"?>
 <p:sldLayout xmlns:a="http://schemas.openxmlformats.org/drawingml/2006/main" xmlns:r="http://schemas.openxmlformats.org/officeDocument/2006/relationships" xmlns:p="http://schemas.openxmlformats.org/presentationml/2006/main" preserve="1">
   <p:cSld name="True or False">
     <p:spTree>
@@ -1957,125 +2273,144 @@
         </p:nvSpPr>
         <p:spPr>
           <a:xfrm>
-            <a:off x="2589212" y="627407"/>
-            <a:ext cx="8915399" cy="2880020"/>
-          </a:xfrm>
-        </p:spPr>
-        <p:txBody>
-          <a:bodyPr anchor="ctr">
-            <a:normAutofit/>
-          </a:bodyPr>
-          <a:lstStyle>
-            <a:lvl1pPr algn="l">
-              <a:defRPr sz="4800" b="0"/>
-            </a:lvl1pPr>
-          </a:lstStyle>
-          <a:p>
-            <a:r>
-              <a:rPr lang="en-US"/>
-              <a:t>Click to edit Master title style</a:t>
-            </a:r>
-            <a:endParaRPr lang="en-US" dirty="0"/>
-          </a:p>
-        </p:txBody>
-      </p:sp>
-      <p:sp>
-        <p:nvSpPr>
-          <p:cNvPr id="21" name="Text Placeholder 9"/>
-          <p:cNvSpPr>
-            <a:spLocks noGrp="1"/>
-          </p:cNvSpPr>
-          <p:nvPr>
-            <p:ph type="body" sz="quarter" idx="13"/>
-          </p:nvPr>
-        </p:nvSpPr>
-        <p:spPr>
-          <a:xfrm>
-            <a:off x="2589212" y="4343400"/>
-            <a:ext cx="8915400" cy="838200"/>
-          </a:xfrm>
-        </p:spPr>
-        <p:txBody>
-          <a:bodyPr anchor="b">
-            <a:noAutofit/>
-          </a:bodyPr>
-          <a:lstStyle>
-            <a:lvl1pPr marL="0" indent="0">
-              <a:buFontTx/>
-              <a:buNone/>
-              <a:defRPr sz="2400">
-                <a:solidFill>
-                  <a:schemeClr val="accent1"/>
-                </a:solidFill>
-              </a:defRPr>
-            </a:lvl1pPr>
-            <a:lvl2pPr marL="457200" indent="0">
-              <a:buFontTx/>
-              <a:buNone/>
-              <a:defRPr/>
-            </a:lvl2pPr>
-            <a:lvl3pPr marL="914400" indent="0">
-              <a:buFontTx/>
-              <a:buNone/>
-              <a:defRPr/>
-            </a:lvl3pPr>
-            <a:lvl4pPr marL="1371600" indent="0">
-              <a:buFontTx/>
-              <a:buNone/>
-              <a:defRPr/>
-            </a:lvl4pPr>
-            <a:lvl5pPr marL="1828800" indent="0">
-              <a:buFontTx/>
-              <a:buNone/>
-              <a:defRPr/>
-            </a:lvl5pPr>
-          </a:lstStyle>
-          <a:p>
-            <a:pPr lvl="0"/>
-            <a:r>
-              <a:rPr lang="en-US"/>
-              <a:t>Click to edit Master text styles</a:t>
-            </a:r>
-          </a:p>
-        </p:txBody>
-      </p:sp>
-      <p:sp>
-        <p:nvSpPr>
-          <p:cNvPr id="4" name="Text Placeholder 3"/>
-          <p:cNvSpPr>
-            <a:spLocks noGrp="1"/>
-          </p:cNvSpPr>
-          <p:nvPr>
-            <p:ph type="body" sz="half" idx="2"/>
-          </p:nvPr>
-        </p:nvSpPr>
-        <p:spPr>
-          <a:xfrm>
-            <a:off x="2589213" y="5181600"/>
-            <a:ext cx="8915400" cy="729622"/>
-          </a:xfrm>
-        </p:spPr>
-        <p:txBody>
-          <a:bodyPr vert="horz" lIns="91440" tIns="45720" rIns="91440" bIns="45720" rtlCol="0" anchor="t">
+            <a:off x="1295401" y="982132"/>
+            <a:ext cx="9609666" cy="2243668"/>
+          </a:xfrm>
+        </p:spPr>
+        <p:txBody>
+          <a:bodyPr vert="horz" lIns="91440" tIns="45720" rIns="91440" bIns="45720" rtlCol="0" anchor="ctr">
             <a:normAutofit/>
           </a:bodyPr>
           <a:lstStyle>
             <a:lvl1pPr>
-              <a:buNone/>
-              <a:defRPr lang="en-US">
-                <a:solidFill>
-                  <a:schemeClr val="tx1">
-                    <a:lumMod val="65000"/>
-                    <a:lumOff val="35000"/>
-                  </a:schemeClr>
-                </a:solidFill>
-              </a:defRPr>
+              <a:defRPr lang="en-US" b="0" dirty="0"/>
             </a:lvl1pPr>
           </a:lstStyle>
           <a:p>
-            <a:pPr marL="0" lvl="0" indent="0">
-              <a:buNone/>
-            </a:pPr>
+            <a:pPr marL="0" lvl="0"/>
+            <a:r>
+              <a:rPr lang="en-US"/>
+              <a:t>Click to edit Master title style</a:t>
+            </a:r>
+            <a:endParaRPr lang="en-US" dirty="0"/>
+          </a:p>
+        </p:txBody>
+      </p:sp>
+      <p:sp>
+        <p:nvSpPr>
+          <p:cNvPr id="20" name="Text Placeholder 2"/>
+          <p:cNvSpPr>
+            <a:spLocks noGrp="1"/>
+          </p:cNvSpPr>
+          <p:nvPr>
+            <p:ph type="body" idx="13"/>
+          </p:nvPr>
+        </p:nvSpPr>
+        <p:spPr>
+          <a:xfrm>
+            <a:off x="1295401" y="3630168"/>
+            <a:ext cx="9609668" cy="841248"/>
+          </a:xfrm>
+        </p:spPr>
+        <p:txBody>
+          <a:bodyPr anchor="b">
+            <a:normAutofit/>
+          </a:bodyPr>
+          <a:lstStyle>
+            <a:lvl1pPr marL="0" indent="0" algn="l">
+              <a:spcBef>
+                <a:spcPts val="0"/>
+              </a:spcBef>
+              <a:buNone/>
+              <a:defRPr sz="2800">
+                <a:solidFill>
+                  <a:schemeClr val="tx1"/>
+                </a:solidFill>
+              </a:defRPr>
+            </a:lvl1pPr>
+            <a:lvl2pPr marL="457200" indent="0">
+              <a:buNone/>
+              <a:defRPr sz="1800">
+                <a:solidFill>
+                  <a:schemeClr val="tx1">
+                    <a:tint val="75000"/>
+                  </a:schemeClr>
+                </a:solidFill>
+              </a:defRPr>
+            </a:lvl2pPr>
+            <a:lvl3pPr marL="914400" indent="0">
+              <a:buNone/>
+              <a:defRPr sz="1600">
+                <a:solidFill>
+                  <a:schemeClr val="tx1">
+                    <a:tint val="75000"/>
+                  </a:schemeClr>
+                </a:solidFill>
+              </a:defRPr>
+            </a:lvl3pPr>
+            <a:lvl4pPr marL="1371600" indent="0">
+              <a:buNone/>
+              <a:defRPr sz="1400">
+                <a:solidFill>
+                  <a:schemeClr val="tx1">
+                    <a:tint val="75000"/>
+                  </a:schemeClr>
+                </a:solidFill>
+              </a:defRPr>
+            </a:lvl4pPr>
+            <a:lvl5pPr marL="1828800" indent="0">
+              <a:buNone/>
+              <a:defRPr sz="1400">
+                <a:solidFill>
+                  <a:schemeClr val="tx1">
+                    <a:tint val="75000"/>
+                  </a:schemeClr>
+                </a:solidFill>
+              </a:defRPr>
+            </a:lvl5pPr>
+            <a:lvl6pPr marL="2286000" indent="0">
+              <a:buNone/>
+              <a:defRPr sz="1400">
+                <a:solidFill>
+                  <a:schemeClr val="tx1">
+                    <a:tint val="75000"/>
+                  </a:schemeClr>
+                </a:solidFill>
+              </a:defRPr>
+            </a:lvl6pPr>
+            <a:lvl7pPr marL="2743200" indent="0">
+              <a:buNone/>
+              <a:defRPr sz="1400">
+                <a:solidFill>
+                  <a:schemeClr val="tx1">
+                    <a:tint val="75000"/>
+                  </a:schemeClr>
+                </a:solidFill>
+              </a:defRPr>
+            </a:lvl7pPr>
+            <a:lvl8pPr marL="3200400" indent="0">
+              <a:buNone/>
+              <a:defRPr sz="1400">
+                <a:solidFill>
+                  <a:schemeClr val="tx1">
+                    <a:tint val="75000"/>
+                  </a:schemeClr>
+                </a:solidFill>
+              </a:defRPr>
+            </a:lvl8pPr>
+            <a:lvl9pPr marL="3657600" indent="0">
+              <a:buNone/>
+              <a:defRPr sz="1400">
+                <a:solidFill>
+                  <a:schemeClr val="tx1">
+                    <a:tint val="75000"/>
+                  </a:schemeClr>
+                </a:solidFill>
+              </a:defRPr>
+            </a:lvl9pPr>
+          </a:lstStyle>
+          <a:p>
+            <a:pPr lvl="0"/>
             <a:r>
               <a:rPr lang="en-US"/>
               <a:t>Click to edit Master text styles</a:t>
@@ -2085,7 +2420,126 @@
       </p:sp>
       <p:sp>
         <p:nvSpPr>
-          <p:cNvPr id="5" name="Date Placeholder 4"/>
+          <p:cNvPr id="3" name="Text Placeholder 2"/>
+          <p:cNvSpPr>
+            <a:spLocks noGrp="1"/>
+          </p:cNvSpPr>
+          <p:nvPr>
+            <p:ph type="body" idx="1"/>
+          </p:nvPr>
+        </p:nvSpPr>
+        <p:spPr>
+          <a:xfrm>
+            <a:off x="1295400" y="4470399"/>
+            <a:ext cx="9609670" cy="1405467"/>
+          </a:xfrm>
+        </p:spPr>
+        <p:txBody>
+          <a:bodyPr anchor="t">
+            <a:normAutofit/>
+          </a:bodyPr>
+          <a:lstStyle>
+            <a:lvl1pPr marL="0" indent="0" algn="l">
+              <a:buNone/>
+              <a:defRPr sz="1800">
+                <a:solidFill>
+                  <a:schemeClr val="tx1"/>
+                </a:solidFill>
+              </a:defRPr>
+            </a:lvl1pPr>
+            <a:lvl2pPr marL="457200" indent="0">
+              <a:buNone/>
+              <a:defRPr sz="1800">
+                <a:solidFill>
+                  <a:schemeClr val="tx1">
+                    <a:tint val="75000"/>
+                  </a:schemeClr>
+                </a:solidFill>
+              </a:defRPr>
+            </a:lvl2pPr>
+            <a:lvl3pPr marL="914400" indent="0">
+              <a:buNone/>
+              <a:defRPr sz="1600">
+                <a:solidFill>
+                  <a:schemeClr val="tx1">
+                    <a:tint val="75000"/>
+                  </a:schemeClr>
+                </a:solidFill>
+              </a:defRPr>
+            </a:lvl3pPr>
+            <a:lvl4pPr marL="1371600" indent="0">
+              <a:buNone/>
+              <a:defRPr sz="1400">
+                <a:solidFill>
+                  <a:schemeClr val="tx1">
+                    <a:tint val="75000"/>
+                  </a:schemeClr>
+                </a:solidFill>
+              </a:defRPr>
+            </a:lvl4pPr>
+            <a:lvl5pPr marL="1828800" indent="0">
+              <a:buNone/>
+              <a:defRPr sz="1400">
+                <a:solidFill>
+                  <a:schemeClr val="tx1">
+                    <a:tint val="75000"/>
+                  </a:schemeClr>
+                </a:solidFill>
+              </a:defRPr>
+            </a:lvl5pPr>
+            <a:lvl6pPr marL="2286000" indent="0">
+              <a:buNone/>
+              <a:defRPr sz="1400">
+                <a:solidFill>
+                  <a:schemeClr val="tx1">
+                    <a:tint val="75000"/>
+                  </a:schemeClr>
+                </a:solidFill>
+              </a:defRPr>
+            </a:lvl6pPr>
+            <a:lvl7pPr marL="2743200" indent="0">
+              <a:buNone/>
+              <a:defRPr sz="1400">
+                <a:solidFill>
+                  <a:schemeClr val="tx1">
+                    <a:tint val="75000"/>
+                  </a:schemeClr>
+                </a:solidFill>
+              </a:defRPr>
+            </a:lvl7pPr>
+            <a:lvl8pPr marL="3200400" indent="0">
+              <a:buNone/>
+              <a:defRPr sz="1400">
+                <a:solidFill>
+                  <a:schemeClr val="tx1">
+                    <a:tint val="75000"/>
+                  </a:schemeClr>
+                </a:solidFill>
+              </a:defRPr>
+            </a:lvl8pPr>
+            <a:lvl9pPr marL="3657600" indent="0">
+              <a:buNone/>
+              <a:defRPr sz="1400">
+                <a:solidFill>
+                  <a:schemeClr val="tx1">
+                    <a:tint val="75000"/>
+                  </a:schemeClr>
+                </a:solidFill>
+              </a:defRPr>
+            </a:lvl9pPr>
+          </a:lstStyle>
+          <a:p>
+            <a:pPr lvl="0"/>
+            <a:r>
+              <a:rPr lang="en-US"/>
+              <a:t>Click to edit Master text styles</a:t>
+            </a:r>
+          </a:p>
+        </p:txBody>
+      </p:sp>
+      <p:sp>
+        <p:nvSpPr>
+          <p:cNvPr id="4" name="Date Placeholder 3"/>
           <p:cNvSpPr>
             <a:spLocks noGrp="1"/>
           </p:cNvSpPr>
@@ -2100,7 +2554,7 @@
           <a:p>
             <a:fld id="{9E5637FB-0DD5-4D5D-801C-E86BE6288A76}" type="datetimeFigureOut">
               <a:rPr lang="en-US" smtClean="0"/>
-              <a:t>9/22/2024</a:t>
+              <a:t>9/30/2024</a:t>
             </a:fld>
             <a:endParaRPr lang="en-US"/>
           </a:p>
@@ -2108,7 +2562,7 @@
       </p:sp>
       <p:sp>
         <p:nvSpPr>
-          <p:cNvPr id="6" name="Footer Placeholder 5"/>
+          <p:cNvPr id="5" name="Footer Placeholder 4"/>
           <p:cNvSpPr>
             <a:spLocks noGrp="1"/>
           </p:cNvSpPr>
@@ -2127,89 +2581,7 @@
       </p:sp>
       <p:sp>
         <p:nvSpPr>
-          <p:cNvPr id="9" name="Freeform 11"/>
-          <p:cNvSpPr/>
-          <p:nvPr/>
-        </p:nvSpPr>
-        <p:spPr bwMode="auto">
-          <a:xfrm flipV="1">
-            <a:off x="-4189" y="4911725"/>
-            <a:ext cx="1588527" cy="507297"/>
-          </a:xfrm>
-          <a:custGeom>
-            <a:avLst/>
-            <a:gdLst/>
-            <a:ahLst/>
-            <a:cxnLst/>
-            <a:rect l="l" t="t" r="r" b="b"/>
-            <a:pathLst>
-              <a:path w="9248" h="10000">
-                <a:moveTo>
-                  <a:pt x="9248" y="4701"/>
-                </a:moveTo>
-                <a:lnTo>
-                  <a:pt x="7915" y="188"/>
-                </a:lnTo>
-                <a:cubicBezTo>
-                  <a:pt x="7906" y="156"/>
-                  <a:pt x="7895" y="126"/>
-                  <a:pt x="7886" y="94"/>
-                </a:cubicBezTo>
-                <a:cubicBezTo>
-                  <a:pt x="7859" y="0"/>
-                  <a:pt x="7831" y="0"/>
-                  <a:pt x="7803" y="0"/>
-                </a:cubicBezTo>
-                <a:lnTo>
-                  <a:pt x="7275" y="0"/>
-                </a:lnTo>
-                <a:lnTo>
-                  <a:pt x="0" y="70"/>
-                </a:lnTo>
-                <a:cubicBezTo>
-                  <a:pt x="8" y="3380"/>
-                  <a:pt x="17" y="6690"/>
-                  <a:pt x="25" y="10000"/>
-                </a:cubicBezTo>
-                <a:lnTo>
-                  <a:pt x="7275" y="9966"/>
-                </a:lnTo>
-                <a:lnTo>
-                  <a:pt x="7803" y="9966"/>
-                </a:lnTo>
-                <a:cubicBezTo>
-                  <a:pt x="7831" y="9966"/>
-                  <a:pt x="7859" y="9872"/>
-                  <a:pt x="7886" y="9872"/>
-                </a:cubicBezTo>
-                <a:cubicBezTo>
-                  <a:pt x="7886" y="9778"/>
-                  <a:pt x="7915" y="9778"/>
-                  <a:pt x="7915" y="9778"/>
-                </a:cubicBezTo>
-                <a:lnTo>
-                  <a:pt x="9248" y="5265"/>
-                </a:lnTo>
-                <a:cubicBezTo>
-                  <a:pt x="9303" y="5077"/>
-                  <a:pt x="9303" y="4889"/>
-                  <a:pt x="9248" y="4701"/>
-                </a:cubicBezTo>
-                <a:close/>
-              </a:path>
-            </a:pathLst>
-          </a:custGeom>
-          <a:solidFill>
-            <a:schemeClr val="accent1"/>
-          </a:solidFill>
-          <a:ln>
-            <a:noFill/>
-          </a:ln>
-        </p:spPr>
-      </p:sp>
-      <p:sp>
-        <p:nvSpPr>
-          <p:cNvPr id="7" name="Slide Number Placeholder 6"/>
+          <p:cNvPr id="6" name="Slide Number Placeholder 5"/>
           <p:cNvSpPr>
             <a:spLocks noGrp="1"/>
           </p:cNvSpPr>
@@ -2217,12 +2589,7 @@
             <p:ph type="sldNum" sz="quarter" idx="12"/>
           </p:nvPr>
         </p:nvSpPr>
-        <p:spPr>
-          <a:xfrm>
-            <a:off x="531812" y="4983087"/>
-            <a:ext cx="779767" cy="365125"/>
-          </a:xfrm>
-        </p:spPr>
+        <p:spPr/>
         <p:txBody>
           <a:bodyPr/>
           <a:lstStyle/>
@@ -2235,10 +2602,41 @@
           </a:p>
         </p:txBody>
       </p:sp>
+      <p:cxnSp>
+        <p:nvCxnSpPr>
+          <p:cNvPr id="15" name="Straight Connector 14"/>
+          <p:cNvCxnSpPr/>
+          <p:nvPr/>
+        </p:nvCxnSpPr>
+        <p:spPr>
+          <a:xfrm>
+            <a:off x="1396169" y="3429000"/>
+            <a:ext cx="9407298" cy="0"/>
+          </a:xfrm>
+          <a:prstGeom prst="line">
+            <a:avLst/>
+          </a:prstGeom>
+          <a:ln w="15875"/>
+        </p:spPr>
+        <p:style>
+          <a:lnRef idx="2">
+            <a:schemeClr val="accent1"/>
+          </a:lnRef>
+          <a:fillRef idx="0">
+            <a:schemeClr val="accent1"/>
+          </a:fillRef>
+          <a:effectRef idx="1">
+            <a:schemeClr val="accent1"/>
+          </a:effectRef>
+          <a:fontRef idx="minor">
+            <a:schemeClr val="tx1"/>
+          </a:fontRef>
+        </p:style>
+      </p:cxnSp>
     </p:spTree>
     <p:extLst>
       <p:ext uri="{BB962C8B-B14F-4D97-AF65-F5344CB8AC3E}">
-        <p14:creationId xmlns:p14="http://schemas.microsoft.com/office/powerpoint/2010/main" val="3053016502"/>
+        <p14:creationId xmlns:p14="http://schemas.microsoft.com/office/powerpoint/2010/main" val="1049326104"/>
       </p:ext>
     </p:extLst>
   </p:cSld>
@@ -2248,7 +2646,7 @@
 </p:sldLayout>
 </file>
 
-<file path=ppt/slideLayouts/slideLayout15.xml><?xml version="1.0" encoding="utf-8"?>
+<file path=ppt/slideLayouts/slideLayout16.xml><?xml version="1.0" encoding="utf-8"?>
 <p:sldLayout xmlns:a="http://schemas.openxmlformats.org/drawingml/2006/main" xmlns:r="http://schemas.openxmlformats.org/officeDocument/2006/relationships" xmlns:p="http://schemas.openxmlformats.org/presentationml/2006/main" type="vertTx" preserve="1">
   <p:cSld name="Title and Vertical Text">
     <p:spTree>
@@ -2278,7 +2676,11 @@
         <p:spPr/>
         <p:txBody>
           <a:bodyPr/>
-          <a:lstStyle/>
+          <a:lstStyle>
+            <a:lvl1pPr algn="ctr">
+              <a:defRPr/>
+            </a:lvl1pPr>
+          </a:lstStyle>
           <a:p>
             <a:r>
               <a:rPr lang="en-US"/>
@@ -2357,7 +2759,7 @@
           <a:p>
             <a:fld id="{9E5637FB-0DD5-4D5D-801C-E86BE6288A76}" type="datetimeFigureOut">
               <a:rPr lang="en-US" smtClean="0"/>
-              <a:t>9/22/2024</a:t>
+              <a:t>9/30/2024</a:t>
             </a:fld>
             <a:endParaRPr lang="en-US"/>
           </a:p>
@@ -2381,88 +2783,6 @@
             <a:endParaRPr lang="en-US"/>
           </a:p>
         </p:txBody>
-      </p:sp>
-      <p:sp>
-        <p:nvSpPr>
-          <p:cNvPr id="8" name="Freeform 11"/>
-          <p:cNvSpPr/>
-          <p:nvPr/>
-        </p:nvSpPr>
-        <p:spPr bwMode="auto">
-          <a:xfrm flipV="1">
-            <a:off x="-4189" y="714375"/>
-            <a:ext cx="1588527" cy="507297"/>
-          </a:xfrm>
-          <a:custGeom>
-            <a:avLst/>
-            <a:gdLst/>
-            <a:ahLst/>
-            <a:cxnLst/>
-            <a:rect l="l" t="t" r="r" b="b"/>
-            <a:pathLst>
-              <a:path w="9248" h="10000">
-                <a:moveTo>
-                  <a:pt x="9248" y="4701"/>
-                </a:moveTo>
-                <a:lnTo>
-                  <a:pt x="7915" y="188"/>
-                </a:lnTo>
-                <a:cubicBezTo>
-                  <a:pt x="7906" y="156"/>
-                  <a:pt x="7895" y="126"/>
-                  <a:pt x="7886" y="94"/>
-                </a:cubicBezTo>
-                <a:cubicBezTo>
-                  <a:pt x="7859" y="0"/>
-                  <a:pt x="7831" y="0"/>
-                  <a:pt x="7803" y="0"/>
-                </a:cubicBezTo>
-                <a:lnTo>
-                  <a:pt x="7275" y="0"/>
-                </a:lnTo>
-                <a:lnTo>
-                  <a:pt x="0" y="70"/>
-                </a:lnTo>
-                <a:cubicBezTo>
-                  <a:pt x="8" y="3380"/>
-                  <a:pt x="17" y="6690"/>
-                  <a:pt x="25" y="10000"/>
-                </a:cubicBezTo>
-                <a:lnTo>
-                  <a:pt x="7275" y="9966"/>
-                </a:lnTo>
-                <a:lnTo>
-                  <a:pt x="7803" y="9966"/>
-                </a:lnTo>
-                <a:cubicBezTo>
-                  <a:pt x="7831" y="9966"/>
-                  <a:pt x="7859" y="9872"/>
-                  <a:pt x="7886" y="9872"/>
-                </a:cubicBezTo>
-                <a:cubicBezTo>
-                  <a:pt x="7886" y="9778"/>
-                  <a:pt x="7915" y="9778"/>
-                  <a:pt x="7915" y="9778"/>
-                </a:cubicBezTo>
-                <a:lnTo>
-                  <a:pt x="9248" y="5265"/>
-                </a:lnTo>
-                <a:cubicBezTo>
-                  <a:pt x="9303" y="5077"/>
-                  <a:pt x="9303" y="4889"/>
-                  <a:pt x="9248" y="4701"/>
-                </a:cubicBezTo>
-                <a:close/>
-              </a:path>
-            </a:pathLst>
-          </a:custGeom>
-          <a:solidFill>
-            <a:schemeClr val="accent1"/>
-          </a:solidFill>
-          <a:ln>
-            <a:noFill/>
-          </a:ln>
-        </p:spPr>
       </p:sp>
       <p:sp>
         <p:nvSpPr>
@@ -2487,10 +2807,41 @@
           </a:p>
         </p:txBody>
       </p:sp>
+      <p:cxnSp>
+        <p:nvCxnSpPr>
+          <p:cNvPr id="14" name="Straight Connector 13"/>
+          <p:cNvCxnSpPr/>
+          <p:nvPr/>
+        </p:nvCxnSpPr>
+        <p:spPr>
+          <a:xfrm>
+            <a:off x="1396169" y="2421466"/>
+            <a:ext cx="9407298" cy="0"/>
+          </a:xfrm>
+          <a:prstGeom prst="line">
+            <a:avLst/>
+          </a:prstGeom>
+          <a:ln w="15875"/>
+        </p:spPr>
+        <p:style>
+          <a:lnRef idx="2">
+            <a:schemeClr val="accent1"/>
+          </a:lnRef>
+          <a:fillRef idx="0">
+            <a:schemeClr val="accent1"/>
+          </a:fillRef>
+          <a:effectRef idx="1">
+            <a:schemeClr val="accent1"/>
+          </a:effectRef>
+          <a:fontRef idx="minor">
+            <a:schemeClr val="tx1"/>
+          </a:fontRef>
+        </p:style>
+      </p:cxnSp>
     </p:spTree>
     <p:extLst>
       <p:ext uri="{BB962C8B-B14F-4D97-AF65-F5344CB8AC3E}">
-        <p14:creationId xmlns:p14="http://schemas.microsoft.com/office/powerpoint/2010/main" val="2479902060"/>
+        <p14:creationId xmlns:p14="http://schemas.microsoft.com/office/powerpoint/2010/main" val="2575630823"/>
       </p:ext>
     </p:extLst>
   </p:cSld>
@@ -2500,7 +2851,7 @@
 </p:sldLayout>
 </file>
 
-<file path=ppt/slideLayouts/slideLayout16.xml><?xml version="1.0" encoding="utf-8"?>
+<file path=ppt/slideLayouts/slideLayout17.xml><?xml version="1.0" encoding="utf-8"?>
 <p:sldLayout xmlns:a="http://schemas.openxmlformats.org/drawingml/2006/main" xmlns:r="http://schemas.openxmlformats.org/officeDocument/2006/relationships" xmlns:p="http://schemas.openxmlformats.org/presentationml/2006/main" type="vertTitleAndTx" preserve="1">
   <p:cSld name="Vertical Title and Text">
     <p:spTree>
@@ -2529,12 +2880,12 @@
         </p:nvSpPr>
         <p:spPr>
           <a:xfrm>
-            <a:off x="9294812" y="627405"/>
-            <a:ext cx="2207601" cy="5283817"/>
-          </a:xfrm>
-        </p:spPr>
-        <p:txBody>
-          <a:bodyPr vert="eaVert" anchor="ctr"/>
+            <a:off x="8999356" y="982131"/>
+            <a:ext cx="1890895" cy="4893735"/>
+          </a:xfrm>
+        </p:spPr>
+        <p:txBody>
+          <a:bodyPr vert="eaVert"/>
           <a:lstStyle/>
           <a:p>
             <a:r>
@@ -2557,12 +2908,12 @@
         </p:nvSpPr>
         <p:spPr>
           <a:xfrm>
-            <a:off x="2589212" y="627405"/>
-            <a:ext cx="6477000" cy="5283817"/>
-          </a:xfrm>
-        </p:spPr>
-        <p:txBody>
-          <a:bodyPr vert="eaVert"/>
+            <a:off x="1295398" y="982132"/>
+            <a:ext cx="7433025" cy="4893734"/>
+          </a:xfrm>
+        </p:spPr>
+        <p:txBody>
+          <a:bodyPr vert="eaVert" anchor="t"/>
           <a:lstStyle/>
           <a:p>
             <a:pPr lvl="0"/>
@@ -2619,7 +2970,7 @@
           <a:p>
             <a:fld id="{9E5637FB-0DD5-4D5D-801C-E86BE6288A76}" type="datetimeFigureOut">
               <a:rPr lang="en-US" smtClean="0"/>
-              <a:t>9/22/2024</a:t>
+              <a:t>9/30/2024</a:t>
             </a:fld>
             <a:endParaRPr lang="en-US"/>
           </a:p>
@@ -2643,88 +2994,6 @@
             <a:endParaRPr lang="en-US"/>
           </a:p>
         </p:txBody>
-      </p:sp>
-      <p:sp>
-        <p:nvSpPr>
-          <p:cNvPr id="8" name="Freeform 11"/>
-          <p:cNvSpPr/>
-          <p:nvPr/>
-        </p:nvSpPr>
-        <p:spPr bwMode="auto">
-          <a:xfrm flipV="1">
-            <a:off x="-4189" y="714375"/>
-            <a:ext cx="1588527" cy="507297"/>
-          </a:xfrm>
-          <a:custGeom>
-            <a:avLst/>
-            <a:gdLst/>
-            <a:ahLst/>
-            <a:cxnLst/>
-            <a:rect l="l" t="t" r="r" b="b"/>
-            <a:pathLst>
-              <a:path w="9248" h="10000">
-                <a:moveTo>
-                  <a:pt x="9248" y="4701"/>
-                </a:moveTo>
-                <a:lnTo>
-                  <a:pt x="7915" y="188"/>
-                </a:lnTo>
-                <a:cubicBezTo>
-                  <a:pt x="7906" y="156"/>
-                  <a:pt x="7895" y="126"/>
-                  <a:pt x="7886" y="94"/>
-                </a:cubicBezTo>
-                <a:cubicBezTo>
-                  <a:pt x="7859" y="0"/>
-                  <a:pt x="7831" y="0"/>
-                  <a:pt x="7803" y="0"/>
-                </a:cubicBezTo>
-                <a:lnTo>
-                  <a:pt x="7275" y="0"/>
-                </a:lnTo>
-                <a:lnTo>
-                  <a:pt x="0" y="70"/>
-                </a:lnTo>
-                <a:cubicBezTo>
-                  <a:pt x="8" y="3380"/>
-                  <a:pt x="17" y="6690"/>
-                  <a:pt x="25" y="10000"/>
-                </a:cubicBezTo>
-                <a:lnTo>
-                  <a:pt x="7275" y="9966"/>
-                </a:lnTo>
-                <a:lnTo>
-                  <a:pt x="7803" y="9966"/>
-                </a:lnTo>
-                <a:cubicBezTo>
-                  <a:pt x="7831" y="9966"/>
-                  <a:pt x="7859" y="9872"/>
-                  <a:pt x="7886" y="9872"/>
-                </a:cubicBezTo>
-                <a:cubicBezTo>
-                  <a:pt x="7886" y="9778"/>
-                  <a:pt x="7915" y="9778"/>
-                  <a:pt x="7915" y="9778"/>
-                </a:cubicBezTo>
-                <a:lnTo>
-                  <a:pt x="9248" y="5265"/>
-                </a:lnTo>
-                <a:cubicBezTo>
-                  <a:pt x="9303" y="5077"/>
-                  <a:pt x="9303" y="4889"/>
-                  <a:pt x="9248" y="4701"/>
-                </a:cubicBezTo>
-                <a:close/>
-              </a:path>
-            </a:pathLst>
-          </a:custGeom>
-          <a:solidFill>
-            <a:schemeClr val="accent1"/>
-          </a:solidFill>
-          <a:ln>
-            <a:noFill/>
-          </a:ln>
-        </p:spPr>
       </p:sp>
       <p:sp>
         <p:nvSpPr>
@@ -2749,10 +3018,41 @@
           </a:p>
         </p:txBody>
       </p:sp>
+      <p:cxnSp>
+        <p:nvCxnSpPr>
+          <p:cNvPr id="14" name="Straight Connector 13"/>
+          <p:cNvCxnSpPr/>
+          <p:nvPr/>
+        </p:nvCxnSpPr>
+        <p:spPr>
+          <a:xfrm>
+            <a:off x="8863890" y="990600"/>
+            <a:ext cx="0" cy="4876800"/>
+          </a:xfrm>
+          <a:prstGeom prst="line">
+            <a:avLst/>
+          </a:prstGeom>
+          <a:ln w="15875"/>
+        </p:spPr>
+        <p:style>
+          <a:lnRef idx="2">
+            <a:schemeClr val="accent1"/>
+          </a:lnRef>
+          <a:fillRef idx="0">
+            <a:schemeClr val="accent1"/>
+          </a:fillRef>
+          <a:effectRef idx="1">
+            <a:schemeClr val="accent1"/>
+          </a:effectRef>
+          <a:fontRef idx="minor">
+            <a:schemeClr val="tx1"/>
+          </a:fontRef>
+        </p:style>
+      </p:cxnSp>
     </p:spTree>
     <p:extLst>
       <p:ext uri="{BB962C8B-B14F-4D97-AF65-F5344CB8AC3E}">
-        <p14:creationId xmlns:p14="http://schemas.microsoft.com/office/powerpoint/2010/main" val="3313778238"/>
+        <p14:creationId xmlns:p14="http://schemas.microsoft.com/office/powerpoint/2010/main" val="2760372600"/>
       </p:ext>
     </p:extLst>
   </p:cSld>
@@ -2779,6 +3079,37 @@
           <a:chExt cx="0" cy="0"/>
         </a:xfrm>
       </p:grpSpPr>
+      <p:cxnSp>
+        <p:nvCxnSpPr>
+          <p:cNvPr id="7" name="Straight Connector 6"/>
+          <p:cNvCxnSpPr/>
+          <p:nvPr/>
+        </p:nvCxnSpPr>
+        <p:spPr>
+          <a:xfrm>
+            <a:off x="1396169" y="2421466"/>
+            <a:ext cx="9407298" cy="0"/>
+          </a:xfrm>
+          <a:prstGeom prst="line">
+            <a:avLst/>
+          </a:prstGeom>
+          <a:ln w="15875"/>
+        </p:spPr>
+        <p:style>
+          <a:lnRef idx="2">
+            <a:schemeClr val="accent1"/>
+          </a:lnRef>
+          <a:fillRef idx="0">
+            <a:schemeClr val="accent1"/>
+          </a:fillRef>
+          <a:effectRef idx="1">
+            <a:schemeClr val="accent1"/>
+          </a:effectRef>
+          <a:fontRef idx="minor">
+            <a:schemeClr val="tx1"/>
+          </a:fontRef>
+        </p:style>
+      </p:cxnSp>
       <p:sp>
         <p:nvSpPr>
           <p:cNvPr id="2" name="Title 1"/>
@@ -2789,12 +3120,7 @@
             <p:ph type="title"/>
           </p:nvPr>
         </p:nvSpPr>
-        <p:spPr>
-          <a:xfrm>
-            <a:off x="2592925" y="624110"/>
-            <a:ext cx="8911687" cy="1280890"/>
-          </a:xfrm>
-        </p:spPr>
+        <p:spPr/>
         <p:txBody>
           <a:bodyPr/>
           <a:lstStyle/>
@@ -2817,12 +3143,7 @@
             <p:ph idx="1"/>
           </p:nvPr>
         </p:nvSpPr>
-        <p:spPr>
-          <a:xfrm>
-            <a:off x="2589212" y="2133600"/>
-            <a:ext cx="8915400" cy="3777622"/>
-          </a:xfrm>
-        </p:spPr>
+        <p:spPr/>
         <p:txBody>
           <a:bodyPr/>
           <a:lstStyle/>
@@ -2881,7 +3202,7 @@
           <a:p>
             <a:fld id="{9E5637FB-0DD5-4D5D-801C-E86BE6288A76}" type="datetimeFigureOut">
               <a:rPr lang="en-US" smtClean="0"/>
-              <a:t>9/22/2024</a:t>
+              <a:t>9/30/2024</a:t>
             </a:fld>
             <a:endParaRPr lang="en-US"/>
           </a:p>
@@ -2905,88 +3226,6 @@
             <a:endParaRPr lang="en-US"/>
           </a:p>
         </p:txBody>
-      </p:sp>
-      <p:sp>
-        <p:nvSpPr>
-          <p:cNvPr id="8" name="Freeform 11"/>
-          <p:cNvSpPr/>
-          <p:nvPr/>
-        </p:nvSpPr>
-        <p:spPr bwMode="auto">
-          <a:xfrm flipV="1">
-            <a:off x="-4189" y="714375"/>
-            <a:ext cx="1588527" cy="507297"/>
-          </a:xfrm>
-          <a:custGeom>
-            <a:avLst/>
-            <a:gdLst/>
-            <a:ahLst/>
-            <a:cxnLst/>
-            <a:rect l="l" t="t" r="r" b="b"/>
-            <a:pathLst>
-              <a:path w="9248" h="10000">
-                <a:moveTo>
-                  <a:pt x="9248" y="4701"/>
-                </a:moveTo>
-                <a:lnTo>
-                  <a:pt x="7915" y="188"/>
-                </a:lnTo>
-                <a:cubicBezTo>
-                  <a:pt x="7906" y="156"/>
-                  <a:pt x="7895" y="126"/>
-                  <a:pt x="7886" y="94"/>
-                </a:cubicBezTo>
-                <a:cubicBezTo>
-                  <a:pt x="7859" y="0"/>
-                  <a:pt x="7831" y="0"/>
-                  <a:pt x="7803" y="0"/>
-                </a:cubicBezTo>
-                <a:lnTo>
-                  <a:pt x="7275" y="0"/>
-                </a:lnTo>
-                <a:lnTo>
-                  <a:pt x="0" y="70"/>
-                </a:lnTo>
-                <a:cubicBezTo>
-                  <a:pt x="8" y="3380"/>
-                  <a:pt x="17" y="6690"/>
-                  <a:pt x="25" y="10000"/>
-                </a:cubicBezTo>
-                <a:lnTo>
-                  <a:pt x="7275" y="9966"/>
-                </a:lnTo>
-                <a:lnTo>
-                  <a:pt x="7803" y="9966"/>
-                </a:lnTo>
-                <a:cubicBezTo>
-                  <a:pt x="7831" y="9966"/>
-                  <a:pt x="7859" y="9872"/>
-                  <a:pt x="7886" y="9872"/>
-                </a:cubicBezTo>
-                <a:cubicBezTo>
-                  <a:pt x="7886" y="9778"/>
-                  <a:pt x="7915" y="9778"/>
-                  <a:pt x="7915" y="9778"/>
-                </a:cubicBezTo>
-                <a:lnTo>
-                  <a:pt x="9248" y="5265"/>
-                </a:lnTo>
-                <a:cubicBezTo>
-                  <a:pt x="9303" y="5077"/>
-                  <a:pt x="9303" y="4889"/>
-                  <a:pt x="9248" y="4701"/>
-                </a:cubicBezTo>
-                <a:close/>
-              </a:path>
-            </a:pathLst>
-          </a:custGeom>
-          <a:solidFill>
-            <a:schemeClr val="accent1"/>
-          </a:solidFill>
-          <a:ln>
-            <a:noFill/>
-          </a:ln>
-        </p:spPr>
       </p:sp>
       <p:sp>
         <p:nvSpPr>
@@ -3014,7 +3253,7 @@
     </p:spTree>
     <p:extLst>
       <p:ext uri="{BB962C8B-B14F-4D97-AF65-F5344CB8AC3E}">
-        <p14:creationId xmlns:p14="http://schemas.microsoft.com/office/powerpoint/2010/main" val="3058650099"/>
+        <p14:creationId xmlns:p14="http://schemas.microsoft.com/office/powerpoint/2010/main" val="3178647332"/>
       </p:ext>
     </p:extLst>
   </p:cSld>
@@ -3053,15 +3292,17 @@
         </p:nvSpPr>
         <p:spPr>
           <a:xfrm>
-            <a:off x="2589212" y="2058750"/>
-            <a:ext cx="8915399" cy="1468800"/>
-          </a:xfrm>
-        </p:spPr>
-        <p:txBody>
-          <a:bodyPr anchor="b"/>
+            <a:off x="2015069" y="1752606"/>
+            <a:ext cx="8158688" cy="1822514"/>
+          </a:xfrm>
+        </p:spPr>
+        <p:txBody>
+          <a:bodyPr anchor="b">
+            <a:normAutofit/>
+          </a:bodyPr>
           <a:lstStyle>
-            <a:lvl1pPr algn="l">
-              <a:defRPr sz="4000" b="0" cap="none"/>
+            <a:lvl1pPr algn="ctr">
+              <a:defRPr sz="4400" b="0" cap="none"/>
             </a:lvl1pPr>
           </a:lstStyle>
           <a:p>
@@ -3085,21 +3326,20 @@
         </p:nvSpPr>
         <p:spPr>
           <a:xfrm>
-            <a:off x="2589212" y="3530129"/>
-            <a:ext cx="8915399" cy="860400"/>
-          </a:xfrm>
-        </p:spPr>
-        <p:txBody>
-          <a:bodyPr anchor="t"/>
+            <a:off x="2015067" y="3846051"/>
+            <a:ext cx="8158690" cy="954547"/>
+          </a:xfrm>
+        </p:spPr>
+        <p:txBody>
+          <a:bodyPr anchor="t">
+            <a:normAutofit/>
+          </a:bodyPr>
           <a:lstStyle>
-            <a:lvl1pPr marL="0" indent="0" algn="l">
-              <a:buNone/>
-              <a:defRPr sz="2000">
-                <a:solidFill>
-                  <a:schemeClr val="tx1">
-                    <a:lumMod val="65000"/>
-                    <a:lumOff val="35000"/>
-                  </a:schemeClr>
+            <a:lvl1pPr marL="0" indent="0" algn="ctr">
+              <a:buNone/>
+              <a:defRPr sz="2400">
+                <a:solidFill>
+                  <a:schemeClr val="tx1"/>
                 </a:solidFill>
               </a:defRPr>
             </a:lvl1pPr>
@@ -3210,7 +3450,7 @@
           <a:p>
             <a:fld id="{9E5637FB-0DD5-4D5D-801C-E86BE6288A76}" type="datetimeFigureOut">
               <a:rPr lang="en-US" smtClean="0"/>
-              <a:t>9/22/2024</a:t>
+              <a:t>9/30/2024</a:t>
             </a:fld>
             <a:endParaRPr lang="en-US"/>
           </a:p>
@@ -3237,88 +3477,6 @@
       </p:sp>
       <p:sp>
         <p:nvSpPr>
-          <p:cNvPr id="9" name="Freeform 11"/>
-          <p:cNvSpPr/>
-          <p:nvPr/>
-        </p:nvSpPr>
-        <p:spPr bwMode="auto">
-          <a:xfrm flipV="1">
-            <a:off x="-4189" y="3178175"/>
-            <a:ext cx="1588527" cy="507297"/>
-          </a:xfrm>
-          <a:custGeom>
-            <a:avLst/>
-            <a:gdLst/>
-            <a:ahLst/>
-            <a:cxnLst/>
-            <a:rect l="l" t="t" r="r" b="b"/>
-            <a:pathLst>
-              <a:path w="9248" h="10000">
-                <a:moveTo>
-                  <a:pt x="9248" y="4701"/>
-                </a:moveTo>
-                <a:lnTo>
-                  <a:pt x="7915" y="188"/>
-                </a:lnTo>
-                <a:cubicBezTo>
-                  <a:pt x="7906" y="156"/>
-                  <a:pt x="7895" y="126"/>
-                  <a:pt x="7886" y="94"/>
-                </a:cubicBezTo>
-                <a:cubicBezTo>
-                  <a:pt x="7859" y="0"/>
-                  <a:pt x="7831" y="0"/>
-                  <a:pt x="7803" y="0"/>
-                </a:cubicBezTo>
-                <a:lnTo>
-                  <a:pt x="7275" y="0"/>
-                </a:lnTo>
-                <a:lnTo>
-                  <a:pt x="0" y="70"/>
-                </a:lnTo>
-                <a:cubicBezTo>
-                  <a:pt x="8" y="3380"/>
-                  <a:pt x="17" y="6690"/>
-                  <a:pt x="25" y="10000"/>
-                </a:cubicBezTo>
-                <a:lnTo>
-                  <a:pt x="7275" y="9966"/>
-                </a:lnTo>
-                <a:lnTo>
-                  <a:pt x="7803" y="9966"/>
-                </a:lnTo>
-                <a:cubicBezTo>
-                  <a:pt x="7831" y="9966"/>
-                  <a:pt x="7859" y="9872"/>
-                  <a:pt x="7886" y="9872"/>
-                </a:cubicBezTo>
-                <a:cubicBezTo>
-                  <a:pt x="7886" y="9778"/>
-                  <a:pt x="7915" y="9778"/>
-                  <a:pt x="7915" y="9778"/>
-                </a:cubicBezTo>
-                <a:lnTo>
-                  <a:pt x="9248" y="5265"/>
-                </a:lnTo>
-                <a:cubicBezTo>
-                  <a:pt x="9303" y="5077"/>
-                  <a:pt x="9303" y="4889"/>
-                  <a:pt x="9248" y="4701"/>
-                </a:cubicBezTo>
-                <a:close/>
-              </a:path>
-            </a:pathLst>
-          </a:custGeom>
-          <a:solidFill>
-            <a:schemeClr val="accent1"/>
-          </a:solidFill>
-          <a:ln>
-            <a:noFill/>
-          </a:ln>
-        </p:spPr>
-      </p:sp>
-      <p:sp>
-        <p:nvSpPr>
           <p:cNvPr id="6" name="Slide Number Placeholder 5"/>
           <p:cNvSpPr>
             <a:spLocks noGrp="1"/>
@@ -3327,12 +3485,7 @@
             <p:ph type="sldNum" sz="quarter" idx="12"/>
           </p:nvPr>
         </p:nvSpPr>
-        <p:spPr>
-          <a:xfrm>
-            <a:off x="531812" y="3244139"/>
-            <a:ext cx="779767" cy="365125"/>
-          </a:xfrm>
-        </p:spPr>
+        <p:spPr/>
         <p:txBody>
           <a:bodyPr/>
           <a:lstStyle/>
@@ -3345,10 +3498,41 @@
           </a:p>
         </p:txBody>
       </p:sp>
+      <p:cxnSp>
+        <p:nvCxnSpPr>
+          <p:cNvPr id="16" name="Straight Connector 15"/>
+          <p:cNvCxnSpPr/>
+          <p:nvPr/>
+        </p:nvCxnSpPr>
+        <p:spPr>
+          <a:xfrm>
+            <a:off x="2012723" y="3710585"/>
+            <a:ext cx="8163380" cy="0"/>
+          </a:xfrm>
+          <a:prstGeom prst="line">
+            <a:avLst/>
+          </a:prstGeom>
+          <a:ln w="15875"/>
+        </p:spPr>
+        <p:style>
+          <a:lnRef idx="2">
+            <a:schemeClr val="accent1"/>
+          </a:lnRef>
+          <a:fillRef idx="0">
+            <a:schemeClr val="accent1"/>
+          </a:fillRef>
+          <a:effectRef idx="1">
+            <a:schemeClr val="accent1"/>
+          </a:effectRef>
+          <a:fontRef idx="minor">
+            <a:schemeClr val="tx1"/>
+          </a:fontRef>
+        </p:style>
+      </p:cxnSp>
     </p:spTree>
     <p:extLst>
       <p:ext uri="{BB962C8B-B14F-4D97-AF65-F5344CB8AC3E}">
-        <p14:creationId xmlns:p14="http://schemas.microsoft.com/office/powerpoint/2010/main" val="2635586744"/>
+        <p14:creationId xmlns:p14="http://schemas.microsoft.com/office/powerpoint/2010/main" val="698100616"/>
       </p:ext>
     </p:extLst>
   </p:cSld>
@@ -3375,9 +3559,40 @@
           <a:chExt cx="0" cy="0"/>
         </a:xfrm>
       </p:grpSpPr>
-      <p:sp>
-        <p:nvSpPr>
-          <p:cNvPr id="8" name="Title 7"/>
+      <p:cxnSp>
+        <p:nvCxnSpPr>
+          <p:cNvPr id="8" name="Straight Connector 7"/>
+          <p:cNvCxnSpPr/>
+          <p:nvPr/>
+        </p:nvCxnSpPr>
+        <p:spPr>
+          <a:xfrm>
+            <a:off x="1396169" y="2421466"/>
+            <a:ext cx="9407298" cy="0"/>
+          </a:xfrm>
+          <a:prstGeom prst="line">
+            <a:avLst/>
+          </a:prstGeom>
+          <a:ln w="15875"/>
+        </p:spPr>
+        <p:style>
+          <a:lnRef idx="2">
+            <a:schemeClr val="accent1"/>
+          </a:lnRef>
+          <a:fillRef idx="0">
+            <a:schemeClr val="accent1"/>
+          </a:fillRef>
+          <a:effectRef idx="1">
+            <a:schemeClr val="accent1"/>
+          </a:effectRef>
+          <a:fontRef idx="minor">
+            <a:schemeClr val="tx1"/>
+          </a:fontRef>
+        </p:style>
+      </p:cxnSp>
+      <p:sp>
+        <p:nvSpPr>
+          <p:cNvPr id="2" name="Title 1"/>
           <p:cNvSpPr>
             <a:spLocks noGrp="1"/>
           </p:cNvSpPr>
@@ -3410,8 +3625,8 @@
         </p:nvSpPr>
         <p:spPr>
           <a:xfrm>
-            <a:off x="2589212" y="2133600"/>
-            <a:ext cx="4313864" cy="3777622"/>
+            <a:off x="1298448" y="2560320"/>
+            <a:ext cx="4718304" cy="3310128"/>
           </a:xfrm>
         </p:spPr>
         <p:txBody>
@@ -3469,8 +3684,8 @@
         </p:nvSpPr>
         <p:spPr>
           <a:xfrm>
-            <a:off x="7190747" y="2126222"/>
-            <a:ext cx="4313864" cy="3777622"/>
+            <a:off x="6181344" y="2560320"/>
+            <a:ext cx="4718304" cy="3310128"/>
           </a:xfrm>
         </p:spPr>
         <p:txBody>
@@ -3533,7 +3748,7 @@
           <a:p>
             <a:fld id="{9E5637FB-0DD5-4D5D-801C-E86BE6288A76}" type="datetimeFigureOut">
               <a:rPr lang="en-US" smtClean="0"/>
-              <a:t>9/22/2024</a:t>
+              <a:t>9/30/2024</a:t>
             </a:fld>
             <a:endParaRPr lang="en-US"/>
           </a:p>
@@ -3560,89 +3775,7 @@
       </p:sp>
       <p:sp>
         <p:nvSpPr>
-          <p:cNvPr id="10" name="Freeform 11"/>
-          <p:cNvSpPr/>
-          <p:nvPr/>
-        </p:nvSpPr>
-        <p:spPr bwMode="auto">
-          <a:xfrm flipV="1">
-            <a:off x="-4189" y="714375"/>
-            <a:ext cx="1588527" cy="507297"/>
-          </a:xfrm>
-          <a:custGeom>
-            <a:avLst/>
-            <a:gdLst/>
-            <a:ahLst/>
-            <a:cxnLst/>
-            <a:rect l="l" t="t" r="r" b="b"/>
-            <a:pathLst>
-              <a:path w="9248" h="10000">
-                <a:moveTo>
-                  <a:pt x="9248" y="4701"/>
-                </a:moveTo>
-                <a:lnTo>
-                  <a:pt x="7915" y="188"/>
-                </a:lnTo>
-                <a:cubicBezTo>
-                  <a:pt x="7906" y="156"/>
-                  <a:pt x="7895" y="126"/>
-                  <a:pt x="7886" y="94"/>
-                </a:cubicBezTo>
-                <a:cubicBezTo>
-                  <a:pt x="7859" y="0"/>
-                  <a:pt x="7831" y="0"/>
-                  <a:pt x="7803" y="0"/>
-                </a:cubicBezTo>
-                <a:lnTo>
-                  <a:pt x="7275" y="0"/>
-                </a:lnTo>
-                <a:lnTo>
-                  <a:pt x="0" y="70"/>
-                </a:lnTo>
-                <a:cubicBezTo>
-                  <a:pt x="8" y="3380"/>
-                  <a:pt x="17" y="6690"/>
-                  <a:pt x="25" y="10000"/>
-                </a:cubicBezTo>
-                <a:lnTo>
-                  <a:pt x="7275" y="9966"/>
-                </a:lnTo>
-                <a:lnTo>
-                  <a:pt x="7803" y="9966"/>
-                </a:lnTo>
-                <a:cubicBezTo>
-                  <a:pt x="7831" y="9966"/>
-                  <a:pt x="7859" y="9872"/>
-                  <a:pt x="7886" y="9872"/>
-                </a:cubicBezTo>
-                <a:cubicBezTo>
-                  <a:pt x="7886" y="9778"/>
-                  <a:pt x="7915" y="9778"/>
-                  <a:pt x="7915" y="9778"/>
-                </a:cubicBezTo>
-                <a:lnTo>
-                  <a:pt x="9248" y="5265"/>
-                </a:lnTo>
-                <a:cubicBezTo>
-                  <a:pt x="9303" y="5077"/>
-                  <a:pt x="9303" y="4889"/>
-                  <a:pt x="9248" y="4701"/>
-                </a:cubicBezTo>
-                <a:close/>
-              </a:path>
-            </a:pathLst>
-          </a:custGeom>
-          <a:solidFill>
-            <a:schemeClr val="accent1"/>
-          </a:solidFill>
-          <a:ln>
-            <a:noFill/>
-          </a:ln>
-        </p:spPr>
-      </p:sp>
-      <p:sp>
-        <p:nvSpPr>
-          <p:cNvPr id="11" name="Slide Number Placeholder 5"/>
+          <p:cNvPr id="7" name="Slide Number Placeholder 6"/>
           <p:cNvSpPr>
             <a:spLocks noGrp="1"/>
           </p:cNvSpPr>
@@ -3650,12 +3783,7 @@
             <p:ph type="sldNum" sz="quarter" idx="12"/>
           </p:nvPr>
         </p:nvSpPr>
-        <p:spPr>
-          <a:xfrm>
-            <a:off x="531812" y="787782"/>
-            <a:ext cx="779767" cy="365125"/>
-          </a:xfrm>
-        </p:spPr>
+        <p:spPr/>
         <p:txBody>
           <a:bodyPr/>
           <a:lstStyle/>
@@ -3671,7 +3799,7 @@
     </p:spTree>
     <p:extLst>
       <p:ext uri="{BB962C8B-B14F-4D97-AF65-F5344CB8AC3E}">
-        <p14:creationId xmlns:p14="http://schemas.microsoft.com/office/powerpoint/2010/main" val="182917828"/>
+        <p14:creationId xmlns:p14="http://schemas.microsoft.com/office/powerpoint/2010/main" val="2965958284"/>
       </p:ext>
     </p:extLst>
   </p:cSld>
@@ -3700,7 +3828,7 @@
       </p:grpSpPr>
       <p:sp>
         <p:nvSpPr>
-          <p:cNvPr id="10" name="Title 9"/>
+          <p:cNvPr id="2" name="Title 1"/>
           <p:cNvSpPr>
             <a:spLocks noGrp="1"/>
           </p:cNvSpPr>
@@ -3711,7 +3839,11 @@
         <p:spPr/>
         <p:txBody>
           <a:bodyPr/>
-          <a:lstStyle/>
+          <a:lstStyle>
+            <a:lvl1pPr>
+              <a:defRPr/>
+            </a:lvl1pPr>
+          </a:lstStyle>
           <a:p>
             <a:r>
               <a:rPr lang="en-US"/>
@@ -3733,8 +3865,8 @@
         </p:nvSpPr>
         <p:spPr>
           <a:xfrm>
-            <a:off x="2939373" y="1972703"/>
-            <a:ext cx="3992732" cy="576262"/>
+            <a:off x="1295400" y="2658533"/>
+            <a:ext cx="4718304" cy="576262"/>
           </a:xfrm>
         </p:spPr>
         <p:txBody>
@@ -3743,8 +3875,18 @@
           </a:bodyPr>
           <a:lstStyle>
             <a:lvl1pPr marL="0" indent="0">
-              <a:buNone/>
-              <a:defRPr sz="2400" b="0"/>
+              <a:spcBef>
+                <a:spcPts val="672"/>
+              </a:spcBef>
+              <a:spcAft>
+                <a:spcPts val="600"/>
+              </a:spcAft>
+              <a:buNone/>
+              <a:defRPr sz="2800" b="0">
+                <a:solidFill>
+                  <a:schemeClr val="accent1"/>
+                </a:solidFill>
+              </a:defRPr>
             </a:lvl1pPr>
             <a:lvl2pPr marL="457200" indent="0">
               <a:buNone/>
@@ -3800,12 +3942,12 @@
         </p:nvSpPr>
         <p:spPr>
           <a:xfrm>
-            <a:off x="2589212" y="2548966"/>
-            <a:ext cx="4342893" cy="3354060"/>
-          </a:xfrm>
-        </p:spPr>
-        <p:txBody>
-          <a:bodyPr>
+            <a:off x="1295400" y="3243262"/>
+            <a:ext cx="4718304" cy="2632605"/>
+          </a:xfrm>
+        </p:spPr>
+        <p:txBody>
+          <a:bodyPr anchor="t">
             <a:normAutofit/>
           </a:bodyPr>
           <a:lstStyle/>
@@ -3859,8 +4001,8 @@
         </p:nvSpPr>
         <p:spPr>
           <a:xfrm>
-            <a:off x="7506629" y="1969475"/>
-            <a:ext cx="3999001" cy="576262"/>
+            <a:off x="6180670" y="2658533"/>
+            <a:ext cx="4718304" cy="576262"/>
           </a:xfrm>
         </p:spPr>
         <p:txBody>
@@ -3869,8 +4011,18 @@
           </a:bodyPr>
           <a:lstStyle>
             <a:lvl1pPr marL="0" indent="0">
-              <a:buNone/>
-              <a:defRPr sz="2400" b="0"/>
+              <a:spcBef>
+                <a:spcPts val="672"/>
+              </a:spcBef>
+              <a:spcAft>
+                <a:spcPts val="600"/>
+              </a:spcAft>
+              <a:buNone/>
+              <a:defRPr sz="2800" b="0">
+                <a:solidFill>
+                  <a:schemeClr val="accent1"/>
+                </a:solidFill>
+              </a:defRPr>
             </a:lvl1pPr>
             <a:lvl2pPr marL="457200" indent="0">
               <a:buNone/>
@@ -3926,12 +4078,12 @@
         </p:nvSpPr>
         <p:spPr>
           <a:xfrm>
-            <a:off x="7166957" y="2545738"/>
-            <a:ext cx="4338674" cy="3354060"/>
-          </a:xfrm>
-        </p:spPr>
-        <p:txBody>
-          <a:bodyPr>
+            <a:off x="6180670" y="3243262"/>
+            <a:ext cx="4718304" cy="2632605"/>
+          </a:xfrm>
+        </p:spPr>
+        <p:txBody>
+          <a:bodyPr anchor="t">
             <a:normAutofit/>
           </a:bodyPr>
           <a:lstStyle/>
@@ -3990,7 +4142,7 @@
           <a:p>
             <a:fld id="{9E5637FB-0DD5-4D5D-801C-E86BE6288A76}" type="datetimeFigureOut">
               <a:rPr lang="en-US" smtClean="0"/>
-              <a:t>9/22/2024</a:t>
+              <a:t>9/30/2024</a:t>
             </a:fld>
             <a:endParaRPr lang="en-US"/>
           </a:p>
@@ -4017,89 +4169,7 @@
       </p:sp>
       <p:sp>
         <p:nvSpPr>
-          <p:cNvPr id="12" name="Freeform 11"/>
-          <p:cNvSpPr/>
-          <p:nvPr/>
-        </p:nvSpPr>
-        <p:spPr bwMode="auto">
-          <a:xfrm flipV="1">
-            <a:off x="-4189" y="714375"/>
-            <a:ext cx="1588527" cy="507297"/>
-          </a:xfrm>
-          <a:custGeom>
-            <a:avLst/>
-            <a:gdLst/>
-            <a:ahLst/>
-            <a:cxnLst/>
-            <a:rect l="l" t="t" r="r" b="b"/>
-            <a:pathLst>
-              <a:path w="9248" h="10000">
-                <a:moveTo>
-                  <a:pt x="9248" y="4701"/>
-                </a:moveTo>
-                <a:lnTo>
-                  <a:pt x="7915" y="188"/>
-                </a:lnTo>
-                <a:cubicBezTo>
-                  <a:pt x="7906" y="156"/>
-                  <a:pt x="7895" y="126"/>
-                  <a:pt x="7886" y="94"/>
-                </a:cubicBezTo>
-                <a:cubicBezTo>
-                  <a:pt x="7859" y="0"/>
-                  <a:pt x="7831" y="0"/>
-                  <a:pt x="7803" y="0"/>
-                </a:cubicBezTo>
-                <a:lnTo>
-                  <a:pt x="7275" y="0"/>
-                </a:lnTo>
-                <a:lnTo>
-                  <a:pt x="0" y="70"/>
-                </a:lnTo>
-                <a:cubicBezTo>
-                  <a:pt x="8" y="3380"/>
-                  <a:pt x="17" y="6690"/>
-                  <a:pt x="25" y="10000"/>
-                </a:cubicBezTo>
-                <a:lnTo>
-                  <a:pt x="7275" y="9966"/>
-                </a:lnTo>
-                <a:lnTo>
-                  <a:pt x="7803" y="9966"/>
-                </a:lnTo>
-                <a:cubicBezTo>
-                  <a:pt x="7831" y="9966"/>
-                  <a:pt x="7859" y="9872"/>
-                  <a:pt x="7886" y="9872"/>
-                </a:cubicBezTo>
-                <a:cubicBezTo>
-                  <a:pt x="7886" y="9778"/>
-                  <a:pt x="7915" y="9778"/>
-                  <a:pt x="7915" y="9778"/>
-                </a:cubicBezTo>
-                <a:lnTo>
-                  <a:pt x="9248" y="5265"/>
-                </a:lnTo>
-                <a:cubicBezTo>
-                  <a:pt x="9303" y="5077"/>
-                  <a:pt x="9303" y="4889"/>
-                  <a:pt x="9248" y="4701"/>
-                </a:cubicBezTo>
-                <a:close/>
-              </a:path>
-            </a:pathLst>
-          </a:custGeom>
-          <a:solidFill>
-            <a:schemeClr val="accent1"/>
-          </a:solidFill>
-          <a:ln>
-            <a:noFill/>
-          </a:ln>
-        </p:spPr>
-      </p:sp>
-      <p:sp>
-        <p:nvSpPr>
-          <p:cNvPr id="13" name="Slide Number Placeholder 5"/>
+          <p:cNvPr id="9" name="Slide Number Placeholder 8"/>
           <p:cNvSpPr>
             <a:spLocks noGrp="1"/>
           </p:cNvSpPr>
@@ -4107,12 +4177,7 @@
             <p:ph type="sldNum" sz="quarter" idx="12"/>
           </p:nvPr>
         </p:nvSpPr>
-        <p:spPr>
-          <a:xfrm>
-            <a:off x="531812" y="787782"/>
-            <a:ext cx="779767" cy="365125"/>
-          </a:xfrm>
-        </p:spPr>
+        <p:spPr/>
         <p:txBody>
           <a:bodyPr/>
           <a:lstStyle/>
@@ -4125,10 +4190,41 @@
           </a:p>
         </p:txBody>
       </p:sp>
+      <p:cxnSp>
+        <p:nvCxnSpPr>
+          <p:cNvPr id="18" name="Straight Connector 17"/>
+          <p:cNvCxnSpPr/>
+          <p:nvPr/>
+        </p:nvCxnSpPr>
+        <p:spPr>
+          <a:xfrm>
+            <a:off x="1396169" y="2421466"/>
+            <a:ext cx="9407298" cy="0"/>
+          </a:xfrm>
+          <a:prstGeom prst="line">
+            <a:avLst/>
+          </a:prstGeom>
+          <a:ln w="15875"/>
+        </p:spPr>
+        <p:style>
+          <a:lnRef idx="2">
+            <a:schemeClr val="accent1"/>
+          </a:lnRef>
+          <a:fillRef idx="0">
+            <a:schemeClr val="accent1"/>
+          </a:fillRef>
+          <a:effectRef idx="1">
+            <a:schemeClr val="accent1"/>
+          </a:effectRef>
+          <a:fontRef idx="minor">
+            <a:schemeClr val="tx1"/>
+          </a:fontRef>
+        </p:style>
+      </p:cxnSp>
     </p:spTree>
     <p:extLst>
       <p:ext uri="{BB962C8B-B14F-4D97-AF65-F5344CB8AC3E}">
-        <p14:creationId xmlns:p14="http://schemas.microsoft.com/office/powerpoint/2010/main" val="780017886"/>
+        <p14:creationId xmlns:p14="http://schemas.microsoft.com/office/powerpoint/2010/main" val="1791362644"/>
       </p:ext>
     </p:extLst>
   </p:cSld>
@@ -4195,7 +4291,7 @@
           <a:p>
             <a:fld id="{9E5637FB-0DD5-4D5D-801C-E86BE6288A76}" type="datetimeFigureOut">
               <a:rPr lang="en-US" smtClean="0"/>
-              <a:t>9/22/2024</a:t>
+              <a:t>9/30/2024</a:t>
             </a:fld>
             <a:endParaRPr lang="en-US"/>
           </a:p>
@@ -4219,88 +4315,6 @@
             <a:endParaRPr lang="en-US"/>
           </a:p>
         </p:txBody>
-      </p:sp>
-      <p:sp>
-        <p:nvSpPr>
-          <p:cNvPr id="7" name="Freeform 11"/>
-          <p:cNvSpPr/>
-          <p:nvPr/>
-        </p:nvSpPr>
-        <p:spPr bwMode="auto">
-          <a:xfrm flipV="1">
-            <a:off x="-4189" y="714375"/>
-            <a:ext cx="1588527" cy="507297"/>
-          </a:xfrm>
-          <a:custGeom>
-            <a:avLst/>
-            <a:gdLst/>
-            <a:ahLst/>
-            <a:cxnLst/>
-            <a:rect l="l" t="t" r="r" b="b"/>
-            <a:pathLst>
-              <a:path w="9248" h="10000">
-                <a:moveTo>
-                  <a:pt x="9248" y="4701"/>
-                </a:moveTo>
-                <a:lnTo>
-                  <a:pt x="7915" y="188"/>
-                </a:lnTo>
-                <a:cubicBezTo>
-                  <a:pt x="7906" y="156"/>
-                  <a:pt x="7895" y="126"/>
-                  <a:pt x="7886" y="94"/>
-                </a:cubicBezTo>
-                <a:cubicBezTo>
-                  <a:pt x="7859" y="0"/>
-                  <a:pt x="7831" y="0"/>
-                  <a:pt x="7803" y="0"/>
-                </a:cubicBezTo>
-                <a:lnTo>
-                  <a:pt x="7275" y="0"/>
-                </a:lnTo>
-                <a:lnTo>
-                  <a:pt x="0" y="70"/>
-                </a:lnTo>
-                <a:cubicBezTo>
-                  <a:pt x="8" y="3380"/>
-                  <a:pt x="17" y="6690"/>
-                  <a:pt x="25" y="10000"/>
-                </a:cubicBezTo>
-                <a:lnTo>
-                  <a:pt x="7275" y="9966"/>
-                </a:lnTo>
-                <a:lnTo>
-                  <a:pt x="7803" y="9966"/>
-                </a:lnTo>
-                <a:cubicBezTo>
-                  <a:pt x="7831" y="9966"/>
-                  <a:pt x="7859" y="9872"/>
-                  <a:pt x="7886" y="9872"/>
-                </a:cubicBezTo>
-                <a:cubicBezTo>
-                  <a:pt x="7886" y="9778"/>
-                  <a:pt x="7915" y="9778"/>
-                  <a:pt x="7915" y="9778"/>
-                </a:cubicBezTo>
-                <a:lnTo>
-                  <a:pt x="9248" y="5265"/>
-                </a:lnTo>
-                <a:cubicBezTo>
-                  <a:pt x="9303" y="5077"/>
-                  <a:pt x="9303" y="4889"/>
-                  <a:pt x="9248" y="4701"/>
-                </a:cubicBezTo>
-                <a:close/>
-              </a:path>
-            </a:pathLst>
-          </a:custGeom>
-          <a:solidFill>
-            <a:schemeClr val="accent1"/>
-          </a:solidFill>
-          <a:ln>
-            <a:noFill/>
-          </a:ln>
-        </p:spPr>
       </p:sp>
       <p:sp>
         <p:nvSpPr>
@@ -4325,10 +4339,41 @@
           </a:p>
         </p:txBody>
       </p:sp>
+      <p:cxnSp>
+        <p:nvCxnSpPr>
+          <p:cNvPr id="14" name="Straight Connector 13"/>
+          <p:cNvCxnSpPr/>
+          <p:nvPr/>
+        </p:nvCxnSpPr>
+        <p:spPr>
+          <a:xfrm>
+            <a:off x="1396169" y="2421466"/>
+            <a:ext cx="9407298" cy="0"/>
+          </a:xfrm>
+          <a:prstGeom prst="line">
+            <a:avLst/>
+          </a:prstGeom>
+          <a:ln w="15875"/>
+        </p:spPr>
+        <p:style>
+          <a:lnRef idx="2">
+            <a:schemeClr val="accent1"/>
+          </a:lnRef>
+          <a:fillRef idx="0">
+            <a:schemeClr val="accent1"/>
+          </a:fillRef>
+          <a:effectRef idx="1">
+            <a:schemeClr val="accent1"/>
+          </a:effectRef>
+          <a:fontRef idx="minor">
+            <a:schemeClr val="tx1"/>
+          </a:fontRef>
+        </p:style>
+      </p:cxnSp>
     </p:spTree>
     <p:extLst>
       <p:ext uri="{BB962C8B-B14F-4D97-AF65-F5344CB8AC3E}">
-        <p14:creationId xmlns:p14="http://schemas.microsoft.com/office/powerpoint/2010/main" val="3851529005"/>
+        <p14:creationId xmlns:p14="http://schemas.microsoft.com/office/powerpoint/2010/main" val="3400700578"/>
       </p:ext>
     </p:extLst>
   </p:cSld>
@@ -4372,7 +4417,7 @@
           <a:p>
             <a:fld id="{9E5637FB-0DD5-4D5D-801C-E86BE6288A76}" type="datetimeFigureOut">
               <a:rPr lang="en-US" smtClean="0"/>
-              <a:t>9/22/2024</a:t>
+              <a:t>9/30/2024</a:t>
             </a:fld>
             <a:endParaRPr lang="en-US"/>
           </a:p>
@@ -4396,88 +4441,6 @@
             <a:endParaRPr lang="en-US"/>
           </a:p>
         </p:txBody>
-      </p:sp>
-      <p:sp>
-        <p:nvSpPr>
-          <p:cNvPr id="6" name="Freeform 11"/>
-          <p:cNvSpPr/>
-          <p:nvPr/>
-        </p:nvSpPr>
-        <p:spPr bwMode="auto">
-          <a:xfrm flipV="1">
-            <a:off x="-4189" y="714375"/>
-            <a:ext cx="1588527" cy="507297"/>
-          </a:xfrm>
-          <a:custGeom>
-            <a:avLst/>
-            <a:gdLst/>
-            <a:ahLst/>
-            <a:cxnLst/>
-            <a:rect l="l" t="t" r="r" b="b"/>
-            <a:pathLst>
-              <a:path w="9248" h="10000">
-                <a:moveTo>
-                  <a:pt x="9248" y="4701"/>
-                </a:moveTo>
-                <a:lnTo>
-                  <a:pt x="7915" y="188"/>
-                </a:lnTo>
-                <a:cubicBezTo>
-                  <a:pt x="7906" y="156"/>
-                  <a:pt x="7895" y="126"/>
-                  <a:pt x="7886" y="94"/>
-                </a:cubicBezTo>
-                <a:cubicBezTo>
-                  <a:pt x="7859" y="0"/>
-                  <a:pt x="7831" y="0"/>
-                  <a:pt x="7803" y="0"/>
-                </a:cubicBezTo>
-                <a:lnTo>
-                  <a:pt x="7275" y="0"/>
-                </a:lnTo>
-                <a:lnTo>
-                  <a:pt x="0" y="70"/>
-                </a:lnTo>
-                <a:cubicBezTo>
-                  <a:pt x="8" y="3380"/>
-                  <a:pt x="17" y="6690"/>
-                  <a:pt x="25" y="10000"/>
-                </a:cubicBezTo>
-                <a:lnTo>
-                  <a:pt x="7275" y="9966"/>
-                </a:lnTo>
-                <a:lnTo>
-                  <a:pt x="7803" y="9966"/>
-                </a:lnTo>
-                <a:cubicBezTo>
-                  <a:pt x="7831" y="9966"/>
-                  <a:pt x="7859" y="9872"/>
-                  <a:pt x="7886" y="9872"/>
-                </a:cubicBezTo>
-                <a:cubicBezTo>
-                  <a:pt x="7886" y="9778"/>
-                  <a:pt x="7915" y="9778"/>
-                  <a:pt x="7915" y="9778"/>
-                </a:cubicBezTo>
-                <a:lnTo>
-                  <a:pt x="9248" y="5265"/>
-                </a:lnTo>
-                <a:cubicBezTo>
-                  <a:pt x="9303" y="5077"/>
-                  <a:pt x="9303" y="4889"/>
-                  <a:pt x="9248" y="4701"/>
-                </a:cubicBezTo>
-                <a:close/>
-              </a:path>
-            </a:pathLst>
-          </a:custGeom>
-          <a:solidFill>
-            <a:schemeClr val="accent1"/>
-          </a:solidFill>
-          <a:ln>
-            <a:noFill/>
-          </a:ln>
-        </p:spPr>
       </p:sp>
       <p:sp>
         <p:nvSpPr>
@@ -4505,7 +4468,7 @@
     </p:spTree>
     <p:extLst>
       <p:ext uri="{BB962C8B-B14F-4D97-AF65-F5344CB8AC3E}">
-        <p14:creationId xmlns:p14="http://schemas.microsoft.com/office/powerpoint/2010/main" val="4030494487"/>
+        <p14:creationId xmlns:p14="http://schemas.microsoft.com/office/powerpoint/2010/main" val="3995645620"/>
       </p:ext>
     </p:extLst>
   </p:cSld>
@@ -4544,15 +4507,17 @@
         </p:nvSpPr>
         <p:spPr>
           <a:xfrm>
-            <a:off x="2589212" y="446088"/>
-            <a:ext cx="3505199" cy="976312"/>
-          </a:xfrm>
-        </p:spPr>
-        <p:txBody>
-          <a:bodyPr anchor="b"/>
+            <a:off x="1293811" y="1388534"/>
+            <a:ext cx="3718455" cy="1371600"/>
+          </a:xfrm>
+        </p:spPr>
+        <p:txBody>
+          <a:bodyPr anchor="b">
+            <a:normAutofit/>
+          </a:bodyPr>
           <a:lstStyle>
-            <a:lvl1pPr algn="l">
-              <a:defRPr sz="2000" b="0"/>
+            <a:lvl1pPr algn="ctr">
+              <a:defRPr sz="2400" b="0"/>
             </a:lvl1pPr>
           </a:lstStyle>
           <a:p>
@@ -4576,8 +4541,8 @@
         </p:nvSpPr>
         <p:spPr>
           <a:xfrm>
-            <a:off x="6323012" y="446088"/>
-            <a:ext cx="5181600" cy="5414963"/>
+            <a:off x="5418668" y="982131"/>
+            <a:ext cx="5469466" cy="4893735"/>
           </a:xfrm>
         </p:spPr>
         <p:txBody>
@@ -4635,16 +4600,18 @@
         </p:nvSpPr>
         <p:spPr>
           <a:xfrm>
-            <a:off x="2589212" y="1598613"/>
-            <a:ext cx="3505199" cy="4262436"/>
-          </a:xfrm>
-        </p:spPr>
-        <p:txBody>
-          <a:bodyPr/>
+            <a:off x="1293811" y="3031065"/>
+            <a:ext cx="3718455" cy="2438404"/>
+          </a:xfrm>
+        </p:spPr>
+        <p:txBody>
+          <a:bodyPr anchor="t">
+            <a:normAutofit/>
+          </a:bodyPr>
           <a:lstStyle>
-            <a:lvl1pPr marL="0" indent="0">
-              <a:buNone/>
-              <a:defRPr sz="1400"/>
+            <a:lvl1pPr marL="0" indent="0" algn="ctr">
+              <a:buNone/>
+              <a:defRPr sz="1600"/>
             </a:lvl1pPr>
             <a:lvl2pPr marL="457200" indent="0">
               <a:buNone/>
@@ -4705,7 +4672,7 @@
           <a:p>
             <a:fld id="{9E5637FB-0DD5-4D5D-801C-E86BE6288A76}" type="datetimeFigureOut">
               <a:rPr lang="en-US" smtClean="0"/>
-              <a:t>9/22/2024</a:t>
+              <a:t>9/30/2024</a:t>
             </a:fld>
             <a:endParaRPr lang="en-US"/>
           </a:p>
@@ -4729,88 +4696,6 @@
             <a:endParaRPr lang="en-US"/>
           </a:p>
         </p:txBody>
-      </p:sp>
-      <p:sp>
-        <p:nvSpPr>
-          <p:cNvPr id="9" name="Freeform 11"/>
-          <p:cNvSpPr/>
-          <p:nvPr/>
-        </p:nvSpPr>
-        <p:spPr bwMode="auto">
-          <a:xfrm flipV="1">
-            <a:off x="-4189" y="714375"/>
-            <a:ext cx="1588527" cy="507297"/>
-          </a:xfrm>
-          <a:custGeom>
-            <a:avLst/>
-            <a:gdLst/>
-            <a:ahLst/>
-            <a:cxnLst/>
-            <a:rect l="l" t="t" r="r" b="b"/>
-            <a:pathLst>
-              <a:path w="9248" h="10000">
-                <a:moveTo>
-                  <a:pt x="9248" y="4701"/>
-                </a:moveTo>
-                <a:lnTo>
-                  <a:pt x="7915" y="188"/>
-                </a:lnTo>
-                <a:cubicBezTo>
-                  <a:pt x="7906" y="156"/>
-                  <a:pt x="7895" y="126"/>
-                  <a:pt x="7886" y="94"/>
-                </a:cubicBezTo>
-                <a:cubicBezTo>
-                  <a:pt x="7859" y="0"/>
-                  <a:pt x="7831" y="0"/>
-                  <a:pt x="7803" y="0"/>
-                </a:cubicBezTo>
-                <a:lnTo>
-                  <a:pt x="7275" y="0"/>
-                </a:lnTo>
-                <a:lnTo>
-                  <a:pt x="0" y="70"/>
-                </a:lnTo>
-                <a:cubicBezTo>
-                  <a:pt x="8" y="3380"/>
-                  <a:pt x="17" y="6690"/>
-                  <a:pt x="25" y="10000"/>
-                </a:cubicBezTo>
-                <a:lnTo>
-                  <a:pt x="7275" y="9966"/>
-                </a:lnTo>
-                <a:lnTo>
-                  <a:pt x="7803" y="9966"/>
-                </a:lnTo>
-                <a:cubicBezTo>
-                  <a:pt x="7831" y="9966"/>
-                  <a:pt x="7859" y="9872"/>
-                  <a:pt x="7886" y="9872"/>
-                </a:cubicBezTo>
-                <a:cubicBezTo>
-                  <a:pt x="7886" y="9778"/>
-                  <a:pt x="7915" y="9778"/>
-                  <a:pt x="7915" y="9778"/>
-                </a:cubicBezTo>
-                <a:lnTo>
-                  <a:pt x="9248" y="5265"/>
-                </a:lnTo>
-                <a:cubicBezTo>
-                  <a:pt x="9303" y="5077"/>
-                  <a:pt x="9303" y="4889"/>
-                  <a:pt x="9248" y="4701"/>
-                </a:cubicBezTo>
-                <a:close/>
-              </a:path>
-            </a:pathLst>
-          </a:custGeom>
-          <a:solidFill>
-            <a:schemeClr val="accent1"/>
-          </a:solidFill>
-          <a:ln>
-            <a:noFill/>
-          </a:ln>
-        </p:spPr>
       </p:sp>
       <p:sp>
         <p:nvSpPr>
@@ -4835,10 +4720,41 @@
           </a:p>
         </p:txBody>
       </p:sp>
+      <p:cxnSp>
+        <p:nvCxnSpPr>
+          <p:cNvPr id="16" name="Straight Connector 15"/>
+          <p:cNvCxnSpPr/>
+          <p:nvPr/>
+        </p:nvCxnSpPr>
+        <p:spPr>
+          <a:xfrm>
+            <a:off x="1396169" y="2912533"/>
+            <a:ext cx="3514498" cy="0"/>
+          </a:xfrm>
+          <a:prstGeom prst="line">
+            <a:avLst/>
+          </a:prstGeom>
+          <a:ln w="15875"/>
+        </p:spPr>
+        <p:style>
+          <a:lnRef idx="2">
+            <a:schemeClr val="accent1"/>
+          </a:lnRef>
+          <a:fillRef idx="0">
+            <a:schemeClr val="accent1"/>
+          </a:fillRef>
+          <a:effectRef idx="1">
+            <a:schemeClr val="accent1"/>
+          </a:effectRef>
+          <a:fontRef idx="minor">
+            <a:schemeClr val="tx1"/>
+          </a:fontRef>
+        </p:style>
+      </p:cxnSp>
     </p:spTree>
     <p:extLst>
       <p:ext uri="{BB962C8B-B14F-4D97-AF65-F5344CB8AC3E}">
-        <p14:creationId xmlns:p14="http://schemas.microsoft.com/office/powerpoint/2010/main" val="66360865"/>
+        <p14:creationId xmlns:p14="http://schemas.microsoft.com/office/powerpoint/2010/main" val="1974091887"/>
       </p:ext>
     </p:extLst>
   </p:cSld>
@@ -4877,8 +4793,8 @@
         </p:nvSpPr>
         <p:spPr>
           <a:xfrm>
-            <a:off x="2589213" y="4800600"/>
-            <a:ext cx="8915400" cy="566738"/>
+            <a:off x="1295399" y="1883832"/>
+            <a:ext cx="6241816" cy="1371600"/>
           </a:xfrm>
         </p:spPr>
         <p:txBody>
@@ -4886,8 +4802,8 @@
             <a:normAutofit/>
           </a:bodyPr>
           <a:lstStyle>
-            <a:lvl1pPr algn="l">
-              <a:defRPr sz="2400" b="0"/>
+            <a:lvl1pPr algn="ctr">
+              <a:defRPr sz="2800" b="0"/>
             </a:lvl1pPr>
           </a:lstStyle>
           <a:p>
@@ -4901,7 +4817,7 @@
       </p:sp>
       <p:sp>
         <p:nvSpPr>
-          <p:cNvPr id="3" name="Picture Placeholder 2"/>
+          <p:cNvPr id="17" name="Picture Placeholder 2"/>
           <p:cNvSpPr>
             <a:spLocks noGrp="1" noChangeAspect="1"/>
           </p:cNvSpPr>
@@ -4911,9 +4827,30 @@
         </p:nvSpPr>
         <p:spPr>
           <a:xfrm>
-            <a:off x="2589212" y="634965"/>
-            <a:ext cx="8915400" cy="3854970"/>
-          </a:xfrm>
+            <a:off x="8094831" y="1041400"/>
+            <a:ext cx="3063347" cy="4775200"/>
+          </a:xfrm>
+          <a:prstGeom prst="roundRect">
+            <a:avLst>
+              <a:gd name="adj" fmla="val 0"/>
+            </a:avLst>
+          </a:prstGeom>
+          <a:ln w="57150" cmpd="thickThin">
+            <a:solidFill>
+              <a:schemeClr val="tx1">
+                <a:lumMod val="50000"/>
+                <a:lumOff val="50000"/>
+              </a:schemeClr>
+            </a:solidFill>
+            <a:miter lim="800000"/>
+          </a:ln>
+          <a:effectLst>
+            <a:innerShdw blurRad="57150" dist="38100" dir="14460000">
+              <a:srgbClr val="000000">
+                <a:alpha val="70000"/>
+              </a:srgbClr>
+            </a:innerShdw>
+          </a:effectLst>
         </p:spPr>
         <p:txBody>
           <a:bodyPr anchor="t">
@@ -4978,18 +4915,18 @@
         </p:nvSpPr>
         <p:spPr>
           <a:xfrm>
-            <a:off x="2589213" y="5367338"/>
-            <a:ext cx="8915400" cy="493712"/>
-          </a:xfrm>
-        </p:spPr>
-        <p:txBody>
-          <a:bodyPr>
+            <a:off x="1295399" y="3255432"/>
+            <a:ext cx="6241816" cy="1828800"/>
+          </a:xfrm>
+        </p:spPr>
+        <p:txBody>
+          <a:bodyPr anchor="t">
             <a:normAutofit/>
           </a:bodyPr>
           <a:lstStyle>
-            <a:lvl1pPr marL="0" indent="0">
-              <a:buNone/>
-              <a:defRPr sz="1200"/>
+            <a:lvl1pPr marL="0" indent="0" algn="ctr">
+              <a:buNone/>
+              <a:defRPr sz="1800"/>
             </a:lvl1pPr>
             <a:lvl2pPr marL="457200" indent="0">
               <a:buNone/>
@@ -5050,7 +4987,7 @@
           <a:p>
             <a:fld id="{9E5637FB-0DD5-4D5D-801C-E86BE6288A76}" type="datetimeFigureOut">
               <a:rPr lang="en-US" smtClean="0"/>
-              <a:t>9/22/2024</a:t>
+              <a:t>9/30/2024</a:t>
             </a:fld>
             <a:endParaRPr lang="en-US"/>
           </a:p>
@@ -5077,88 +5014,6 @@
       </p:sp>
       <p:sp>
         <p:nvSpPr>
-          <p:cNvPr id="9" name="Freeform 11"/>
-          <p:cNvSpPr/>
-          <p:nvPr/>
-        </p:nvSpPr>
-        <p:spPr bwMode="auto">
-          <a:xfrm flipV="1">
-            <a:off x="-4189" y="4911725"/>
-            <a:ext cx="1588527" cy="507297"/>
-          </a:xfrm>
-          <a:custGeom>
-            <a:avLst/>
-            <a:gdLst/>
-            <a:ahLst/>
-            <a:cxnLst/>
-            <a:rect l="l" t="t" r="r" b="b"/>
-            <a:pathLst>
-              <a:path w="9248" h="10000">
-                <a:moveTo>
-                  <a:pt x="9248" y="4701"/>
-                </a:moveTo>
-                <a:lnTo>
-                  <a:pt x="7915" y="188"/>
-                </a:lnTo>
-                <a:cubicBezTo>
-                  <a:pt x="7906" y="156"/>
-                  <a:pt x="7895" y="126"/>
-                  <a:pt x="7886" y="94"/>
-                </a:cubicBezTo>
-                <a:cubicBezTo>
-                  <a:pt x="7859" y="0"/>
-                  <a:pt x="7831" y="0"/>
-                  <a:pt x="7803" y="0"/>
-                </a:cubicBezTo>
-                <a:lnTo>
-                  <a:pt x="7275" y="0"/>
-                </a:lnTo>
-                <a:lnTo>
-                  <a:pt x="0" y="70"/>
-                </a:lnTo>
-                <a:cubicBezTo>
-                  <a:pt x="8" y="3380"/>
-                  <a:pt x="17" y="6690"/>
-                  <a:pt x="25" y="10000"/>
-                </a:cubicBezTo>
-                <a:lnTo>
-                  <a:pt x="7275" y="9966"/>
-                </a:lnTo>
-                <a:lnTo>
-                  <a:pt x="7803" y="9966"/>
-                </a:lnTo>
-                <a:cubicBezTo>
-                  <a:pt x="7831" y="9966"/>
-                  <a:pt x="7859" y="9872"/>
-                  <a:pt x="7886" y="9872"/>
-                </a:cubicBezTo>
-                <a:cubicBezTo>
-                  <a:pt x="7886" y="9778"/>
-                  <a:pt x="7915" y="9778"/>
-                  <a:pt x="7915" y="9778"/>
-                </a:cubicBezTo>
-                <a:lnTo>
-                  <a:pt x="9248" y="5265"/>
-                </a:lnTo>
-                <a:cubicBezTo>
-                  <a:pt x="9303" y="5077"/>
-                  <a:pt x="9303" y="4889"/>
-                  <a:pt x="9248" y="4701"/>
-                </a:cubicBezTo>
-                <a:close/>
-              </a:path>
-            </a:pathLst>
-          </a:custGeom>
-          <a:solidFill>
-            <a:schemeClr val="accent1"/>
-          </a:solidFill>
-          <a:ln>
-            <a:noFill/>
-          </a:ln>
-        </p:spPr>
-      </p:sp>
-      <p:sp>
-        <p:nvSpPr>
           <p:cNvPr id="7" name="Slide Number Placeholder 6"/>
           <p:cNvSpPr>
             <a:spLocks noGrp="1"/>
@@ -5167,12 +5022,7 @@
             <p:ph type="sldNum" sz="quarter" idx="12"/>
           </p:nvPr>
         </p:nvSpPr>
-        <p:spPr>
-          <a:xfrm>
-            <a:off x="531812" y="4983087"/>
-            <a:ext cx="779767" cy="365125"/>
-          </a:xfrm>
-        </p:spPr>
+        <p:spPr/>
         <p:txBody>
           <a:bodyPr/>
           <a:lstStyle/>
@@ -5188,7 +5038,7 @@
     </p:spTree>
     <p:extLst>
       <p:ext uri="{BB962C8B-B14F-4D97-AF65-F5344CB8AC3E}">
-        <p14:creationId xmlns:p14="http://schemas.microsoft.com/office/powerpoint/2010/main" val="3568825260"/>
+        <p14:creationId xmlns:p14="http://schemas.microsoft.com/office/powerpoint/2010/main" val="540991065"/>
       </p:ext>
     </p:extLst>
   </p:cSld>
@@ -5203,7 +5053,7 @@
   <p:cSld>
     <p:bg>
       <p:bgRef idx="1003">
-        <a:schemeClr val="bg2"/>
+        <a:schemeClr val="bg1"/>
       </p:bgRef>
     </p:bg>
     <p:spTree>
@@ -5222,1835 +5072,189 @@
       </p:grpSpPr>
       <p:grpSp>
         <p:nvGrpSpPr>
-          <p:cNvPr id="23" name="Group 22"/>
+          <p:cNvPr id="7" name="Group 6"/>
           <p:cNvGrpSpPr/>
           <p:nvPr/>
         </p:nvGrpSpPr>
         <p:grpSpPr>
           <a:xfrm>
-            <a:off x="1" y="228600"/>
-            <a:ext cx="2851516" cy="6638628"/>
-            <a:chOff x="2487613" y="285750"/>
-            <a:chExt cx="2428875" cy="5654676"/>
+            <a:off x="-15736" y="0"/>
+            <a:ext cx="12229962" cy="6856214"/>
+            <a:chOff x="-15736" y="0"/>
+            <a:chExt cx="12229962" cy="6856214"/>
           </a:xfrm>
         </p:grpSpPr>
+        <p:pic>
+          <p:nvPicPr>
+            <p:cNvPr id="8" name="Picture 7" descr="HD-PanelContent.png"/>
+            <p:cNvPicPr>
+              <a:picLocks noChangeAspect="1"/>
+            </p:cNvPicPr>
+            <p:nvPr/>
+          </p:nvPicPr>
+          <p:blipFill>
+            <a:blip r:embed="rId19">
+              <a:extLst>
+                <a:ext uri="{28A0092B-C50C-407E-A947-70E740481C1C}">
+                  <a14:useLocalDpi xmlns:a14="http://schemas.microsoft.com/office/drawing/2010/main" val="0"/>
+                </a:ext>
+              </a:extLst>
+            </a:blip>
+            <a:stretch>
+              <a:fillRect/>
+            </a:stretch>
+          </p:blipFill>
+          <p:spPr>
+            <a:xfrm>
+              <a:off x="0" y="0"/>
+              <a:ext cx="12188825" cy="6856214"/>
+            </a:xfrm>
+            <a:prstGeom prst="rect">
+              <a:avLst/>
+            </a:prstGeom>
+          </p:spPr>
+        </p:pic>
         <p:sp>
           <p:nvSpPr>
-            <p:cNvPr id="24" name="Freeform 11"/>
+            <p:cNvPr id="9" name="Rectangle 8"/>
             <p:cNvSpPr/>
             <p:nvPr/>
           </p:nvSpPr>
-          <p:spPr bwMode="auto">
+          <p:spPr>
             <a:xfrm>
-              <a:off x="2487613" y="2284413"/>
-              <a:ext cx="85725" cy="533400"/>
+              <a:off x="608012" y="609600"/>
+              <a:ext cx="10972800" cy="5638800"/>
             </a:xfrm>
-            <a:custGeom>
+            <a:prstGeom prst="rect">
               <a:avLst/>
-              <a:gdLst/>
-              <a:ahLst/>
-              <a:cxnLst/>
-              <a:rect l="0" t="0" r="r" b="b"/>
-              <a:pathLst>
-                <a:path w="22" h="136">
-                  <a:moveTo>
-                    <a:pt x="22" y="136"/>
-                  </a:moveTo>
-                  <a:cubicBezTo>
-                    <a:pt x="20" y="117"/>
-                    <a:pt x="19" y="99"/>
-                    <a:pt x="17" y="80"/>
-                  </a:cubicBezTo>
-                  <a:cubicBezTo>
-                    <a:pt x="11" y="54"/>
-                    <a:pt x="6" y="27"/>
-                    <a:pt x="0" y="0"/>
-                  </a:cubicBezTo>
-                  <a:cubicBezTo>
-                    <a:pt x="0" y="35"/>
-                    <a:pt x="0" y="35"/>
-                    <a:pt x="0" y="35"/>
-                  </a:cubicBezTo>
-                  <a:cubicBezTo>
-                    <a:pt x="6" y="64"/>
-                    <a:pt x="13" y="94"/>
-                    <a:pt x="20" y="124"/>
-                  </a:cubicBezTo>
-                  <a:cubicBezTo>
-                    <a:pt x="20" y="128"/>
-                    <a:pt x="21" y="132"/>
-                    <a:pt x="22" y="136"/>
-                  </a:cubicBezTo>
-                  <a:close/>
-                </a:path>
-              </a:pathLst>
-            </a:custGeom>
-            <a:solidFill>
-              <a:schemeClr val="tx2">
-                <a:alpha val="20000"/>
-              </a:schemeClr>
-            </a:solidFill>
-            <a:ln>
-              <a:noFill/>
+            </a:prstGeom>
+            <a:noFill/>
+            <a:ln w="15875" cap="flat">
+              <a:miter lim="800000"/>
             </a:ln>
           </p:spPr>
+          <p:style>
+            <a:lnRef idx="1">
+              <a:schemeClr val="accent1"/>
+            </a:lnRef>
+            <a:fillRef idx="3">
+              <a:schemeClr val="accent1"/>
+            </a:fillRef>
+            <a:effectRef idx="2">
+              <a:schemeClr val="accent1"/>
+            </a:effectRef>
+            <a:fontRef idx="minor">
+              <a:schemeClr val="lt1"/>
+            </a:fontRef>
+          </p:style>
         </p:sp>
-        <p:sp>
-          <p:nvSpPr>
-            <p:cNvPr id="25" name="Freeform 12"/>
-            <p:cNvSpPr/>
+        <p:pic>
+          <p:nvPicPr>
+            <p:cNvPr id="10" name="Picture 9" descr="HDRibbonContent-UniformTrim.png"/>
+            <p:cNvPicPr>
+              <a:picLocks noChangeAspect="1"/>
+            </p:cNvPicPr>
             <p:nvPr/>
-          </p:nvSpPr>
-          <p:spPr bwMode="auto">
+          </p:nvPicPr>
+          <p:blipFill rotWithShape="1">
+            <a:blip r:embed="rId20">
+              <a:extLst>
+                <a:ext uri="{28A0092B-C50C-407E-A947-70E740481C1C}">
+                  <a14:useLocalDpi xmlns:a14="http://schemas.microsoft.com/office/drawing/2010/main" val="0"/>
+                </a:ext>
+              </a:extLst>
+            </a:blip>
+            <a:srcRect/>
+            <a:stretch/>
+          </p:blipFill>
+          <p:spPr>
             <a:xfrm>
-              <a:off x="2597151" y="2779713"/>
-              <a:ext cx="550863" cy="1978025"/>
+              <a:off x="-15736" y="3153832"/>
+              <a:ext cx="777240" cy="606425"/>
             </a:xfrm>
-            <a:custGeom>
+            <a:prstGeom prst="rect">
               <a:avLst/>
-              <a:gdLst/>
-              <a:ahLst/>
-              <a:cxnLst/>
-              <a:rect l="0" t="0" r="r" b="b"/>
-              <a:pathLst>
-                <a:path w="140" h="504">
-                  <a:moveTo>
-                    <a:pt x="86" y="350"/>
-                  </a:moveTo>
-                  <a:cubicBezTo>
-                    <a:pt x="103" y="402"/>
-                    <a:pt x="120" y="453"/>
-                    <a:pt x="139" y="504"/>
-                  </a:cubicBezTo>
-                  <a:cubicBezTo>
-                    <a:pt x="139" y="495"/>
-                    <a:pt x="139" y="487"/>
-                    <a:pt x="140" y="478"/>
-                  </a:cubicBezTo>
-                  <a:cubicBezTo>
-                    <a:pt x="124" y="435"/>
-                    <a:pt x="109" y="391"/>
-                    <a:pt x="95" y="347"/>
-                  </a:cubicBezTo>
-                  <a:cubicBezTo>
-                    <a:pt x="58" y="233"/>
-                    <a:pt x="27" y="117"/>
-                    <a:pt x="0" y="0"/>
-                  </a:cubicBezTo>
-                  <a:cubicBezTo>
-                    <a:pt x="2" y="20"/>
-                    <a:pt x="4" y="41"/>
-                    <a:pt x="6" y="61"/>
-                  </a:cubicBezTo>
-                  <a:cubicBezTo>
-                    <a:pt x="30" y="158"/>
-                    <a:pt x="56" y="255"/>
-                    <a:pt x="86" y="350"/>
-                  </a:cubicBezTo>
-                  <a:close/>
-                </a:path>
-              </a:pathLst>
-            </a:custGeom>
-            <a:solidFill>
-              <a:schemeClr val="tx2">
-                <a:alpha val="20000"/>
-              </a:schemeClr>
-            </a:solidFill>
-            <a:ln>
-              <a:noFill/>
-            </a:ln>
+            </a:prstGeom>
           </p:spPr>
-        </p:sp>
-        <p:sp>
-          <p:nvSpPr>
-            <p:cNvPr id="26" name="Freeform 13"/>
-            <p:cNvSpPr/>
+        </p:pic>
+        <p:pic>
+          <p:nvPicPr>
+            <p:cNvPr id="11" name="Picture 10" descr="HDRibbonContent-UniformTrim.png"/>
+            <p:cNvPicPr>
+              <a:picLocks noChangeAspect="1"/>
+            </p:cNvPicPr>
             <p:nvPr/>
-          </p:nvSpPr>
-          <p:spPr bwMode="auto">
+          </p:nvPicPr>
+          <p:blipFill rotWithShape="1">
+            <a:blip r:embed="rId20">
+              <a:extLst>
+                <a:ext uri="{28A0092B-C50C-407E-A947-70E740481C1C}">
+                  <a14:useLocalDpi xmlns:a14="http://schemas.microsoft.com/office/drawing/2010/main" val="0"/>
+                </a:ext>
+              </a:extLst>
+            </a:blip>
+            <a:srcRect/>
+            <a:stretch/>
+          </p:blipFill>
+          <p:spPr>
             <a:xfrm>
-              <a:off x="3175001" y="4730750"/>
-              <a:ext cx="519113" cy="1209675"/>
+              <a:off x="11436986" y="3153832"/>
+              <a:ext cx="777240" cy="606425"/>
             </a:xfrm>
-            <a:custGeom>
+            <a:prstGeom prst="rect">
               <a:avLst/>
-              <a:gdLst/>
-              <a:ahLst/>
-              <a:cxnLst/>
-              <a:rect l="0" t="0" r="r" b="b"/>
-              <a:pathLst>
-                <a:path w="132" h="308">
-                  <a:moveTo>
-                    <a:pt x="8" y="22"/>
-                  </a:moveTo>
-                  <a:cubicBezTo>
-                    <a:pt x="5" y="15"/>
-                    <a:pt x="2" y="8"/>
-                    <a:pt x="0" y="0"/>
-                  </a:cubicBezTo>
-                  <a:cubicBezTo>
-                    <a:pt x="0" y="10"/>
-                    <a:pt x="0" y="19"/>
-                    <a:pt x="0" y="29"/>
-                  </a:cubicBezTo>
-                  <a:cubicBezTo>
-                    <a:pt x="21" y="85"/>
-                    <a:pt x="44" y="140"/>
-                    <a:pt x="68" y="194"/>
-                  </a:cubicBezTo>
-                  <a:cubicBezTo>
-                    <a:pt x="85" y="232"/>
-                    <a:pt x="104" y="270"/>
-                    <a:pt x="123" y="308"/>
-                  </a:cubicBezTo>
-                  <a:cubicBezTo>
-                    <a:pt x="132" y="308"/>
-                    <a:pt x="132" y="308"/>
-                    <a:pt x="132" y="308"/>
-                  </a:cubicBezTo>
-                  <a:cubicBezTo>
-                    <a:pt x="113" y="269"/>
-                    <a:pt x="94" y="230"/>
-                    <a:pt x="77" y="190"/>
-                  </a:cubicBezTo>
-                  <a:cubicBezTo>
-                    <a:pt x="52" y="135"/>
-                    <a:pt x="29" y="79"/>
-                    <a:pt x="8" y="22"/>
-                  </a:cubicBezTo>
-                  <a:close/>
-                </a:path>
-              </a:pathLst>
-            </a:custGeom>
-            <a:solidFill>
-              <a:schemeClr val="tx2">
-                <a:alpha val="20000"/>
-              </a:schemeClr>
-            </a:solidFill>
-            <a:ln>
-              <a:noFill/>
-            </a:ln>
+            </a:prstGeom>
           </p:spPr>
-        </p:sp>
-        <p:sp>
-          <p:nvSpPr>
-            <p:cNvPr id="27" name="Freeform 14"/>
-            <p:cNvSpPr/>
-            <p:nvPr/>
-          </p:nvSpPr>
-          <p:spPr bwMode="auto">
-            <a:xfrm>
-              <a:off x="3305176" y="5630863"/>
-              <a:ext cx="146050" cy="309563"/>
-            </a:xfrm>
-            <a:custGeom>
-              <a:avLst/>
-              <a:gdLst/>
-              <a:ahLst/>
-              <a:cxnLst/>
-              <a:rect l="0" t="0" r="r" b="b"/>
-              <a:pathLst>
-                <a:path w="37" h="79">
-                  <a:moveTo>
-                    <a:pt x="28" y="79"/>
-                  </a:moveTo>
-                  <a:cubicBezTo>
-                    <a:pt x="37" y="79"/>
-                    <a:pt x="37" y="79"/>
-                    <a:pt x="37" y="79"/>
-                  </a:cubicBezTo>
-                  <a:cubicBezTo>
-                    <a:pt x="24" y="53"/>
-                    <a:pt x="12" y="27"/>
-                    <a:pt x="0" y="0"/>
-                  </a:cubicBezTo>
-                  <a:cubicBezTo>
-                    <a:pt x="8" y="27"/>
-                    <a:pt x="17" y="53"/>
-                    <a:pt x="28" y="79"/>
-                  </a:cubicBezTo>
-                  <a:close/>
-                </a:path>
-              </a:pathLst>
-            </a:custGeom>
-            <a:solidFill>
-              <a:schemeClr val="tx2">
-                <a:alpha val="20000"/>
-              </a:schemeClr>
-            </a:solidFill>
-            <a:ln>
-              <a:noFill/>
-            </a:ln>
-          </p:spPr>
-        </p:sp>
-        <p:sp>
-          <p:nvSpPr>
-            <p:cNvPr id="28" name="Freeform 15"/>
-            <p:cNvSpPr/>
-            <p:nvPr/>
-          </p:nvSpPr>
-          <p:spPr bwMode="auto">
-            <a:xfrm>
-              <a:off x="2573338" y="2817813"/>
-              <a:ext cx="700088" cy="2835275"/>
-            </a:xfrm>
-            <a:custGeom>
-              <a:avLst/>
-              <a:gdLst/>
-              <a:ahLst/>
-              <a:cxnLst/>
-              <a:rect l="0" t="0" r="r" b="b"/>
-              <a:pathLst>
-                <a:path w="178" h="722">
-                  <a:moveTo>
-                    <a:pt x="162" y="660"/>
-                  </a:moveTo>
-                  <a:cubicBezTo>
-                    <a:pt x="145" y="618"/>
-                    <a:pt x="130" y="576"/>
-                    <a:pt x="116" y="534"/>
-                  </a:cubicBezTo>
-                  <a:cubicBezTo>
-                    <a:pt x="84" y="437"/>
-                    <a:pt x="59" y="337"/>
-                    <a:pt x="40" y="236"/>
-                  </a:cubicBezTo>
-                  <a:cubicBezTo>
-                    <a:pt x="29" y="175"/>
-                    <a:pt x="20" y="113"/>
-                    <a:pt x="12" y="51"/>
-                  </a:cubicBezTo>
-                  <a:cubicBezTo>
-                    <a:pt x="8" y="34"/>
-                    <a:pt x="4" y="17"/>
-                    <a:pt x="0" y="0"/>
-                  </a:cubicBezTo>
-                  <a:cubicBezTo>
-                    <a:pt x="8" y="79"/>
-                    <a:pt x="19" y="159"/>
-                    <a:pt x="33" y="237"/>
-                  </a:cubicBezTo>
-                  <a:cubicBezTo>
-                    <a:pt x="51" y="339"/>
-                    <a:pt x="76" y="439"/>
-                    <a:pt x="107" y="537"/>
-                  </a:cubicBezTo>
-                  <a:cubicBezTo>
-                    <a:pt x="123" y="586"/>
-                    <a:pt x="141" y="634"/>
-                    <a:pt x="160" y="681"/>
-                  </a:cubicBezTo>
-                  <a:cubicBezTo>
-                    <a:pt x="166" y="695"/>
-                    <a:pt x="172" y="708"/>
-                    <a:pt x="178" y="722"/>
-                  </a:cubicBezTo>
-                  <a:cubicBezTo>
-                    <a:pt x="176" y="717"/>
-                    <a:pt x="175" y="713"/>
-                    <a:pt x="174" y="708"/>
-                  </a:cubicBezTo>
-                  <a:cubicBezTo>
-                    <a:pt x="169" y="692"/>
-                    <a:pt x="165" y="676"/>
-                    <a:pt x="162" y="660"/>
-                  </a:cubicBezTo>
-                  <a:close/>
-                </a:path>
-              </a:pathLst>
-            </a:custGeom>
-            <a:solidFill>
-              <a:schemeClr val="tx2">
-                <a:alpha val="20000"/>
-              </a:schemeClr>
-            </a:solidFill>
-            <a:ln>
-              <a:noFill/>
-            </a:ln>
-          </p:spPr>
-        </p:sp>
-        <p:sp>
-          <p:nvSpPr>
-            <p:cNvPr id="29" name="Freeform 16"/>
-            <p:cNvSpPr/>
-            <p:nvPr/>
-          </p:nvSpPr>
-          <p:spPr bwMode="auto">
-            <a:xfrm>
-              <a:off x="2506663" y="285750"/>
-              <a:ext cx="90488" cy="2493963"/>
-            </a:xfrm>
-            <a:custGeom>
-              <a:avLst/>
-              <a:gdLst/>
-              <a:ahLst/>
-              <a:cxnLst/>
-              <a:rect l="0" t="0" r="r" b="b"/>
-              <a:pathLst>
-                <a:path w="23" h="635">
-                  <a:moveTo>
-                    <a:pt x="11" y="577"/>
-                  </a:moveTo>
-                  <a:cubicBezTo>
-                    <a:pt x="12" y="581"/>
-                    <a:pt x="12" y="585"/>
-                    <a:pt x="12" y="589"/>
-                  </a:cubicBezTo>
-                  <a:cubicBezTo>
-                    <a:pt x="15" y="603"/>
-                    <a:pt x="19" y="617"/>
-                    <a:pt x="22" y="632"/>
-                  </a:cubicBezTo>
-                  <a:cubicBezTo>
-                    <a:pt x="22" y="633"/>
-                    <a:pt x="22" y="634"/>
-                    <a:pt x="23" y="635"/>
-                  </a:cubicBezTo>
-                  <a:cubicBezTo>
-                    <a:pt x="21" y="615"/>
-                    <a:pt x="19" y="596"/>
-                    <a:pt x="17" y="576"/>
-                  </a:cubicBezTo>
-                  <a:cubicBezTo>
-                    <a:pt x="9" y="474"/>
-                    <a:pt x="5" y="372"/>
-                    <a:pt x="5" y="269"/>
-                  </a:cubicBezTo>
-                  <a:cubicBezTo>
-                    <a:pt x="6" y="179"/>
-                    <a:pt x="9" y="90"/>
-                    <a:pt x="15" y="0"/>
-                  </a:cubicBezTo>
-                  <a:cubicBezTo>
-                    <a:pt x="12" y="0"/>
-                    <a:pt x="12" y="0"/>
-                    <a:pt x="12" y="0"/>
-                  </a:cubicBezTo>
-                  <a:cubicBezTo>
-                    <a:pt x="5" y="89"/>
-                    <a:pt x="2" y="179"/>
-                    <a:pt x="1" y="269"/>
-                  </a:cubicBezTo>
-                  <a:cubicBezTo>
-                    <a:pt x="0" y="372"/>
-                    <a:pt x="3" y="474"/>
-                    <a:pt x="11" y="577"/>
-                  </a:cubicBezTo>
-                  <a:close/>
-                </a:path>
-              </a:pathLst>
-            </a:custGeom>
-            <a:solidFill>
-              <a:schemeClr val="tx2">
-                <a:alpha val="20000"/>
-              </a:schemeClr>
-            </a:solidFill>
-            <a:ln>
-              <a:noFill/>
-            </a:ln>
-          </p:spPr>
-        </p:sp>
-        <p:sp>
-          <p:nvSpPr>
-            <p:cNvPr id="30" name="Freeform 17"/>
-            <p:cNvSpPr/>
-            <p:nvPr/>
-          </p:nvSpPr>
-          <p:spPr bwMode="auto">
-            <a:xfrm>
-              <a:off x="2554288" y="2598738"/>
-              <a:ext cx="66675" cy="420688"/>
-            </a:xfrm>
-            <a:custGeom>
-              <a:avLst/>
-              <a:gdLst/>
-              <a:ahLst/>
-              <a:cxnLst/>
-              <a:rect l="0" t="0" r="r" b="b"/>
-              <a:pathLst>
-                <a:path w="17" h="107">
-                  <a:moveTo>
-                    <a:pt x="0" y="0"/>
-                  </a:moveTo>
-                  <a:cubicBezTo>
-                    <a:pt x="2" y="19"/>
-                    <a:pt x="3" y="37"/>
-                    <a:pt x="5" y="56"/>
-                  </a:cubicBezTo>
-                  <a:cubicBezTo>
-                    <a:pt x="9" y="73"/>
-                    <a:pt x="13" y="90"/>
-                    <a:pt x="17" y="107"/>
-                  </a:cubicBezTo>
-                  <a:cubicBezTo>
-                    <a:pt x="15" y="87"/>
-                    <a:pt x="13" y="66"/>
-                    <a:pt x="11" y="46"/>
-                  </a:cubicBezTo>
-                  <a:cubicBezTo>
-                    <a:pt x="10" y="45"/>
-                    <a:pt x="10" y="44"/>
-                    <a:pt x="10" y="43"/>
-                  </a:cubicBezTo>
-                  <a:cubicBezTo>
-                    <a:pt x="7" y="28"/>
-                    <a:pt x="3" y="14"/>
-                    <a:pt x="0" y="0"/>
-                  </a:cubicBezTo>
-                  <a:close/>
-                </a:path>
-              </a:pathLst>
-            </a:custGeom>
-            <a:solidFill>
-              <a:schemeClr val="tx2">
-                <a:alpha val="20000"/>
-              </a:schemeClr>
-            </a:solidFill>
-            <a:ln>
-              <a:noFill/>
-            </a:ln>
-          </p:spPr>
-        </p:sp>
-        <p:sp>
-          <p:nvSpPr>
-            <p:cNvPr id="31" name="Freeform 18"/>
-            <p:cNvSpPr/>
-            <p:nvPr/>
-          </p:nvSpPr>
-          <p:spPr bwMode="auto">
-            <a:xfrm>
-              <a:off x="3143251" y="4757738"/>
-              <a:ext cx="161925" cy="873125"/>
-            </a:xfrm>
-            <a:custGeom>
-              <a:avLst/>
-              <a:gdLst/>
-              <a:ahLst/>
-              <a:cxnLst/>
-              <a:rect l="0" t="0" r="r" b="b"/>
-              <a:pathLst>
-                <a:path w="41" h="222">
-                  <a:moveTo>
-                    <a:pt x="0" y="0"/>
-                  </a:moveTo>
-                  <a:cubicBezTo>
-                    <a:pt x="0" y="31"/>
-                    <a:pt x="2" y="62"/>
-                    <a:pt x="5" y="93"/>
-                  </a:cubicBezTo>
-                  <a:cubicBezTo>
-                    <a:pt x="8" y="117"/>
-                    <a:pt x="12" y="142"/>
-                    <a:pt x="17" y="166"/>
-                  </a:cubicBezTo>
-                  <a:cubicBezTo>
-                    <a:pt x="19" y="172"/>
-                    <a:pt x="22" y="178"/>
-                    <a:pt x="24" y="184"/>
-                  </a:cubicBezTo>
-                  <a:cubicBezTo>
-                    <a:pt x="30" y="197"/>
-                    <a:pt x="35" y="209"/>
-                    <a:pt x="41" y="222"/>
-                  </a:cubicBezTo>
-                  <a:cubicBezTo>
-                    <a:pt x="40" y="219"/>
-                    <a:pt x="39" y="215"/>
-                    <a:pt x="38" y="212"/>
-                  </a:cubicBezTo>
-                  <a:cubicBezTo>
-                    <a:pt x="26" y="172"/>
-                    <a:pt x="18" y="132"/>
-                    <a:pt x="13" y="92"/>
-                  </a:cubicBezTo>
-                  <a:cubicBezTo>
-                    <a:pt x="11" y="68"/>
-                    <a:pt x="9" y="45"/>
-                    <a:pt x="8" y="22"/>
-                  </a:cubicBezTo>
-                  <a:cubicBezTo>
-                    <a:pt x="8" y="21"/>
-                    <a:pt x="7" y="20"/>
-                    <a:pt x="7" y="18"/>
-                  </a:cubicBezTo>
-                  <a:cubicBezTo>
-                    <a:pt x="5" y="12"/>
-                    <a:pt x="2" y="6"/>
-                    <a:pt x="0" y="0"/>
-                  </a:cubicBezTo>
-                  <a:close/>
-                </a:path>
-              </a:pathLst>
-            </a:custGeom>
-            <a:solidFill>
-              <a:schemeClr val="tx2">
-                <a:alpha val="20000"/>
-              </a:schemeClr>
-            </a:solidFill>
-            <a:ln>
-              <a:noFill/>
-            </a:ln>
-          </p:spPr>
-        </p:sp>
-        <p:sp>
-          <p:nvSpPr>
-            <p:cNvPr id="32" name="Freeform 19"/>
-            <p:cNvSpPr/>
-            <p:nvPr/>
-          </p:nvSpPr>
-          <p:spPr bwMode="auto">
-            <a:xfrm>
-              <a:off x="3148013" y="1282700"/>
-              <a:ext cx="1768475" cy="3448050"/>
-            </a:xfrm>
-            <a:custGeom>
-              <a:avLst/>
-              <a:gdLst/>
-              <a:ahLst/>
-              <a:cxnLst/>
-              <a:rect l="0" t="0" r="r" b="b"/>
-              <a:pathLst>
-                <a:path w="450" h="878">
-                  <a:moveTo>
-                    <a:pt x="7" y="854"/>
-                  </a:moveTo>
-                  <a:cubicBezTo>
-                    <a:pt x="10" y="772"/>
-                    <a:pt x="26" y="691"/>
-                    <a:pt x="50" y="613"/>
-                  </a:cubicBezTo>
-                  <a:cubicBezTo>
-                    <a:pt x="75" y="535"/>
-                    <a:pt x="109" y="460"/>
-                    <a:pt x="149" y="388"/>
-                  </a:cubicBezTo>
-                  <a:cubicBezTo>
-                    <a:pt x="189" y="316"/>
-                    <a:pt x="235" y="248"/>
-                    <a:pt x="285" y="183"/>
-                  </a:cubicBezTo>
-                  <a:cubicBezTo>
-                    <a:pt x="310" y="151"/>
-                    <a:pt x="337" y="119"/>
-                    <a:pt x="364" y="89"/>
-                  </a:cubicBezTo>
-                  <a:cubicBezTo>
-                    <a:pt x="378" y="74"/>
-                    <a:pt x="392" y="58"/>
-                    <a:pt x="406" y="44"/>
-                  </a:cubicBezTo>
-                  <a:cubicBezTo>
-                    <a:pt x="421" y="29"/>
-                    <a:pt x="435" y="15"/>
-                    <a:pt x="450" y="1"/>
-                  </a:cubicBezTo>
-                  <a:cubicBezTo>
-                    <a:pt x="450" y="0"/>
-                    <a:pt x="450" y="0"/>
-                    <a:pt x="450" y="0"/>
-                  </a:cubicBezTo>
-                  <a:cubicBezTo>
-                    <a:pt x="434" y="14"/>
-                    <a:pt x="420" y="28"/>
-                    <a:pt x="405" y="43"/>
-                  </a:cubicBezTo>
-                  <a:cubicBezTo>
-                    <a:pt x="391" y="57"/>
-                    <a:pt x="377" y="72"/>
-                    <a:pt x="363" y="88"/>
-                  </a:cubicBezTo>
-                  <a:cubicBezTo>
-                    <a:pt x="335" y="118"/>
-                    <a:pt x="308" y="149"/>
-                    <a:pt x="283" y="181"/>
-                  </a:cubicBezTo>
-                  <a:cubicBezTo>
-                    <a:pt x="232" y="246"/>
-                    <a:pt x="185" y="314"/>
-                    <a:pt x="145" y="386"/>
-                  </a:cubicBezTo>
-                  <a:cubicBezTo>
-                    <a:pt x="104" y="457"/>
-                    <a:pt x="70" y="533"/>
-                    <a:pt x="45" y="611"/>
-                  </a:cubicBezTo>
-                  <a:cubicBezTo>
-                    <a:pt x="19" y="690"/>
-                    <a:pt x="3" y="771"/>
-                    <a:pt x="0" y="854"/>
-                  </a:cubicBezTo>
-                  <a:cubicBezTo>
-                    <a:pt x="0" y="856"/>
-                    <a:pt x="0" y="857"/>
-                    <a:pt x="0" y="859"/>
-                  </a:cubicBezTo>
-                  <a:cubicBezTo>
-                    <a:pt x="2" y="865"/>
-                    <a:pt x="4" y="872"/>
-                    <a:pt x="7" y="878"/>
-                  </a:cubicBezTo>
-                  <a:cubicBezTo>
-                    <a:pt x="7" y="870"/>
-                    <a:pt x="7" y="862"/>
-                    <a:pt x="7" y="854"/>
-                  </a:cubicBezTo>
-                  <a:close/>
-                </a:path>
-              </a:pathLst>
-            </a:custGeom>
-            <a:solidFill>
-              <a:schemeClr val="tx2">
-                <a:alpha val="20000"/>
-              </a:schemeClr>
-            </a:solidFill>
-            <a:ln>
-              <a:noFill/>
-            </a:ln>
-          </p:spPr>
-        </p:sp>
-        <p:sp>
-          <p:nvSpPr>
-            <p:cNvPr id="33" name="Freeform 20"/>
-            <p:cNvSpPr/>
-            <p:nvPr/>
-          </p:nvSpPr>
-          <p:spPr bwMode="auto">
-            <a:xfrm>
-              <a:off x="3273426" y="5653088"/>
-              <a:ext cx="138113" cy="287338"/>
-            </a:xfrm>
-            <a:custGeom>
-              <a:avLst/>
-              <a:gdLst/>
-              <a:ahLst/>
-              <a:cxnLst/>
-              <a:rect l="0" t="0" r="r" b="b"/>
-              <a:pathLst>
-                <a:path w="35" h="73">
-                  <a:moveTo>
-                    <a:pt x="0" y="0"/>
-                  </a:moveTo>
-                  <a:cubicBezTo>
-                    <a:pt x="7" y="24"/>
-                    <a:pt x="16" y="49"/>
-                    <a:pt x="26" y="73"/>
-                  </a:cubicBezTo>
-                  <a:cubicBezTo>
-                    <a:pt x="35" y="73"/>
-                    <a:pt x="35" y="73"/>
-                    <a:pt x="35" y="73"/>
-                  </a:cubicBezTo>
-                  <a:cubicBezTo>
-                    <a:pt x="23" y="49"/>
-                    <a:pt x="11" y="24"/>
-                    <a:pt x="0" y="0"/>
-                  </a:cubicBezTo>
-                  <a:close/>
-                </a:path>
-              </a:pathLst>
-            </a:custGeom>
-            <a:solidFill>
-              <a:schemeClr val="tx2">
-                <a:alpha val="20000"/>
-              </a:schemeClr>
-            </a:solidFill>
-            <a:ln>
-              <a:noFill/>
-            </a:ln>
-          </p:spPr>
-        </p:sp>
-        <p:sp>
-          <p:nvSpPr>
-            <p:cNvPr id="34" name="Freeform 21"/>
-            <p:cNvSpPr/>
-            <p:nvPr/>
-          </p:nvSpPr>
-          <p:spPr bwMode="auto">
-            <a:xfrm>
-              <a:off x="3143251" y="4656138"/>
-              <a:ext cx="31750" cy="188913"/>
-            </a:xfrm>
-            <a:custGeom>
-              <a:avLst/>
-              <a:gdLst/>
-              <a:ahLst/>
-              <a:cxnLst/>
-              <a:rect l="0" t="0" r="r" b="b"/>
-              <a:pathLst>
-                <a:path w="8" h="48">
-                  <a:moveTo>
-                    <a:pt x="7" y="44"/>
-                  </a:moveTo>
-                  <a:cubicBezTo>
-                    <a:pt x="7" y="46"/>
-                    <a:pt x="8" y="47"/>
-                    <a:pt x="8" y="48"/>
-                  </a:cubicBezTo>
-                  <a:cubicBezTo>
-                    <a:pt x="8" y="38"/>
-                    <a:pt x="8" y="29"/>
-                    <a:pt x="8" y="19"/>
-                  </a:cubicBezTo>
-                  <a:cubicBezTo>
-                    <a:pt x="5" y="13"/>
-                    <a:pt x="3" y="6"/>
-                    <a:pt x="1" y="0"/>
-                  </a:cubicBezTo>
-                  <a:cubicBezTo>
-                    <a:pt x="0" y="9"/>
-                    <a:pt x="0" y="17"/>
-                    <a:pt x="0" y="26"/>
-                  </a:cubicBezTo>
-                  <a:cubicBezTo>
-                    <a:pt x="2" y="32"/>
-                    <a:pt x="5" y="38"/>
-                    <a:pt x="7" y="44"/>
-                  </a:cubicBezTo>
-                  <a:close/>
-                </a:path>
-              </a:pathLst>
-            </a:custGeom>
-            <a:solidFill>
-              <a:schemeClr val="tx2">
-                <a:alpha val="20000"/>
-              </a:schemeClr>
-            </a:solidFill>
-            <a:ln>
-              <a:noFill/>
-            </a:ln>
-          </p:spPr>
-        </p:sp>
-        <p:sp>
-          <p:nvSpPr>
-            <p:cNvPr id="35" name="Freeform 22"/>
-            <p:cNvSpPr/>
-            <p:nvPr/>
-          </p:nvSpPr>
-          <p:spPr bwMode="auto">
-            <a:xfrm>
-              <a:off x="3211513" y="5410200"/>
-              <a:ext cx="203200" cy="530225"/>
-            </a:xfrm>
-            <a:custGeom>
-              <a:avLst/>
-              <a:gdLst/>
-              <a:ahLst/>
-              <a:cxnLst/>
-              <a:rect l="0" t="0" r="r" b="b"/>
-              <a:pathLst>
-                <a:path w="52" h="135">
-                  <a:moveTo>
-                    <a:pt x="7" y="18"/>
-                  </a:moveTo>
-                  <a:cubicBezTo>
-                    <a:pt x="5" y="12"/>
-                    <a:pt x="2" y="6"/>
-                    <a:pt x="0" y="0"/>
-                  </a:cubicBezTo>
-                  <a:cubicBezTo>
-                    <a:pt x="3" y="16"/>
-                    <a:pt x="7" y="32"/>
-                    <a:pt x="12" y="48"/>
-                  </a:cubicBezTo>
-                  <a:cubicBezTo>
-                    <a:pt x="13" y="53"/>
-                    <a:pt x="14" y="57"/>
-                    <a:pt x="16" y="62"/>
-                  </a:cubicBezTo>
-                  <a:cubicBezTo>
-                    <a:pt x="27" y="86"/>
-                    <a:pt x="39" y="111"/>
-                    <a:pt x="51" y="135"/>
-                  </a:cubicBezTo>
-                  <a:cubicBezTo>
-                    <a:pt x="52" y="135"/>
-                    <a:pt x="52" y="135"/>
-                    <a:pt x="52" y="135"/>
-                  </a:cubicBezTo>
-                  <a:cubicBezTo>
-                    <a:pt x="41" y="109"/>
-                    <a:pt x="32" y="83"/>
-                    <a:pt x="24" y="56"/>
-                  </a:cubicBezTo>
-                  <a:cubicBezTo>
-                    <a:pt x="18" y="43"/>
-                    <a:pt x="13" y="31"/>
-                    <a:pt x="7" y="18"/>
-                  </a:cubicBezTo>
-                  <a:close/>
-                </a:path>
-              </a:pathLst>
-            </a:custGeom>
-            <a:solidFill>
-              <a:schemeClr val="tx2">
-                <a:alpha val="20000"/>
-              </a:schemeClr>
-            </a:solidFill>
-            <a:ln>
-              <a:noFill/>
-            </a:ln>
-          </p:spPr>
-        </p:sp>
+        </p:pic>
       </p:grpSp>
-      <p:grpSp>
-        <p:nvGrpSpPr>
-          <p:cNvPr id="10" name="Group 9"/>
-          <p:cNvGrpSpPr/>
-          <p:nvPr/>
-        </p:nvGrpSpPr>
-        <p:grpSpPr>
-          <a:xfrm>
-            <a:off x="27221" y="-786"/>
-            <a:ext cx="2356674" cy="6854039"/>
-            <a:chOff x="6627813" y="194833"/>
-            <a:chExt cx="1952625" cy="5678918"/>
-          </a:xfrm>
-        </p:grpSpPr>
-        <p:sp>
-          <p:nvSpPr>
-            <p:cNvPr id="11" name="Freeform 27"/>
-            <p:cNvSpPr/>
-            <p:nvPr/>
-          </p:nvSpPr>
-          <p:spPr bwMode="auto">
-            <a:xfrm>
-              <a:off x="6627813" y="194833"/>
-              <a:ext cx="409575" cy="3646488"/>
-            </a:xfrm>
-            <a:custGeom>
-              <a:avLst/>
-              <a:gdLst/>
-              <a:ahLst/>
-              <a:cxnLst/>
-              <a:rect l="0" t="0" r="r" b="b"/>
-              <a:pathLst>
-                <a:path w="103" h="920">
-                  <a:moveTo>
-                    <a:pt x="7" y="210"/>
-                  </a:moveTo>
-                  <a:cubicBezTo>
-                    <a:pt x="11" y="288"/>
-                    <a:pt x="17" y="367"/>
-                    <a:pt x="26" y="445"/>
-                  </a:cubicBezTo>
-                  <a:cubicBezTo>
-                    <a:pt x="34" y="523"/>
-                    <a:pt x="44" y="601"/>
-                    <a:pt x="57" y="679"/>
-                  </a:cubicBezTo>
-                  <a:cubicBezTo>
-                    <a:pt x="69" y="757"/>
-                    <a:pt x="84" y="834"/>
-                    <a:pt x="101" y="911"/>
-                  </a:cubicBezTo>
-                  <a:cubicBezTo>
-                    <a:pt x="102" y="914"/>
-                    <a:pt x="103" y="917"/>
-                    <a:pt x="103" y="920"/>
-                  </a:cubicBezTo>
-                  <a:cubicBezTo>
-                    <a:pt x="102" y="905"/>
-                    <a:pt x="100" y="889"/>
-                    <a:pt x="99" y="874"/>
-                  </a:cubicBezTo>
-                  <a:cubicBezTo>
-                    <a:pt x="99" y="871"/>
-                    <a:pt x="99" y="868"/>
-                    <a:pt x="99" y="866"/>
-                  </a:cubicBezTo>
-                  <a:cubicBezTo>
-                    <a:pt x="85" y="803"/>
-                    <a:pt x="73" y="741"/>
-                    <a:pt x="63" y="678"/>
-                  </a:cubicBezTo>
-                  <a:cubicBezTo>
-                    <a:pt x="50" y="600"/>
-                    <a:pt x="39" y="523"/>
-                    <a:pt x="30" y="444"/>
-                  </a:cubicBezTo>
-                  <a:cubicBezTo>
-                    <a:pt x="21" y="366"/>
-                    <a:pt x="14" y="288"/>
-                    <a:pt x="9" y="209"/>
-                  </a:cubicBezTo>
-                  <a:cubicBezTo>
-                    <a:pt x="7" y="170"/>
-                    <a:pt x="5" y="131"/>
-                    <a:pt x="3" y="92"/>
-                  </a:cubicBezTo>
-                  <a:cubicBezTo>
-                    <a:pt x="2" y="61"/>
-                    <a:pt x="1" y="31"/>
-                    <a:pt x="1" y="0"/>
-                  </a:cubicBezTo>
-                  <a:cubicBezTo>
-                    <a:pt x="0" y="0"/>
-                    <a:pt x="0" y="0"/>
-                    <a:pt x="0" y="0"/>
-                  </a:cubicBezTo>
-                  <a:cubicBezTo>
-                    <a:pt x="0" y="31"/>
-                    <a:pt x="1" y="61"/>
-                    <a:pt x="1" y="92"/>
-                  </a:cubicBezTo>
-                  <a:cubicBezTo>
-                    <a:pt x="3" y="131"/>
-                    <a:pt x="4" y="170"/>
-                    <a:pt x="7" y="210"/>
-                  </a:cubicBezTo>
-                  <a:close/>
-                </a:path>
-              </a:pathLst>
-            </a:custGeom>
-            <a:solidFill>
-              <a:schemeClr val="tx2"/>
-            </a:solidFill>
-            <a:ln>
-              <a:noFill/>
-            </a:ln>
-          </p:spPr>
-        </p:sp>
-        <p:sp>
-          <p:nvSpPr>
-            <p:cNvPr id="12" name="Freeform 28"/>
-            <p:cNvSpPr/>
-            <p:nvPr/>
-          </p:nvSpPr>
-          <p:spPr bwMode="auto">
-            <a:xfrm>
-              <a:off x="7061201" y="3771900"/>
-              <a:ext cx="350838" cy="1309688"/>
-            </a:xfrm>
-            <a:custGeom>
-              <a:avLst/>
-              <a:gdLst/>
-              <a:ahLst/>
-              <a:cxnLst/>
-              <a:rect l="0" t="0" r="r" b="b"/>
-              <a:pathLst>
-                <a:path w="88" h="330">
-                  <a:moveTo>
-                    <a:pt x="53" y="229"/>
-                  </a:moveTo>
-                  <a:cubicBezTo>
-                    <a:pt x="64" y="263"/>
-                    <a:pt x="75" y="297"/>
-                    <a:pt x="88" y="330"/>
-                  </a:cubicBezTo>
-                  <a:cubicBezTo>
-                    <a:pt x="88" y="323"/>
-                    <a:pt x="88" y="315"/>
-                    <a:pt x="88" y="308"/>
-                  </a:cubicBezTo>
-                  <a:cubicBezTo>
-                    <a:pt x="88" y="307"/>
-                    <a:pt x="88" y="305"/>
-                    <a:pt x="88" y="304"/>
-                  </a:cubicBezTo>
-                  <a:cubicBezTo>
-                    <a:pt x="79" y="278"/>
-                    <a:pt x="70" y="252"/>
-                    <a:pt x="62" y="226"/>
-                  </a:cubicBezTo>
-                  <a:cubicBezTo>
-                    <a:pt x="38" y="152"/>
-                    <a:pt x="17" y="76"/>
-                    <a:pt x="0" y="0"/>
-                  </a:cubicBezTo>
-                  <a:cubicBezTo>
-                    <a:pt x="2" y="21"/>
-                    <a:pt x="4" y="42"/>
-                    <a:pt x="7" y="63"/>
-                  </a:cubicBezTo>
-                  <a:cubicBezTo>
-                    <a:pt x="21" y="119"/>
-                    <a:pt x="36" y="174"/>
-                    <a:pt x="53" y="229"/>
-                  </a:cubicBezTo>
-                  <a:close/>
-                </a:path>
-              </a:pathLst>
-            </a:custGeom>
-            <a:solidFill>
-              <a:schemeClr val="tx2"/>
-            </a:solidFill>
-            <a:ln>
-              <a:noFill/>
-            </a:ln>
-          </p:spPr>
-        </p:sp>
-        <p:sp>
-          <p:nvSpPr>
-            <p:cNvPr id="13" name="Freeform 29"/>
-            <p:cNvSpPr/>
-            <p:nvPr/>
-          </p:nvSpPr>
-          <p:spPr bwMode="auto">
-            <a:xfrm>
-              <a:off x="7439026" y="5053013"/>
-              <a:ext cx="357188" cy="820738"/>
-            </a:xfrm>
-            <a:custGeom>
-              <a:avLst/>
-              <a:gdLst/>
-              <a:ahLst/>
-              <a:cxnLst/>
-              <a:rect l="0" t="0" r="r" b="b"/>
-              <a:pathLst>
-                <a:path w="90" h="207">
-                  <a:moveTo>
-                    <a:pt x="6" y="15"/>
-                  </a:moveTo>
-                  <a:cubicBezTo>
-                    <a:pt x="4" y="10"/>
-                    <a:pt x="2" y="5"/>
-                    <a:pt x="0" y="0"/>
-                  </a:cubicBezTo>
-                  <a:cubicBezTo>
-                    <a:pt x="0" y="9"/>
-                    <a:pt x="0" y="19"/>
-                    <a:pt x="1" y="29"/>
-                  </a:cubicBezTo>
-                  <a:cubicBezTo>
-                    <a:pt x="14" y="62"/>
-                    <a:pt x="27" y="95"/>
-                    <a:pt x="42" y="127"/>
-                  </a:cubicBezTo>
-                  <a:cubicBezTo>
-                    <a:pt x="54" y="154"/>
-                    <a:pt x="67" y="181"/>
-                    <a:pt x="80" y="207"/>
-                  </a:cubicBezTo>
-                  <a:cubicBezTo>
-                    <a:pt x="90" y="207"/>
-                    <a:pt x="90" y="207"/>
-                    <a:pt x="90" y="207"/>
-                  </a:cubicBezTo>
-                  <a:cubicBezTo>
-                    <a:pt x="76" y="180"/>
-                    <a:pt x="63" y="152"/>
-                    <a:pt x="50" y="123"/>
-                  </a:cubicBezTo>
-                  <a:cubicBezTo>
-                    <a:pt x="34" y="88"/>
-                    <a:pt x="20" y="51"/>
-                    <a:pt x="6" y="15"/>
-                  </a:cubicBezTo>
-                  <a:close/>
-                </a:path>
-              </a:pathLst>
-            </a:custGeom>
-            <a:solidFill>
-              <a:schemeClr val="tx2"/>
-            </a:solidFill>
-            <a:ln>
-              <a:noFill/>
-            </a:ln>
-          </p:spPr>
-        </p:sp>
-        <p:sp>
-          <p:nvSpPr>
-            <p:cNvPr id="14" name="Freeform 30"/>
-            <p:cNvSpPr/>
-            <p:nvPr/>
-          </p:nvSpPr>
-          <p:spPr bwMode="auto">
-            <a:xfrm>
-              <a:off x="7037388" y="3811588"/>
-              <a:ext cx="457200" cy="1852613"/>
-            </a:xfrm>
-            <a:custGeom>
-              <a:avLst/>
-              <a:gdLst/>
-              <a:ahLst/>
-              <a:cxnLst/>
-              <a:rect l="0" t="0" r="r" b="b"/>
-              <a:pathLst>
-                <a:path w="115" h="467">
-                  <a:moveTo>
-                    <a:pt x="101" y="409"/>
-                  </a:moveTo>
-                  <a:cubicBezTo>
-                    <a:pt x="93" y="388"/>
-                    <a:pt x="85" y="366"/>
-                    <a:pt x="78" y="344"/>
-                  </a:cubicBezTo>
-                  <a:cubicBezTo>
-                    <a:pt x="57" y="281"/>
-                    <a:pt x="41" y="216"/>
-                    <a:pt x="29" y="151"/>
-                  </a:cubicBezTo>
-                  <a:cubicBezTo>
-                    <a:pt x="22" y="119"/>
-                    <a:pt x="17" y="86"/>
-                    <a:pt x="13" y="53"/>
-                  </a:cubicBezTo>
-                  <a:cubicBezTo>
-                    <a:pt x="9" y="35"/>
-                    <a:pt x="4" y="18"/>
-                    <a:pt x="0" y="0"/>
-                  </a:cubicBezTo>
-                  <a:cubicBezTo>
-                    <a:pt x="5" y="51"/>
-                    <a:pt x="12" y="102"/>
-                    <a:pt x="21" y="152"/>
-                  </a:cubicBezTo>
-                  <a:cubicBezTo>
-                    <a:pt x="33" y="218"/>
-                    <a:pt x="49" y="283"/>
-                    <a:pt x="69" y="347"/>
-                  </a:cubicBezTo>
-                  <a:cubicBezTo>
-                    <a:pt x="79" y="378"/>
-                    <a:pt x="90" y="410"/>
-                    <a:pt x="103" y="441"/>
-                  </a:cubicBezTo>
-                  <a:cubicBezTo>
-                    <a:pt x="107" y="449"/>
-                    <a:pt x="111" y="458"/>
-                    <a:pt x="115" y="467"/>
-                  </a:cubicBezTo>
-                  <a:cubicBezTo>
-                    <a:pt x="114" y="464"/>
-                    <a:pt x="113" y="461"/>
-                    <a:pt x="112" y="458"/>
-                  </a:cubicBezTo>
-                  <a:cubicBezTo>
-                    <a:pt x="108" y="442"/>
-                    <a:pt x="104" y="425"/>
-                    <a:pt x="101" y="409"/>
-                  </a:cubicBezTo>
-                  <a:close/>
-                </a:path>
-              </a:pathLst>
-            </a:custGeom>
-            <a:solidFill>
-              <a:schemeClr val="tx2"/>
-            </a:solidFill>
-            <a:ln>
-              <a:noFill/>
-            </a:ln>
-          </p:spPr>
-        </p:sp>
-        <p:sp>
-          <p:nvSpPr>
-            <p:cNvPr id="15" name="Freeform 31"/>
-            <p:cNvSpPr/>
-            <p:nvPr/>
-          </p:nvSpPr>
-          <p:spPr bwMode="auto">
-            <a:xfrm>
-              <a:off x="6992938" y="1263650"/>
-              <a:ext cx="144463" cy="2508250"/>
-            </a:xfrm>
-            <a:custGeom>
-              <a:avLst/>
-              <a:gdLst/>
-              <a:ahLst/>
-              <a:cxnLst/>
-              <a:rect l="0" t="0" r="r" b="b"/>
-              <a:pathLst>
-                <a:path w="36" h="633">
-                  <a:moveTo>
-                    <a:pt x="17" y="633"/>
-                  </a:moveTo>
-                  <a:cubicBezTo>
-                    <a:pt x="15" y="621"/>
-                    <a:pt x="14" y="609"/>
-                    <a:pt x="13" y="597"/>
-                  </a:cubicBezTo>
-                  <a:cubicBezTo>
-                    <a:pt x="8" y="530"/>
-                    <a:pt x="5" y="464"/>
-                    <a:pt x="5" y="398"/>
-                  </a:cubicBezTo>
-                  <a:cubicBezTo>
-                    <a:pt x="5" y="331"/>
-                    <a:pt x="8" y="265"/>
-                    <a:pt x="13" y="198"/>
-                  </a:cubicBezTo>
-                  <a:cubicBezTo>
-                    <a:pt x="15" y="165"/>
-                    <a:pt x="18" y="132"/>
-                    <a:pt x="22" y="99"/>
-                  </a:cubicBezTo>
-                  <a:cubicBezTo>
-                    <a:pt x="26" y="66"/>
-                    <a:pt x="30" y="33"/>
-                    <a:pt x="36" y="0"/>
-                  </a:cubicBezTo>
-                  <a:cubicBezTo>
-                    <a:pt x="35" y="0"/>
-                    <a:pt x="35" y="0"/>
-                    <a:pt x="35" y="0"/>
-                  </a:cubicBezTo>
-                  <a:cubicBezTo>
-                    <a:pt x="29" y="33"/>
-                    <a:pt x="24" y="66"/>
-                    <a:pt x="20" y="99"/>
-                  </a:cubicBezTo>
-                  <a:cubicBezTo>
-                    <a:pt x="16" y="132"/>
-                    <a:pt x="13" y="165"/>
-                    <a:pt x="10" y="198"/>
-                  </a:cubicBezTo>
-                  <a:cubicBezTo>
-                    <a:pt x="4" y="264"/>
-                    <a:pt x="1" y="331"/>
-                    <a:pt x="1" y="398"/>
-                  </a:cubicBezTo>
-                  <a:cubicBezTo>
-                    <a:pt x="0" y="461"/>
-                    <a:pt x="2" y="525"/>
-                    <a:pt x="7" y="589"/>
-                  </a:cubicBezTo>
-                  <a:cubicBezTo>
-                    <a:pt x="10" y="603"/>
-                    <a:pt x="13" y="618"/>
-                    <a:pt x="16" y="632"/>
-                  </a:cubicBezTo>
-                  <a:cubicBezTo>
-                    <a:pt x="16" y="632"/>
-                    <a:pt x="17" y="633"/>
-                    <a:pt x="17" y="633"/>
-                  </a:cubicBezTo>
-                  <a:close/>
-                </a:path>
-              </a:pathLst>
-            </a:custGeom>
-            <a:solidFill>
-              <a:schemeClr val="tx2"/>
-            </a:solidFill>
-            <a:ln>
-              <a:noFill/>
-            </a:ln>
-          </p:spPr>
-        </p:sp>
-        <p:sp>
-          <p:nvSpPr>
-            <p:cNvPr id="16" name="Freeform 32"/>
-            <p:cNvSpPr/>
-            <p:nvPr/>
-          </p:nvSpPr>
-          <p:spPr bwMode="auto">
-            <a:xfrm>
-              <a:off x="7526338" y="5640388"/>
-              <a:ext cx="111125" cy="233363"/>
-            </a:xfrm>
-            <a:custGeom>
-              <a:avLst/>
-              <a:gdLst/>
-              <a:ahLst/>
-              <a:cxnLst/>
-              <a:rect l="0" t="0" r="r" b="b"/>
-              <a:pathLst>
-                <a:path w="28" h="59">
-                  <a:moveTo>
-                    <a:pt x="22" y="59"/>
-                  </a:moveTo>
-                  <a:cubicBezTo>
-                    <a:pt x="28" y="59"/>
-                    <a:pt x="28" y="59"/>
-                    <a:pt x="28" y="59"/>
-                  </a:cubicBezTo>
-                  <a:cubicBezTo>
-                    <a:pt x="18" y="40"/>
-                    <a:pt x="9" y="20"/>
-                    <a:pt x="0" y="0"/>
-                  </a:cubicBezTo>
-                  <a:cubicBezTo>
-                    <a:pt x="6" y="20"/>
-                    <a:pt x="13" y="40"/>
-                    <a:pt x="22" y="59"/>
-                  </a:cubicBezTo>
-                  <a:close/>
-                </a:path>
-              </a:pathLst>
-            </a:custGeom>
-            <a:solidFill>
-              <a:schemeClr val="tx2"/>
-            </a:solidFill>
-            <a:ln>
-              <a:noFill/>
-            </a:ln>
-          </p:spPr>
-        </p:sp>
-        <p:sp>
-          <p:nvSpPr>
-            <p:cNvPr id="17" name="Freeform 33"/>
-            <p:cNvSpPr/>
-            <p:nvPr/>
-          </p:nvSpPr>
-          <p:spPr bwMode="auto">
-            <a:xfrm>
-              <a:off x="7021513" y="3598863"/>
-              <a:ext cx="68263" cy="423863"/>
-            </a:xfrm>
-            <a:custGeom>
-              <a:avLst/>
-              <a:gdLst/>
-              <a:ahLst/>
-              <a:cxnLst/>
-              <a:rect l="0" t="0" r="r" b="b"/>
-              <a:pathLst>
-                <a:path w="17" h="107">
-                  <a:moveTo>
-                    <a:pt x="4" y="54"/>
-                  </a:moveTo>
-                  <a:cubicBezTo>
-                    <a:pt x="8" y="72"/>
-                    <a:pt x="13" y="89"/>
-                    <a:pt x="17" y="107"/>
-                  </a:cubicBezTo>
-                  <a:cubicBezTo>
-                    <a:pt x="14" y="86"/>
-                    <a:pt x="12" y="65"/>
-                    <a:pt x="10" y="44"/>
-                  </a:cubicBezTo>
-                  <a:cubicBezTo>
-                    <a:pt x="10" y="44"/>
-                    <a:pt x="9" y="43"/>
-                    <a:pt x="9" y="43"/>
-                  </a:cubicBezTo>
-                  <a:cubicBezTo>
-                    <a:pt x="6" y="29"/>
-                    <a:pt x="3" y="14"/>
-                    <a:pt x="0" y="0"/>
-                  </a:cubicBezTo>
-                  <a:cubicBezTo>
-                    <a:pt x="0" y="2"/>
-                    <a:pt x="0" y="5"/>
-                    <a:pt x="0" y="8"/>
-                  </a:cubicBezTo>
-                  <a:cubicBezTo>
-                    <a:pt x="1" y="23"/>
-                    <a:pt x="3" y="39"/>
-                    <a:pt x="4" y="54"/>
-                  </a:cubicBezTo>
-                  <a:close/>
-                </a:path>
-              </a:pathLst>
-            </a:custGeom>
-            <a:solidFill>
-              <a:schemeClr val="tx2"/>
-            </a:solidFill>
-            <a:ln>
-              <a:noFill/>
-            </a:ln>
-          </p:spPr>
-        </p:sp>
-        <p:sp>
-          <p:nvSpPr>
-            <p:cNvPr id="18" name="Freeform 34"/>
-            <p:cNvSpPr/>
-            <p:nvPr/>
-          </p:nvSpPr>
-          <p:spPr bwMode="auto">
-            <a:xfrm>
-              <a:off x="7412038" y="2801938"/>
-              <a:ext cx="1168400" cy="2251075"/>
-            </a:xfrm>
-            <a:custGeom>
-              <a:avLst/>
-              <a:gdLst/>
-              <a:ahLst/>
-              <a:cxnLst/>
-              <a:rect l="0" t="0" r="r" b="b"/>
-              <a:pathLst>
-                <a:path w="294" h="568">
-                  <a:moveTo>
-                    <a:pt x="8" y="553"/>
-                  </a:moveTo>
-                  <a:cubicBezTo>
-                    <a:pt x="9" y="501"/>
-                    <a:pt x="19" y="448"/>
-                    <a:pt x="35" y="397"/>
-                  </a:cubicBezTo>
-                  <a:cubicBezTo>
-                    <a:pt x="51" y="347"/>
-                    <a:pt x="73" y="298"/>
-                    <a:pt x="99" y="252"/>
-                  </a:cubicBezTo>
-                  <a:cubicBezTo>
-                    <a:pt x="124" y="205"/>
-                    <a:pt x="154" y="161"/>
-                    <a:pt x="187" y="119"/>
-                  </a:cubicBezTo>
-                  <a:cubicBezTo>
-                    <a:pt x="203" y="98"/>
-                    <a:pt x="220" y="77"/>
-                    <a:pt x="238" y="58"/>
-                  </a:cubicBezTo>
-                  <a:cubicBezTo>
-                    <a:pt x="247" y="48"/>
-                    <a:pt x="256" y="38"/>
-                    <a:pt x="265" y="28"/>
-                  </a:cubicBezTo>
-                  <a:cubicBezTo>
-                    <a:pt x="274" y="19"/>
-                    <a:pt x="284" y="9"/>
-                    <a:pt x="294" y="0"/>
-                  </a:cubicBezTo>
-                  <a:cubicBezTo>
-                    <a:pt x="293" y="0"/>
-                    <a:pt x="293" y="0"/>
-                    <a:pt x="293" y="0"/>
-                  </a:cubicBezTo>
-                  <a:cubicBezTo>
-                    <a:pt x="283" y="9"/>
-                    <a:pt x="273" y="18"/>
-                    <a:pt x="264" y="27"/>
-                  </a:cubicBezTo>
-                  <a:cubicBezTo>
-                    <a:pt x="255" y="37"/>
-                    <a:pt x="246" y="47"/>
-                    <a:pt x="237" y="56"/>
-                  </a:cubicBezTo>
-                  <a:cubicBezTo>
-                    <a:pt x="218" y="76"/>
-                    <a:pt x="201" y="96"/>
-                    <a:pt x="185" y="117"/>
-                  </a:cubicBezTo>
-                  <a:cubicBezTo>
-                    <a:pt x="151" y="159"/>
-                    <a:pt x="121" y="203"/>
-                    <a:pt x="95" y="249"/>
-                  </a:cubicBezTo>
-                  <a:cubicBezTo>
-                    <a:pt x="68" y="296"/>
-                    <a:pt x="46" y="345"/>
-                    <a:pt x="30" y="396"/>
-                  </a:cubicBezTo>
-                  <a:cubicBezTo>
-                    <a:pt x="13" y="445"/>
-                    <a:pt x="3" y="497"/>
-                    <a:pt x="0" y="549"/>
-                  </a:cubicBezTo>
-                  <a:cubicBezTo>
-                    <a:pt x="3" y="555"/>
-                    <a:pt x="5" y="561"/>
-                    <a:pt x="7" y="568"/>
-                  </a:cubicBezTo>
-                  <a:cubicBezTo>
-                    <a:pt x="7" y="563"/>
-                    <a:pt x="7" y="558"/>
-                    <a:pt x="8" y="553"/>
-                  </a:cubicBezTo>
-                  <a:close/>
-                </a:path>
-              </a:pathLst>
-            </a:custGeom>
-            <a:solidFill>
-              <a:schemeClr val="tx2"/>
-            </a:solidFill>
-            <a:ln>
-              <a:noFill/>
-            </a:ln>
-          </p:spPr>
-        </p:sp>
-        <p:sp>
-          <p:nvSpPr>
-            <p:cNvPr id="19" name="Freeform 35"/>
-            <p:cNvSpPr/>
-            <p:nvPr/>
-          </p:nvSpPr>
-          <p:spPr bwMode="auto">
-            <a:xfrm>
-              <a:off x="7494588" y="5664200"/>
-              <a:ext cx="100013" cy="209550"/>
-            </a:xfrm>
-            <a:custGeom>
-              <a:avLst/>
-              <a:gdLst/>
-              <a:ahLst/>
-              <a:cxnLst/>
-              <a:rect l="0" t="0" r="r" b="b"/>
-              <a:pathLst>
-                <a:path w="25" h="53">
-                  <a:moveTo>
-                    <a:pt x="0" y="0"/>
-                  </a:moveTo>
-                  <a:cubicBezTo>
-                    <a:pt x="5" y="18"/>
-                    <a:pt x="12" y="36"/>
-                    <a:pt x="19" y="53"/>
-                  </a:cubicBezTo>
-                  <a:cubicBezTo>
-                    <a:pt x="25" y="53"/>
-                    <a:pt x="25" y="53"/>
-                    <a:pt x="25" y="53"/>
-                  </a:cubicBezTo>
-                  <a:cubicBezTo>
-                    <a:pt x="16" y="36"/>
-                    <a:pt x="8" y="18"/>
-                    <a:pt x="0" y="0"/>
-                  </a:cubicBezTo>
-                  <a:close/>
-                </a:path>
-              </a:pathLst>
-            </a:custGeom>
-            <a:solidFill>
-              <a:schemeClr val="tx2"/>
-            </a:solidFill>
-            <a:ln>
-              <a:noFill/>
-            </a:ln>
-          </p:spPr>
-        </p:sp>
-        <p:sp>
-          <p:nvSpPr>
-            <p:cNvPr id="20" name="Freeform 36"/>
-            <p:cNvSpPr/>
-            <p:nvPr/>
-          </p:nvSpPr>
-          <p:spPr bwMode="auto">
-            <a:xfrm>
-              <a:off x="7412038" y="5081588"/>
-              <a:ext cx="114300" cy="558800"/>
-            </a:xfrm>
-            <a:custGeom>
-              <a:avLst/>
-              <a:gdLst/>
-              <a:ahLst/>
-              <a:cxnLst/>
-              <a:rect l="0" t="0" r="r" b="b"/>
-              <a:pathLst>
-                <a:path w="29" h="141">
-                  <a:moveTo>
-                    <a:pt x="0" y="0"/>
-                  </a:moveTo>
-                  <a:cubicBezTo>
-                    <a:pt x="0" y="30"/>
-                    <a:pt x="2" y="60"/>
-                    <a:pt x="7" y="89"/>
-                  </a:cubicBezTo>
-                  <a:cubicBezTo>
-                    <a:pt x="11" y="98"/>
-                    <a:pt x="14" y="108"/>
-                    <a:pt x="18" y="117"/>
-                  </a:cubicBezTo>
-                  <a:cubicBezTo>
-                    <a:pt x="22" y="125"/>
-                    <a:pt x="25" y="133"/>
-                    <a:pt x="29" y="141"/>
-                  </a:cubicBezTo>
-                  <a:cubicBezTo>
-                    <a:pt x="28" y="139"/>
-                    <a:pt x="28" y="137"/>
-                    <a:pt x="27" y="135"/>
-                  </a:cubicBezTo>
-                  <a:cubicBezTo>
-                    <a:pt x="16" y="98"/>
-                    <a:pt x="10" y="60"/>
-                    <a:pt x="8" y="22"/>
-                  </a:cubicBezTo>
-                  <a:cubicBezTo>
-                    <a:pt x="7" y="18"/>
-                    <a:pt x="5" y="15"/>
-                    <a:pt x="4" y="11"/>
-                  </a:cubicBezTo>
-                  <a:cubicBezTo>
-                    <a:pt x="2" y="7"/>
-                    <a:pt x="1" y="3"/>
-                    <a:pt x="0" y="0"/>
-                  </a:cubicBezTo>
-                  <a:close/>
-                </a:path>
-              </a:pathLst>
-            </a:custGeom>
-            <a:solidFill>
-              <a:schemeClr val="tx2"/>
-            </a:solidFill>
-            <a:ln>
-              <a:noFill/>
-            </a:ln>
-          </p:spPr>
-        </p:sp>
-        <p:sp>
-          <p:nvSpPr>
-            <p:cNvPr id="21" name="Freeform 37"/>
-            <p:cNvSpPr/>
-            <p:nvPr/>
-          </p:nvSpPr>
-          <p:spPr bwMode="auto">
-            <a:xfrm>
-              <a:off x="7412038" y="4978400"/>
-              <a:ext cx="31750" cy="188913"/>
-            </a:xfrm>
-            <a:custGeom>
-              <a:avLst/>
-              <a:gdLst/>
-              <a:ahLst/>
-              <a:cxnLst/>
-              <a:rect l="0" t="0" r="r" b="b"/>
-              <a:pathLst>
-                <a:path w="8" h="48">
-                  <a:moveTo>
-                    <a:pt x="0" y="26"/>
-                  </a:moveTo>
-                  <a:cubicBezTo>
-                    <a:pt x="1" y="29"/>
-                    <a:pt x="2" y="33"/>
-                    <a:pt x="4" y="37"/>
-                  </a:cubicBezTo>
-                  <a:cubicBezTo>
-                    <a:pt x="5" y="41"/>
-                    <a:pt x="7" y="44"/>
-                    <a:pt x="8" y="48"/>
-                  </a:cubicBezTo>
-                  <a:cubicBezTo>
-                    <a:pt x="7" y="38"/>
-                    <a:pt x="7" y="28"/>
-                    <a:pt x="7" y="19"/>
-                  </a:cubicBezTo>
-                  <a:cubicBezTo>
-                    <a:pt x="5" y="12"/>
-                    <a:pt x="3" y="6"/>
-                    <a:pt x="0" y="0"/>
-                  </a:cubicBezTo>
-                  <a:cubicBezTo>
-                    <a:pt x="0" y="1"/>
-                    <a:pt x="0" y="3"/>
-                    <a:pt x="0" y="4"/>
-                  </a:cubicBezTo>
-                  <a:cubicBezTo>
-                    <a:pt x="0" y="11"/>
-                    <a:pt x="0" y="19"/>
-                    <a:pt x="0" y="26"/>
-                  </a:cubicBezTo>
-                  <a:close/>
-                </a:path>
-              </a:pathLst>
-            </a:custGeom>
-            <a:solidFill>
-              <a:schemeClr val="tx2"/>
-            </a:solidFill>
-            <a:ln>
-              <a:noFill/>
-            </a:ln>
-          </p:spPr>
-        </p:sp>
-        <p:sp>
-          <p:nvSpPr>
-            <p:cNvPr id="22" name="Freeform 38"/>
-            <p:cNvSpPr/>
-            <p:nvPr/>
-          </p:nvSpPr>
-          <p:spPr bwMode="auto">
-            <a:xfrm>
-              <a:off x="7439026" y="5434013"/>
-              <a:ext cx="174625" cy="439738"/>
-            </a:xfrm>
-            <a:custGeom>
-              <a:avLst/>
-              <a:gdLst/>
-              <a:ahLst/>
-              <a:cxnLst/>
-              <a:rect l="0" t="0" r="r" b="b"/>
-              <a:pathLst>
-                <a:path w="44" h="111">
-                  <a:moveTo>
-                    <a:pt x="11" y="28"/>
-                  </a:moveTo>
-                  <a:cubicBezTo>
-                    <a:pt x="7" y="19"/>
-                    <a:pt x="4" y="9"/>
-                    <a:pt x="0" y="0"/>
-                  </a:cubicBezTo>
-                  <a:cubicBezTo>
-                    <a:pt x="3" y="16"/>
-                    <a:pt x="7" y="33"/>
-                    <a:pt x="11" y="49"/>
-                  </a:cubicBezTo>
-                  <a:cubicBezTo>
-                    <a:pt x="12" y="52"/>
-                    <a:pt x="13" y="55"/>
-                    <a:pt x="14" y="58"/>
-                  </a:cubicBezTo>
-                  <a:cubicBezTo>
-                    <a:pt x="22" y="76"/>
-                    <a:pt x="30" y="94"/>
-                    <a:pt x="39" y="111"/>
-                  </a:cubicBezTo>
-                  <a:cubicBezTo>
-                    <a:pt x="44" y="111"/>
-                    <a:pt x="44" y="111"/>
-                    <a:pt x="44" y="111"/>
-                  </a:cubicBezTo>
-                  <a:cubicBezTo>
-                    <a:pt x="35" y="92"/>
-                    <a:pt x="28" y="72"/>
-                    <a:pt x="22" y="52"/>
-                  </a:cubicBezTo>
-                  <a:cubicBezTo>
-                    <a:pt x="18" y="44"/>
-                    <a:pt x="15" y="36"/>
-                    <a:pt x="11" y="28"/>
-                  </a:cubicBezTo>
-                  <a:close/>
-                </a:path>
-              </a:pathLst>
-            </a:custGeom>
-            <a:solidFill>
-              <a:schemeClr val="tx2"/>
-            </a:solidFill>
-            <a:ln>
-              <a:noFill/>
-            </a:ln>
-          </p:spPr>
-        </p:sp>
-      </p:grpSp>
-      <p:sp>
-        <p:nvSpPr>
-          <p:cNvPr id="7" name="Rectangle 6"/>
-          <p:cNvSpPr/>
-          <p:nvPr/>
-        </p:nvSpPr>
-        <p:spPr>
-          <a:xfrm>
-            <a:off x="0" y="0"/>
-            <a:ext cx="182880" cy="6858000"/>
+      <p:sp>
+        <p:nvSpPr>
+          <p:cNvPr id="2" name="Title Placeholder 1"/>
+          <p:cNvSpPr>
+            <a:spLocks noGrp="1"/>
+          </p:cNvSpPr>
+          <p:nvPr>
+            <p:ph type="title"/>
+          </p:nvPr>
+        </p:nvSpPr>
+        <p:spPr>
+          <a:xfrm>
+            <a:off x="1295402" y="982132"/>
+            <a:ext cx="9601196" cy="1303867"/>
           </a:xfrm>
           <a:prstGeom prst="rect">
             <a:avLst/>
           </a:prstGeom>
-          <a:solidFill>
-            <a:schemeClr val="tx2"/>
-          </a:solidFill>
-          <a:ln>
-            <a:noFill/>
-          </a:ln>
           <a:effectLst/>
         </p:spPr>
-        <p:style>
-          <a:lnRef idx="1">
-            <a:schemeClr val="accent1"/>
-          </a:lnRef>
-          <a:fillRef idx="3">
-            <a:schemeClr val="accent1"/>
-          </a:fillRef>
-          <a:effectRef idx="2">
-            <a:schemeClr val="accent1"/>
-          </a:effectRef>
-          <a:fontRef idx="minor">
-            <a:schemeClr val="lt1"/>
-          </a:fontRef>
-        </p:style>
-      </p:sp>
-      <p:sp>
-        <p:nvSpPr>
-          <p:cNvPr id="2" name="Title Placeholder 1"/>
-          <p:cNvSpPr>
-            <a:spLocks noGrp="1"/>
-          </p:cNvSpPr>
-          <p:nvPr>
-            <p:ph type="title"/>
-          </p:nvPr>
-        </p:nvSpPr>
-        <p:spPr>
-          <a:xfrm>
-            <a:off x="2592924" y="624110"/>
-            <a:ext cx="8911687" cy="1280890"/>
+        <p:txBody>
+          <a:bodyPr vert="horz" lIns="91440" tIns="45720" rIns="91440" bIns="45720" rtlCol="0" anchor="ctr">
+            <a:normAutofit/>
+          </a:bodyPr>
+          <a:lstStyle/>
+          <a:p>
+            <a:r>
+              <a:rPr lang="en-US"/>
+              <a:t>Click to edit Master title style</a:t>
+            </a:r>
+            <a:endParaRPr lang="en-US" dirty="0"/>
+          </a:p>
+        </p:txBody>
+      </p:sp>
+      <p:sp>
+        <p:nvSpPr>
+          <p:cNvPr id="3" name="Text Placeholder 2"/>
+          <p:cNvSpPr>
+            <a:spLocks noGrp="1"/>
+          </p:cNvSpPr>
+          <p:nvPr>
+            <p:ph type="body" idx="1"/>
+          </p:nvPr>
+        </p:nvSpPr>
+        <p:spPr>
+          <a:xfrm>
+            <a:off x="1295401" y="2556932"/>
+            <a:ext cx="9601196" cy="3318936"/>
           </a:xfrm>
           <a:prstGeom prst="rect">
             <a:avLst/>
@@ -7062,9 +5266,38 @@
           </a:bodyPr>
           <a:lstStyle/>
           <a:p>
+            <a:pPr lvl="0"/>
             <a:r>
               <a:rPr lang="en-US"/>
-              <a:t>Click to edit Master title style</a:t>
+              <a:t>Click to edit Master text styles</a:t>
+            </a:r>
+          </a:p>
+          <a:p>
+            <a:pPr lvl="1"/>
+            <a:r>
+              <a:rPr lang="en-US"/>
+              <a:t>Second level</a:t>
+            </a:r>
+          </a:p>
+          <a:p>
+            <a:pPr lvl="2"/>
+            <a:r>
+              <a:rPr lang="en-US"/>
+              <a:t>Third level</a:t>
+            </a:r>
+          </a:p>
+          <a:p>
+            <a:pPr lvl="3"/>
+            <a:r>
+              <a:rPr lang="en-US"/>
+              <a:t>Fourth level</a:t>
+            </a:r>
+          </a:p>
+          <a:p>
+            <a:pPr lvl="4"/>
+            <a:r>
+              <a:rPr lang="en-US"/>
+              <a:t>Fifth level</a:t>
             </a:r>
             <a:endParaRPr lang="en-US" dirty="0"/>
           </a:p>
@@ -7072,80 +5305,59 @@
       </p:sp>
       <p:sp>
         <p:nvSpPr>
-          <p:cNvPr id="3" name="Text Placeholder 2"/>
-          <p:cNvSpPr>
-            <a:spLocks noGrp="1"/>
-          </p:cNvSpPr>
-          <p:nvPr>
-            <p:ph type="body" idx="1"/>
-          </p:nvPr>
-        </p:nvSpPr>
-        <p:spPr>
-          <a:xfrm>
-            <a:off x="2589212" y="2133600"/>
-            <a:ext cx="8915400" cy="3886200"/>
+          <p:cNvPr id="4" name="Date Placeholder 3"/>
+          <p:cNvSpPr>
+            <a:spLocks noGrp="1"/>
+          </p:cNvSpPr>
+          <p:nvPr>
+            <p:ph type="dt" sz="half" idx="2"/>
+          </p:nvPr>
+        </p:nvSpPr>
+        <p:spPr>
+          <a:xfrm>
+            <a:off x="8677501" y="5969000"/>
+            <a:ext cx="1600200" cy="279400"/>
           </a:xfrm>
           <a:prstGeom prst="rect">
             <a:avLst/>
           </a:prstGeom>
         </p:spPr>
         <p:txBody>
-          <a:bodyPr vert="horz" lIns="91440" tIns="45720" rIns="91440" bIns="45720" rtlCol="0">
-            <a:normAutofit/>
-          </a:bodyPr>
-          <a:lstStyle/>
-          <a:p>
-            <a:pPr lvl="0"/>
-            <a:r>
-              <a:rPr lang="en-US"/>
-              <a:t>Click to edit Master text styles</a:t>
-            </a:r>
-          </a:p>
-          <a:p>
-            <a:pPr lvl="1"/>
-            <a:r>
-              <a:rPr lang="en-US"/>
-              <a:t>Second level</a:t>
-            </a:r>
-          </a:p>
-          <a:p>
-            <a:pPr lvl="2"/>
-            <a:r>
-              <a:rPr lang="en-US"/>
-              <a:t>Third level</a:t>
-            </a:r>
-          </a:p>
-          <a:p>
-            <a:pPr lvl="3"/>
-            <a:r>
-              <a:rPr lang="en-US"/>
-              <a:t>Fourth level</a:t>
-            </a:r>
-          </a:p>
-          <a:p>
-            <a:pPr lvl="4"/>
-            <a:r>
-              <a:rPr lang="en-US"/>
-              <a:t>Fifth level</a:t>
-            </a:r>
-            <a:endParaRPr lang="en-US" dirty="0"/>
-          </a:p>
-        </p:txBody>
-      </p:sp>
-      <p:sp>
-        <p:nvSpPr>
-          <p:cNvPr id="4" name="Date Placeholder 3"/>
-          <p:cNvSpPr>
-            <a:spLocks noGrp="1"/>
-          </p:cNvSpPr>
-          <p:nvPr>
-            <p:ph type="dt" sz="half" idx="2"/>
-          </p:nvPr>
-        </p:nvSpPr>
-        <p:spPr>
-          <a:xfrm>
-            <a:off x="10361612" y="6130437"/>
-            <a:ext cx="1146283" cy="370396"/>
+          <a:bodyPr vert="horz" lIns="91440" tIns="45720" rIns="91440" bIns="45720" rtlCol="0" anchor="ctr"/>
+          <a:lstStyle>
+            <a:lvl1pPr algn="r">
+              <a:defRPr sz="1000" b="0" i="0">
+                <a:solidFill>
+                  <a:schemeClr val="tx1"/>
+                </a:solidFill>
+                <a:effectLst/>
+                <a:latin typeface="+mn-lt"/>
+              </a:defRPr>
+            </a:lvl1pPr>
+          </a:lstStyle>
+          <a:p>
+            <a:fld id="{9E5637FB-0DD5-4D5D-801C-E86BE6288A76}" type="datetimeFigureOut">
+              <a:rPr lang="en-US" smtClean="0"/>
+              <a:t>9/30/2024</a:t>
+            </a:fld>
+            <a:endParaRPr lang="en-US"/>
+          </a:p>
+        </p:txBody>
+      </p:sp>
+      <p:sp>
+        <p:nvSpPr>
+          <p:cNvPr id="5" name="Footer Placeholder 4"/>
+          <p:cNvSpPr>
+            <a:spLocks noGrp="1"/>
+          </p:cNvSpPr>
+          <p:nvPr>
+            <p:ph type="ftr" sz="quarter" idx="3"/>
+          </p:nvPr>
+        </p:nvSpPr>
+        <p:spPr>
+          <a:xfrm>
+            <a:off x="1295401" y="5969000"/>
+            <a:ext cx="7305900" cy="279400"/>
           </a:xfrm>
           <a:prstGeom prst="rect">
             <a:avLst/>
@@ -7154,39 +5366,35 @@
         <p:txBody>
           <a:bodyPr vert="horz" lIns="91440" tIns="45720" rIns="91440" bIns="45720" rtlCol="0" anchor="ctr"/>
           <a:lstStyle>
-            <a:lvl1pPr algn="r">
-              <a:defRPr sz="900">
-                <a:solidFill>
-                  <a:schemeClr val="tx1">
-                    <a:tint val="75000"/>
-                  </a:schemeClr>
-                </a:solidFill>
+            <a:lvl1pPr algn="l">
+              <a:defRPr sz="1000" b="0" i="0">
+                <a:solidFill>
+                  <a:schemeClr val="tx1"/>
+                </a:solidFill>
+                <a:effectLst/>
+                <a:latin typeface="+mn-lt"/>
               </a:defRPr>
             </a:lvl1pPr>
           </a:lstStyle>
           <a:p>
-            <a:fld id="{9E5637FB-0DD5-4D5D-801C-E86BE6288A76}" type="datetimeFigureOut">
-              <a:rPr lang="en-US" smtClean="0"/>
-              <a:t>9/22/2024</a:t>
-            </a:fld>
             <a:endParaRPr lang="en-US"/>
           </a:p>
         </p:txBody>
       </p:sp>
       <p:sp>
         <p:nvSpPr>
-          <p:cNvPr id="5" name="Footer Placeholder 4"/>
-          <p:cNvSpPr>
-            <a:spLocks noGrp="1"/>
-          </p:cNvSpPr>
-          <p:nvPr>
-            <p:ph type="ftr" sz="quarter" idx="3"/>
-          </p:nvPr>
-        </p:nvSpPr>
-        <p:spPr>
-          <a:xfrm>
-            <a:off x="2589212" y="6135808"/>
-            <a:ext cx="7619999" cy="365125"/>
+          <p:cNvPr id="6" name="Slide Number Placeholder 5"/>
+          <p:cNvSpPr>
+            <a:spLocks noGrp="1"/>
+          </p:cNvSpPr>
+          <p:nvPr>
+            <p:ph type="sldNum" sz="quarter" idx="4"/>
+          </p:nvPr>
+        </p:nvSpPr>
+        <p:spPr>
+          <a:xfrm>
+            <a:off x="10353901" y="5969000"/>
+            <a:ext cx="542697" cy="279400"/>
           </a:xfrm>
           <a:prstGeom prst="rect">
             <a:avLst/>
@@ -7195,48 +5403,13 @@
         <p:txBody>
           <a:bodyPr vert="horz" lIns="91440" tIns="45720" rIns="91440" bIns="45720" rtlCol="0" anchor="ctr"/>
           <a:lstStyle>
-            <a:lvl1pPr algn="l">
-              <a:defRPr sz="900">
-                <a:solidFill>
-                  <a:schemeClr val="tx1">
-                    <a:tint val="75000"/>
-                  </a:schemeClr>
-                </a:solidFill>
-              </a:defRPr>
-            </a:lvl1pPr>
-          </a:lstStyle>
-          <a:p>
-            <a:endParaRPr lang="en-US"/>
-          </a:p>
-        </p:txBody>
-      </p:sp>
-      <p:sp>
-        <p:nvSpPr>
-          <p:cNvPr id="6" name="Slide Number Placeholder 5"/>
-          <p:cNvSpPr>
-            <a:spLocks noGrp="1"/>
-          </p:cNvSpPr>
-          <p:nvPr>
-            <p:ph type="sldNum" sz="quarter" idx="4"/>
-          </p:nvPr>
-        </p:nvSpPr>
-        <p:spPr bwMode="gray">
-          <a:xfrm>
-            <a:off x="531812" y="787782"/>
-            <a:ext cx="779767" cy="365125"/>
-          </a:xfrm>
-          <a:prstGeom prst="rect">
-            <a:avLst/>
-          </a:prstGeom>
-        </p:spPr>
-        <p:txBody>
-          <a:bodyPr vert="horz" lIns="91440" tIns="45720" rIns="91440" bIns="45720" rtlCol="0" anchor="ctr"/>
-          <a:lstStyle>
             <a:lvl1pPr algn="r">
-              <a:defRPr sz="2000">
-                <a:solidFill>
-                  <a:srgbClr val="FEFFFF"/>
-                </a:solidFill>
+              <a:defRPr sz="1000" b="0" i="0">
+                <a:solidFill>
+                  <a:schemeClr val="tx1"/>
+                </a:solidFill>
+                <a:effectLst/>
+                <a:latin typeface="+mn-lt"/>
               </a:defRPr>
             </a:lvl1pPr>
           </a:lstStyle>
@@ -7252,43 +5425,48 @@
     </p:spTree>
     <p:extLst>
       <p:ext uri="{BB962C8B-B14F-4D97-AF65-F5344CB8AC3E}">
-        <p14:creationId xmlns:p14="http://schemas.microsoft.com/office/powerpoint/2010/main" val="3040592369"/>
+        <p14:creationId xmlns:p14="http://schemas.microsoft.com/office/powerpoint/2010/main" val="3613144724"/>
       </p:ext>
     </p:extLst>
   </p:cSld>
   <p:clrMap bg1="lt1" tx1="dk1" bg2="lt2" tx2="dk2" accent1="accent1" accent2="accent2" accent3="accent3" accent4="accent4" accent5="accent5" accent6="accent6" hlink="hlink" folHlink="folHlink"/>
   <p:sldLayoutIdLst>
-    <p:sldLayoutId id="2147483769" r:id="rId1"/>
-    <p:sldLayoutId id="2147483770" r:id="rId2"/>
-    <p:sldLayoutId id="2147483771" r:id="rId3"/>
-    <p:sldLayoutId id="2147483772" r:id="rId4"/>
-    <p:sldLayoutId id="2147483773" r:id="rId5"/>
-    <p:sldLayoutId id="2147483774" r:id="rId6"/>
-    <p:sldLayoutId id="2147483775" r:id="rId7"/>
-    <p:sldLayoutId id="2147483776" r:id="rId8"/>
-    <p:sldLayoutId id="2147483777" r:id="rId9"/>
-    <p:sldLayoutId id="2147483778" r:id="rId10"/>
-    <p:sldLayoutId id="2147483779" r:id="rId11"/>
-    <p:sldLayoutId id="2147483780" r:id="rId12"/>
-    <p:sldLayoutId id="2147483781" r:id="rId13"/>
-    <p:sldLayoutId id="2147483782" r:id="rId14"/>
-    <p:sldLayoutId id="2147483783" r:id="rId15"/>
-    <p:sldLayoutId id="2147483784" r:id="rId16"/>
+    <p:sldLayoutId id="2147483894" r:id="rId1"/>
+    <p:sldLayoutId id="2147483895" r:id="rId2"/>
+    <p:sldLayoutId id="2147483896" r:id="rId3"/>
+    <p:sldLayoutId id="2147483897" r:id="rId4"/>
+    <p:sldLayoutId id="2147483898" r:id="rId5"/>
+    <p:sldLayoutId id="2147483899" r:id="rId6"/>
+    <p:sldLayoutId id="2147483900" r:id="rId7"/>
+    <p:sldLayoutId id="2147483901" r:id="rId8"/>
+    <p:sldLayoutId id="2147483902" r:id="rId9"/>
+    <p:sldLayoutId id="2147483903" r:id="rId10"/>
+    <p:sldLayoutId id="2147483904" r:id="rId11"/>
+    <p:sldLayoutId id="2147483905" r:id="rId12"/>
+    <p:sldLayoutId id="2147483906" r:id="rId13"/>
+    <p:sldLayoutId id="2147483907" r:id="rId14"/>
+    <p:sldLayoutId id="2147483908" r:id="rId15"/>
+    <p:sldLayoutId id="2147483909" r:id="rId16"/>
+    <p:sldLayoutId id="2147483910" r:id="rId17"/>
   </p:sldLayoutIdLst>
   <p:txStyles>
     <p:titleStyle>
-      <a:lvl1pPr algn="l" defTabSz="457200" rtl="0" eaLnBrk="1" latinLnBrk="0" hangingPunct="1">
+      <a:lvl1pPr algn="ctr" defTabSz="457200" rtl="0" eaLnBrk="1" latinLnBrk="0" hangingPunct="1">
         <a:spcBef>
           <a:spcPct val="0"/>
         </a:spcBef>
         <a:buNone/>
-        <a:defRPr sz="3600" kern="1200">
+        <a:defRPr sz="4400" kern="1200" cap="none">
+          <a:ln w="3175" cmpd="sng">
+            <a:noFill/>
+          </a:ln>
           <a:solidFill>
             <a:schemeClr val="tx1">
               <a:lumMod val="85000"/>
               <a:lumOff val="15000"/>
             </a:schemeClr>
           </a:solidFill>
+          <a:effectLst/>
           <a:latin typeface="+mj-lt"/>
           <a:ea typeface="+mj-ea"/>
           <a:cs typeface="+mj-cs"/>
@@ -7352,25 +5530,27 @@
       </a:lvl9pPr>
     </p:titleStyle>
     <p:bodyStyle>
-      <a:lvl1pPr marL="342900" indent="-342900" algn="l" defTabSz="457200" rtl="0" eaLnBrk="1" latinLnBrk="0" hangingPunct="1">
+      <a:lvl1pPr marL="285750" indent="-285750" algn="l" defTabSz="457200" rtl="0" eaLnBrk="1" latinLnBrk="0" hangingPunct="1">
         <a:spcBef>
-          <a:spcPts val="1000"/>
+          <a:spcPct val="20000"/>
         </a:spcBef>
         <a:spcAft>
-          <a:spcPts val="0"/>
+          <a:spcPts val="600"/>
         </a:spcAft>
         <a:buClr>
           <a:schemeClr val="accent1"/>
         </a:buClr>
-        <a:buFont typeface="Wingdings 3" charset="2"/>
-        <a:buChar char=""/>
-        <a:defRPr sz="1800" kern="1200">
+        <a:buSzPct val="115000"/>
+        <a:buFont typeface="Arial"/>
+        <a:buChar char="•"/>
+        <a:defRPr sz="2400" kern="1200" cap="none">
           <a:solidFill>
             <a:schemeClr val="tx1">
-              <a:lumMod val="75000"/>
-              <a:lumOff val="25000"/>
+              <a:lumMod val="85000"/>
+              <a:lumOff val="15000"/>
             </a:schemeClr>
           </a:solidFill>
+          <a:effectLst/>
           <a:latin typeface="+mn-lt"/>
           <a:ea typeface="+mn-ea"/>
           <a:cs typeface="+mn-cs"/>
@@ -7378,95 +5558,103 @@
       </a:lvl1pPr>
       <a:lvl2pPr marL="742950" indent="-285750" algn="l" defTabSz="457200" rtl="0" eaLnBrk="1" latinLnBrk="0" hangingPunct="1">
         <a:spcBef>
-          <a:spcPts val="1000"/>
+          <a:spcPct val="20000"/>
         </a:spcBef>
         <a:spcAft>
-          <a:spcPts val="0"/>
+          <a:spcPts val="600"/>
         </a:spcAft>
         <a:buClr>
           <a:schemeClr val="accent1"/>
         </a:buClr>
-        <a:buFont typeface="Wingdings 3" charset="2"/>
-        <a:buChar char=""/>
-        <a:defRPr sz="1600" kern="1200">
+        <a:buSzPct val="115000"/>
+        <a:buFont typeface="Arial"/>
+        <a:buChar char="•"/>
+        <a:defRPr sz="2000" kern="1200" cap="none">
           <a:solidFill>
             <a:schemeClr val="tx1">
-              <a:lumMod val="75000"/>
-              <a:lumOff val="25000"/>
+              <a:lumMod val="85000"/>
+              <a:lumOff val="15000"/>
             </a:schemeClr>
           </a:solidFill>
+          <a:effectLst/>
           <a:latin typeface="+mn-lt"/>
           <a:ea typeface="+mn-ea"/>
           <a:cs typeface="+mn-cs"/>
         </a:defRPr>
       </a:lvl2pPr>
-      <a:lvl3pPr marL="1143000" indent="-228600" algn="l" defTabSz="457200" rtl="0" eaLnBrk="1" latinLnBrk="0" hangingPunct="1">
+      <a:lvl3pPr marL="1200150" indent="-285750" algn="l" defTabSz="457200" rtl="0" eaLnBrk="1" latinLnBrk="0" hangingPunct="1">
         <a:spcBef>
-          <a:spcPts val="1000"/>
+          <a:spcPct val="20000"/>
         </a:spcBef>
         <a:spcAft>
-          <a:spcPts val="0"/>
+          <a:spcPts val="600"/>
         </a:spcAft>
         <a:buClr>
           <a:schemeClr val="accent1"/>
         </a:buClr>
-        <a:buFont typeface="Wingdings 3" charset="2"/>
-        <a:buChar char=""/>
-        <a:defRPr sz="1400" kern="1200">
+        <a:buSzPct val="115000"/>
+        <a:buFont typeface="Arial"/>
+        <a:buChar char="•"/>
+        <a:defRPr sz="1800" kern="1200" cap="none">
           <a:solidFill>
             <a:schemeClr val="tx1">
-              <a:lumMod val="75000"/>
-              <a:lumOff val="25000"/>
+              <a:lumMod val="85000"/>
+              <a:lumOff val="15000"/>
             </a:schemeClr>
           </a:solidFill>
+          <a:effectLst/>
           <a:latin typeface="+mn-lt"/>
           <a:ea typeface="+mn-ea"/>
           <a:cs typeface="+mn-cs"/>
         </a:defRPr>
       </a:lvl3pPr>
-      <a:lvl4pPr marL="1600200" indent="-228600" algn="l" defTabSz="457200" rtl="0" eaLnBrk="1" latinLnBrk="0" hangingPunct="1">
+      <a:lvl4pPr marL="1543050" indent="-171450" algn="l" defTabSz="457200" rtl="0" eaLnBrk="1" latinLnBrk="0" hangingPunct="1">
         <a:spcBef>
-          <a:spcPts val="1000"/>
+          <a:spcPct val="20000"/>
         </a:spcBef>
         <a:spcAft>
-          <a:spcPts val="0"/>
+          <a:spcPts val="600"/>
         </a:spcAft>
         <a:buClr>
           <a:schemeClr val="accent1"/>
         </a:buClr>
-        <a:buFont typeface="Wingdings 3" charset="2"/>
-        <a:buChar char=""/>
-        <a:defRPr sz="1200" kern="1200">
+        <a:buSzPct val="115000"/>
+        <a:buFont typeface="Arial"/>
+        <a:buChar char="•"/>
+        <a:defRPr sz="1600" kern="1200" cap="none">
           <a:solidFill>
             <a:schemeClr val="tx1">
-              <a:lumMod val="75000"/>
-              <a:lumOff val="25000"/>
+              <a:lumMod val="85000"/>
+              <a:lumOff val="15000"/>
             </a:schemeClr>
           </a:solidFill>
+          <a:effectLst/>
           <a:latin typeface="+mn-lt"/>
           <a:ea typeface="+mn-ea"/>
           <a:cs typeface="+mn-cs"/>
         </a:defRPr>
       </a:lvl4pPr>
-      <a:lvl5pPr marL="2057400" indent="-228600" algn="l" defTabSz="457200" rtl="0" eaLnBrk="1" latinLnBrk="0" hangingPunct="1">
+      <a:lvl5pPr marL="2000250" indent="-171450" algn="l" defTabSz="457200" rtl="0" eaLnBrk="1" latinLnBrk="0" hangingPunct="1">
         <a:spcBef>
-          <a:spcPts val="1000"/>
+          <a:spcPct val="20000"/>
         </a:spcBef>
         <a:spcAft>
-          <a:spcPts val="0"/>
+          <a:spcPts val="600"/>
         </a:spcAft>
         <a:buClr>
           <a:schemeClr val="accent1"/>
         </a:buClr>
-        <a:buFont typeface="Wingdings 3" charset="2"/>
-        <a:buChar char=""/>
-        <a:defRPr sz="1200" kern="1200">
+        <a:buSzPct val="115000"/>
+        <a:buFont typeface="Arial"/>
+        <a:buChar char="•"/>
+        <a:defRPr sz="1400" kern="1200" cap="none">
           <a:solidFill>
             <a:schemeClr val="tx1">
-              <a:lumMod val="75000"/>
-              <a:lumOff val="25000"/>
+              <a:lumMod val="85000"/>
+              <a:lumOff val="15000"/>
             </a:schemeClr>
           </a:solidFill>
+          <a:effectLst/>
           <a:latin typeface="+mn-lt"/>
           <a:ea typeface="+mn-ea"/>
           <a:cs typeface="+mn-cs"/>
@@ -7474,23 +5662,25 @@
       </a:lvl5pPr>
       <a:lvl6pPr marL="2514600" indent="-228600" algn="l" defTabSz="457200" rtl="0" eaLnBrk="1" latinLnBrk="0" hangingPunct="1">
         <a:spcBef>
-          <a:spcPts val="1000"/>
+          <a:spcPct val="20000"/>
         </a:spcBef>
         <a:spcAft>
-          <a:spcPts val="0"/>
+          <a:spcPts val="600"/>
         </a:spcAft>
         <a:buClr>
           <a:schemeClr val="accent1"/>
         </a:buClr>
-        <a:buFont typeface="Wingdings 3" charset="2"/>
-        <a:buChar char=""/>
-        <a:defRPr sz="1200" kern="1200">
+        <a:buSzPct val="115000"/>
+        <a:buFont typeface="Arial"/>
+        <a:buChar char="•"/>
+        <a:defRPr sz="1400" kern="1200" cap="none">
           <a:solidFill>
             <a:schemeClr val="tx1">
-              <a:lumMod val="75000"/>
-              <a:lumOff val="25000"/>
+              <a:lumMod val="85000"/>
+              <a:lumOff val="15000"/>
             </a:schemeClr>
           </a:solidFill>
+          <a:effectLst/>
           <a:latin typeface="+mn-lt"/>
           <a:ea typeface="+mn-ea"/>
           <a:cs typeface="+mn-cs"/>
@@ -7498,23 +5688,25 @@
       </a:lvl6pPr>
       <a:lvl7pPr marL="2971800" indent="-228600" algn="l" defTabSz="457200" rtl="0" eaLnBrk="1" latinLnBrk="0" hangingPunct="1">
         <a:spcBef>
-          <a:spcPts val="1000"/>
+          <a:spcPct val="20000"/>
         </a:spcBef>
         <a:spcAft>
-          <a:spcPts val="0"/>
+          <a:spcPts val="600"/>
         </a:spcAft>
         <a:buClr>
           <a:schemeClr val="accent1"/>
         </a:buClr>
-        <a:buFont typeface="Wingdings 3" charset="2"/>
-        <a:buChar char=""/>
-        <a:defRPr sz="1200" kern="1200">
+        <a:buSzPct val="115000"/>
+        <a:buFont typeface="Arial"/>
+        <a:buChar char="•"/>
+        <a:defRPr sz="1400" kern="1200" cap="none">
           <a:solidFill>
             <a:schemeClr val="tx1">
-              <a:lumMod val="75000"/>
-              <a:lumOff val="25000"/>
+              <a:lumMod val="85000"/>
+              <a:lumOff val="15000"/>
             </a:schemeClr>
           </a:solidFill>
+          <a:effectLst/>
           <a:latin typeface="+mn-lt"/>
           <a:ea typeface="+mn-ea"/>
           <a:cs typeface="+mn-cs"/>
@@ -7522,23 +5714,25 @@
       </a:lvl7pPr>
       <a:lvl8pPr marL="3429000" indent="-228600" algn="l" defTabSz="457200" rtl="0" eaLnBrk="1" latinLnBrk="0" hangingPunct="1">
         <a:spcBef>
-          <a:spcPts val="1000"/>
+          <a:spcPct val="20000"/>
         </a:spcBef>
         <a:spcAft>
-          <a:spcPts val="0"/>
+          <a:spcPts val="600"/>
         </a:spcAft>
         <a:buClr>
           <a:schemeClr val="accent1"/>
         </a:buClr>
-        <a:buFont typeface="Wingdings 3" charset="2"/>
-        <a:buChar char=""/>
-        <a:defRPr sz="1200" kern="1200">
+        <a:buSzPct val="115000"/>
+        <a:buFont typeface="Arial"/>
+        <a:buChar char="•"/>
+        <a:defRPr sz="1400" kern="1200" cap="none">
           <a:solidFill>
             <a:schemeClr val="tx1">
-              <a:lumMod val="75000"/>
-              <a:lumOff val="25000"/>
+              <a:lumMod val="85000"/>
+              <a:lumOff val="15000"/>
             </a:schemeClr>
           </a:solidFill>
+          <a:effectLst/>
           <a:latin typeface="+mn-lt"/>
           <a:ea typeface="+mn-ea"/>
           <a:cs typeface="+mn-cs"/>
@@ -7546,23 +5740,25 @@
       </a:lvl8pPr>
       <a:lvl9pPr marL="3886200" indent="-228600" algn="l" defTabSz="457200" rtl="0" eaLnBrk="1" latinLnBrk="0" hangingPunct="1">
         <a:spcBef>
-          <a:spcPts val="1000"/>
+          <a:spcPct val="20000"/>
         </a:spcBef>
         <a:spcAft>
-          <a:spcPts val="0"/>
+          <a:spcPts val="600"/>
         </a:spcAft>
         <a:buClr>
           <a:schemeClr val="accent1"/>
         </a:buClr>
-        <a:buFont typeface="Wingdings 3" charset="2"/>
-        <a:buChar char=""/>
-        <a:defRPr sz="1200" kern="1200">
+        <a:buSzPct val="115000"/>
+        <a:buFont typeface="Arial"/>
+        <a:buChar char="•"/>
+        <a:defRPr sz="1400" kern="1200" cap="none">
           <a:solidFill>
             <a:schemeClr val="tx1">
-              <a:lumMod val="75000"/>
-              <a:lumOff val="25000"/>
+              <a:lumMod val="85000"/>
+              <a:lumOff val="15000"/>
             </a:schemeClr>
           </a:solidFill>
+          <a:effectLst/>
           <a:latin typeface="+mn-lt"/>
           <a:ea typeface="+mn-ea"/>
           <a:cs typeface="+mn-cs"/>
@@ -7671,6 +5867,16 @@
 <file path=ppt/slides/slide1.xml><?xml version="1.0" encoding="utf-8"?>
 <p:sld xmlns:a="http://schemas.openxmlformats.org/drawingml/2006/main" xmlns:r="http://schemas.openxmlformats.org/officeDocument/2006/relationships" xmlns:p="http://schemas.openxmlformats.org/presentationml/2006/main">
   <p:cSld>
+    <p:bg>
+      <p:bgPr>
+        <a:blipFill dpi="0" rotWithShape="1">
+          <a:blip r:embed="rId2"/>
+          <a:srcRect/>
+          <a:tile tx="0" ty="0" sx="100000" sy="100000" flip="none" algn="tl"/>
+        </a:blipFill>
+        <a:effectLst/>
+      </p:bgPr>
+    </p:bg>
     <p:spTree>
       <p:nvGrpSpPr>
         <p:cNvPr id="1" name=""/>
@@ -7706,6 +5912,7 @@
             <a:off x="1513534" y="656285"/>
             <a:ext cx="6551174" cy="1435826"/>
           </a:xfrm>
+          <a:noFill/>
         </p:spPr>
         <p:txBody>
           <a:bodyPr>
@@ -7886,7 +6093,7 @@
           <p:nvPr/>
         </p:nvPicPr>
         <p:blipFill>
-          <a:blip r:embed="rId2"/>
+          <a:blip r:embed="rId3"/>
           <a:stretch>
             <a:fillRect/>
           </a:stretch>
@@ -7919,7 +6126,7 @@
           <p:nvPr/>
         </p:nvPicPr>
         <p:blipFill>
-          <a:blip r:embed="rId3"/>
+          <a:blip r:embed="rId4"/>
           <a:stretch>
             <a:fillRect/>
           </a:stretch>
@@ -7955,36 +6162,10 @@
   <p:cSld>
     <p:bg>
       <p:bgPr>
-        <a:gradFill rotWithShape="1">
-          <a:gsLst>
-            <a:gs pos="13738">
-              <a:srgbClr val="FBFCF7"/>
-            </a:gs>
-            <a:gs pos="78923">
-              <a:srgbClr val="E6EDD0"/>
-            </a:gs>
-            <a:gs pos="47700">
-              <a:srgbClr val="F0F4E3"/>
-            </a:gs>
-            <a:gs pos="0">
-              <a:schemeClr val="bg2">
-                <a:tint val="90000"/>
-                <a:satMod val="92000"/>
-                <a:lumMod val="120000"/>
-              </a:schemeClr>
-            </a:gs>
-            <a:gs pos="100000">
-              <a:schemeClr val="bg2">
-                <a:shade val="98000"/>
-                <a:satMod val="120000"/>
-                <a:lumMod val="98000"/>
-              </a:schemeClr>
-            </a:gs>
-          </a:gsLst>
-          <a:path path="circle">
-            <a:fillToRect l="50000" t="50000" r="100000" b="100000"/>
-          </a:path>
-        </a:gradFill>
+        <a:blipFill>
+          <a:blip r:embed="rId2"/>
+          <a:tile tx="0" ty="0" sx="100000" sy="100000" flip="none" algn="tl"/>
+        </a:blipFill>
         <a:effectLst/>
       </p:bgPr>
     </p:bg>
@@ -8058,7 +6239,7 @@
           <p:nvPr/>
         </p:nvPicPr>
         <p:blipFill>
-          <a:blip r:embed="rId2"/>
+          <a:blip r:embed="rId3"/>
           <a:stretch>
             <a:fillRect/>
           </a:stretch>
@@ -8091,7 +6272,7 @@
           <p:nvPr/>
         </p:nvPicPr>
         <p:blipFill>
-          <a:blip r:embed="rId3"/>
+          <a:blip r:embed="rId4"/>
           <a:stretch>
             <a:fillRect/>
           </a:stretch>
@@ -8205,7 +6386,7 @@
           <p:nvPr/>
         </p:nvPicPr>
         <p:blipFill>
-          <a:blip r:embed="rId4"/>
+          <a:blip r:embed="rId5"/>
           <a:stretch>
             <a:fillRect/>
           </a:stretch>
@@ -8239,6 +6420,15 @@
 <file path=ppt/slides/slide2.xml><?xml version="1.0" encoding="utf-8"?>
 <p:sld xmlns:a="http://schemas.openxmlformats.org/drawingml/2006/main" xmlns:r="http://schemas.openxmlformats.org/officeDocument/2006/relationships" xmlns:p="http://schemas.openxmlformats.org/presentationml/2006/main">
   <p:cSld>
+    <p:bg>
+      <p:bgPr>
+        <a:blipFill>
+          <a:blip r:embed="rId2"/>
+          <a:tile tx="0" ty="0" sx="100000" sy="100000" flip="none" algn="tl"/>
+        </a:blipFill>
+        <a:effectLst/>
+      </p:bgPr>
+    </p:bg>
     <p:spTree>
       <p:nvGrpSpPr>
         <p:cNvPr id="1" name=""/>
@@ -8307,7 +6497,7 @@
           <p:nvPr/>
         </p:nvPicPr>
         <p:blipFill>
-          <a:blip r:embed="rId2"/>
+          <a:blip r:embed="rId3"/>
           <a:stretch>
             <a:fillRect/>
           </a:stretch>
@@ -8485,7 +6675,7 @@
           <p:nvPr/>
         </p:nvPicPr>
         <p:blipFill>
-          <a:blip r:embed="rId3"/>
+          <a:blip r:embed="rId4"/>
           <a:stretch>
             <a:fillRect/>
           </a:stretch>
@@ -8518,7 +6708,7 @@
           <p:nvPr/>
         </p:nvPicPr>
         <p:blipFill>
-          <a:blip r:embed="rId4"/>
+          <a:blip r:embed="rId5"/>
           <a:stretch>
             <a:fillRect/>
           </a:stretch>
@@ -8552,6 +6742,15 @@
 <file path=ppt/slides/slide3.xml><?xml version="1.0" encoding="utf-8"?>
 <p:sld xmlns:a="http://schemas.openxmlformats.org/drawingml/2006/main" xmlns:r="http://schemas.openxmlformats.org/officeDocument/2006/relationships" xmlns:p="http://schemas.openxmlformats.org/presentationml/2006/main">
   <p:cSld>
+    <p:bg>
+      <p:bgPr>
+        <a:blipFill>
+          <a:blip r:embed="rId2"/>
+          <a:tile tx="0" ty="0" sx="100000" sy="100000" flip="none" algn="tl"/>
+        </a:blipFill>
+        <a:effectLst/>
+      </p:bgPr>
+    </p:bg>
     <p:spTree>
       <p:nvGrpSpPr>
         <p:cNvPr id="1" name=""/>
@@ -8622,7 +6821,7 @@
           <p:nvPr/>
         </p:nvPicPr>
         <p:blipFill>
-          <a:blip r:embed="rId2"/>
+          <a:blip r:embed="rId3"/>
           <a:stretch>
             <a:fillRect/>
           </a:stretch>
@@ -8655,7 +6854,7 @@
           <p:nvPr/>
         </p:nvPicPr>
         <p:blipFill>
-          <a:blip r:embed="rId3"/>
+          <a:blip r:embed="rId4"/>
           <a:stretch>
             <a:fillRect/>
           </a:stretch>
@@ -8729,7 +6928,7 @@
           <p:nvPr/>
         </p:nvPicPr>
         <p:blipFill>
-          <a:blip r:embed="rId4"/>
+          <a:blip r:embed="rId5"/>
           <a:stretch>
             <a:fillRect/>
           </a:stretch>
@@ -8763,6 +6962,15 @@
 <file path=ppt/slides/slide4.xml><?xml version="1.0" encoding="utf-8"?>
 <p:sld xmlns:a="http://schemas.openxmlformats.org/drawingml/2006/main" xmlns:r="http://schemas.openxmlformats.org/officeDocument/2006/relationships" xmlns:p="http://schemas.openxmlformats.org/presentationml/2006/main">
   <p:cSld>
+    <p:bg>
+      <p:bgPr>
+        <a:blipFill>
+          <a:blip r:embed="rId2"/>
+          <a:tile tx="0" ty="0" sx="100000" sy="100000" flip="none" algn="tl"/>
+        </a:blipFill>
+        <a:effectLst/>
+      </p:bgPr>
+    </p:bg>
     <p:spTree>
       <p:nvGrpSpPr>
         <p:cNvPr id="1" name=""/>
@@ -8831,7 +7039,7 @@
           <p:nvPr/>
         </p:nvPicPr>
         <p:blipFill>
-          <a:blip r:embed="rId2"/>
+          <a:blip r:embed="rId3"/>
           <a:stretch>
             <a:fillRect/>
           </a:stretch>
@@ -8864,7 +7072,7 @@
           <p:nvPr/>
         </p:nvPicPr>
         <p:blipFill>
-          <a:blip r:embed="rId3"/>
+          <a:blip r:embed="rId4"/>
           <a:stretch>
             <a:fillRect/>
           </a:stretch>
@@ -8938,7 +7146,7 @@
           <p:nvPr/>
         </p:nvPicPr>
         <p:blipFill>
-          <a:blip r:embed="rId4"/>
+          <a:blip r:embed="rId5"/>
           <a:stretch>
             <a:fillRect/>
           </a:stretch>
@@ -8972,6 +7180,15 @@
 <file path=ppt/slides/slide5.xml><?xml version="1.0" encoding="utf-8"?>
 <p:sld xmlns:a="http://schemas.openxmlformats.org/drawingml/2006/main" xmlns:r="http://schemas.openxmlformats.org/officeDocument/2006/relationships" xmlns:p="http://schemas.openxmlformats.org/presentationml/2006/main">
   <p:cSld>
+    <p:bg>
+      <p:bgPr>
+        <a:blipFill>
+          <a:blip r:embed="rId2"/>
+          <a:tile tx="0" ty="0" sx="100000" sy="100000" flip="none" algn="tl"/>
+        </a:blipFill>
+        <a:effectLst/>
+      </p:bgPr>
+    </p:bg>
     <p:spTree>
       <p:nvGrpSpPr>
         <p:cNvPr id="1" name=""/>
@@ -9042,7 +7259,7 @@
           <p:nvPr/>
         </p:nvPicPr>
         <p:blipFill>
-          <a:blip r:embed="rId2"/>
+          <a:blip r:embed="rId3"/>
           <a:stretch>
             <a:fillRect/>
           </a:stretch>
@@ -9075,7 +7292,7 @@
           <p:nvPr/>
         </p:nvPicPr>
         <p:blipFill>
-          <a:blip r:embed="rId3"/>
+          <a:blip r:embed="rId4"/>
           <a:stretch>
             <a:fillRect/>
           </a:stretch>
@@ -9150,6 +7367,15 @@
 <file path=ppt/slides/slide6.xml><?xml version="1.0" encoding="utf-8"?>
 <p:sld xmlns:a="http://schemas.openxmlformats.org/drawingml/2006/main" xmlns:r="http://schemas.openxmlformats.org/officeDocument/2006/relationships" xmlns:p="http://schemas.openxmlformats.org/presentationml/2006/main">
   <p:cSld>
+    <p:bg>
+      <p:bgPr>
+        <a:blipFill>
+          <a:blip r:embed="rId2"/>
+          <a:tile tx="0" ty="0" sx="100000" sy="100000" flip="none" algn="tl"/>
+        </a:blipFill>
+        <a:effectLst/>
+      </p:bgPr>
+    </p:bg>
     <p:spTree>
       <p:nvGrpSpPr>
         <p:cNvPr id="1" name=""/>
@@ -9220,7 +7446,7 @@
           <p:nvPr/>
         </p:nvPicPr>
         <p:blipFill>
-          <a:blip r:embed="rId2"/>
+          <a:blip r:embed="rId3"/>
           <a:stretch>
             <a:fillRect/>
           </a:stretch>
@@ -9253,7 +7479,7 @@
           <p:nvPr/>
         </p:nvPicPr>
         <p:blipFill>
-          <a:blip r:embed="rId3"/>
+          <a:blip r:embed="rId4"/>
           <a:stretch>
             <a:fillRect/>
           </a:stretch>
@@ -9335,7 +7561,7 @@
           <p:nvPr/>
         </p:nvPicPr>
         <p:blipFill>
-          <a:blip r:embed="rId4"/>
+          <a:blip r:embed="rId5"/>
           <a:stretch>
             <a:fillRect/>
           </a:stretch>
@@ -9697,6 +7923,15 @@
 <file path=ppt/slides/slide8.xml><?xml version="1.0" encoding="utf-8"?>
 <p:sld xmlns:a="http://schemas.openxmlformats.org/drawingml/2006/main" xmlns:r="http://schemas.openxmlformats.org/officeDocument/2006/relationships" xmlns:p="http://schemas.openxmlformats.org/presentationml/2006/main">
   <p:cSld>
+    <p:bg>
+      <p:bgPr>
+        <a:blipFill>
+          <a:blip r:embed="rId2"/>
+          <a:tile tx="0" ty="0" sx="100000" sy="100000" flip="none" algn="tl"/>
+        </a:blipFill>
+        <a:effectLst/>
+      </p:bgPr>
+    </p:bg>
     <p:spTree>
       <p:nvGrpSpPr>
         <p:cNvPr id="1" name=""/>
@@ -9767,7 +8002,7 @@
           <p:nvPr/>
         </p:nvPicPr>
         <p:blipFill>
-          <a:blip r:embed="rId2"/>
+          <a:blip r:embed="rId3"/>
           <a:stretch>
             <a:fillRect/>
           </a:stretch>
@@ -9800,7 +8035,7 @@
           <p:nvPr/>
         </p:nvPicPr>
         <p:blipFill>
-          <a:blip r:embed="rId3"/>
+          <a:blip r:embed="rId4"/>
           <a:stretch>
             <a:fillRect/>
           </a:stretch>
@@ -9874,7 +8109,7 @@
           <p:nvPr/>
         </p:nvPicPr>
         <p:blipFill>
-          <a:blip r:embed="rId4"/>
+          <a:blip r:embed="rId5"/>
           <a:stretch>
             <a:fillRect/>
           </a:stretch>
@@ -9908,6 +8143,15 @@
 <file path=ppt/slides/slide9.xml><?xml version="1.0" encoding="utf-8"?>
 <p:sld xmlns:a="http://schemas.openxmlformats.org/drawingml/2006/main" xmlns:r="http://schemas.openxmlformats.org/officeDocument/2006/relationships" xmlns:p="http://schemas.openxmlformats.org/presentationml/2006/main">
   <p:cSld>
+    <p:bg>
+      <p:bgPr>
+        <a:blipFill>
+          <a:blip r:embed="rId2"/>
+          <a:tile tx="0" ty="0" sx="100000" sy="100000" flip="none" algn="tl"/>
+        </a:blipFill>
+        <a:effectLst/>
+      </p:bgPr>
+    </p:bg>
     <p:spTree>
       <p:nvGrpSpPr>
         <p:cNvPr id="1" name=""/>
@@ -9978,7 +8222,7 @@
           <p:nvPr/>
         </p:nvPicPr>
         <p:blipFill>
-          <a:blip r:embed="rId2"/>
+          <a:blip r:embed="rId3"/>
           <a:stretch>
             <a:fillRect/>
           </a:stretch>
@@ -10011,7 +8255,7 @@
           <p:nvPr/>
         </p:nvPicPr>
         <p:blipFill>
-          <a:blip r:embed="rId3"/>
+          <a:blip r:embed="rId4"/>
           <a:stretch>
             <a:fillRect/>
           </a:stretch>
@@ -10085,7 +8329,7 @@
           <p:nvPr/>
         </p:nvPicPr>
         <p:blipFill>
-          <a:blip r:embed="rId4"/>
+          <a:blip r:embed="rId5"/>
           <a:stretch>
             <a:fillRect/>
           </a:stretch>
@@ -10117,9 +8361,9 @@
 </file>
 
 <file path=ppt/theme/theme1.xml><?xml version="1.0" encoding="utf-8"?>
-<a:theme xmlns:a="http://schemas.openxmlformats.org/drawingml/2006/main" name="Wisp">
+<a:theme xmlns:a="http://schemas.openxmlformats.org/drawingml/2006/main" name="Organic">
   <a:themeElements>
-    <a:clrScheme name="Wisp">
+    <a:clrScheme name="Organic">
       <a:dk1>
         <a:sysClr val="windowText" lastClr="000000"/>
       </a:dk1>
@@ -10127,48 +8371,48 @@
         <a:sysClr val="window" lastClr="FFFFFF"/>
       </a:lt1>
       <a:dk2>
-        <a:srgbClr val="766F54"/>
+        <a:srgbClr val="212121"/>
       </a:dk2>
       <a:lt2>
-        <a:srgbClr val="E3EACF"/>
+        <a:srgbClr val="DADADA"/>
       </a:lt2>
       <a:accent1>
-        <a:srgbClr val="A53010"/>
+        <a:srgbClr val="83992A"/>
       </a:accent1>
       <a:accent2>
-        <a:srgbClr val="DE7E18"/>
+        <a:srgbClr val="3C9770"/>
       </a:accent2>
       <a:accent3>
-        <a:srgbClr val="9F8351"/>
+        <a:srgbClr val="44709D"/>
       </a:accent3>
       <a:accent4>
-        <a:srgbClr val="728653"/>
+        <a:srgbClr val="A23C33"/>
       </a:accent4>
       <a:accent5>
-        <a:srgbClr val="92AA4C"/>
+        <a:srgbClr val="D97828"/>
       </a:accent5>
       <a:accent6>
-        <a:srgbClr val="6AAC91"/>
+        <a:srgbClr val="DEB340"/>
       </a:accent6>
       <a:hlink>
-        <a:srgbClr val="FB4A18"/>
+        <a:srgbClr val="A8BF4D"/>
       </a:hlink>
       <a:folHlink>
-        <a:srgbClr val="FB9318"/>
+        <a:srgbClr val="B4CA80"/>
       </a:folHlink>
     </a:clrScheme>
-    <a:fontScheme name="Wisp">
+    <a:fontScheme name="Organic">
       <a:majorFont>
-        <a:latin typeface="Century Gothic" panose="020B0502020202020204"/>
+        <a:latin typeface="Garamond" panose="02020404030301010803"/>
         <a:ea typeface=""/>
         <a:cs typeface=""/>
-        <a:font script="Jpan" typeface="メイリオ"/>
-        <a:font script="Hang" typeface="HY중고딕"/>
-        <a:font script="Hans" typeface="幼圆"/>
+        <a:font script="Jpan" typeface="ＭＳ Ｐゴシック"/>
+        <a:font script="Hang" typeface="돋움"/>
+        <a:font script="Hans" typeface="方正舒体"/>
         <a:font script="Hant" typeface="微軟正黑體"/>
-        <a:font script="Arab" typeface="Tahoma"/>
-        <a:font script="Hebr" typeface="Gisha"/>
-        <a:font script="Thai" typeface="DilleniaUPC"/>
+        <a:font script="Arab" typeface="Arial"/>
+        <a:font script="Hebr" typeface="Arial"/>
+        <a:font script="Thai" typeface="Cordia New"/>
         <a:font script="Ethi" typeface="Nyala"/>
         <a:font script="Beng" typeface="Vrinda"/>
         <a:font script="Gujr" typeface="Shruti"/>
@@ -10189,25 +8433,25 @@
         <a:font script="Laoo" typeface="DokChampa"/>
         <a:font script="Sinh" typeface="Iskoola Pota"/>
         <a:font script="Mong" typeface="Mongolian Baiti"/>
-        <a:font script="Viet" typeface="Tahoma"/>
+        <a:font script="Viet" typeface="Arial"/>
         <a:font script="Uigh" typeface="Microsoft Uighur"/>
         <a:font script="Geor" typeface="Sylfaen"/>
       </a:majorFont>
       <a:minorFont>
-        <a:latin typeface="Century Gothic" panose="020B0502020202020204"/>
+        <a:latin typeface="Garamond" panose="02020404030301010803"/>
         <a:ea typeface=""/>
         <a:cs typeface=""/>
-        <a:font script="Jpan" typeface="メイリオ"/>
-        <a:font script="Hang" typeface="HY중고딕"/>
-        <a:font script="Hans" typeface="幼圆"/>
-        <a:font script="Hant" typeface="微軟正黑體"/>
-        <a:font script="Arab" typeface="Tahoma"/>
-        <a:font script="Hebr" typeface="Gisha"/>
-        <a:font script="Thai" typeface="DilleniaUPC"/>
+        <a:font script="Jpan" typeface="ＭＳ Ｐ明朝"/>
+        <a:font script="Hang" typeface="바탕"/>
+        <a:font script="Hans" typeface="方正舒体"/>
+        <a:font script="Hant" typeface="新細明體"/>
+        <a:font script="Arab" typeface="Times New Roman"/>
+        <a:font script="Hebr" typeface="Times New Roman"/>
+        <a:font script="Thai" typeface="Angsana New"/>
         <a:font script="Ethi" typeface="Nyala"/>
         <a:font script="Beng" typeface="Vrinda"/>
         <a:font script="Gujr" typeface="Shruti"/>
-        <a:font script="Khmr" typeface="DaunPenh"/>
+        <a:font script="Khmr" typeface="MoolBoran"/>
         <a:font script="Knda" typeface="Tunga"/>
         <a:font script="Guru" typeface="Raavi"/>
         <a:font script="Cans" typeface="Euphemia"/>
@@ -10224,56 +8468,64 @@
         <a:font script="Laoo" typeface="DokChampa"/>
         <a:font script="Sinh" typeface="Iskoola Pota"/>
         <a:font script="Mong" typeface="Mongolian Baiti"/>
-        <a:font script="Viet" typeface="Tahoma"/>
+        <a:font script="Viet" typeface="Times New Roman"/>
         <a:font script="Uigh" typeface="Microsoft Uighur"/>
         <a:font script="Geor" typeface="Sylfaen"/>
       </a:minorFont>
     </a:fontScheme>
-    <a:fmtScheme name="Wisp">
+    <a:fmtScheme name="Organic">
       <a:fillStyleLst>
         <a:solidFill>
           <a:schemeClr val="phClr"/>
-        </a:solidFill>
-        <a:solidFill>
-          <a:schemeClr val="phClr">
-            <a:tint val="70000"/>
-            <a:lumMod val="104000"/>
-          </a:schemeClr>
         </a:solidFill>
         <a:gradFill rotWithShape="1">
           <a:gsLst>
             <a:gs pos="0">
               <a:schemeClr val="phClr">
-                <a:tint val="96000"/>
-                <a:lumMod val="104000"/>
+                <a:tint val="60000"/>
+                <a:lumMod val="110000"/>
               </a:schemeClr>
             </a:gs>
             <a:gs pos="100000">
               <a:schemeClr val="phClr">
-                <a:shade val="98000"/>
-                <a:lumMod val="94000"/>
+                <a:tint val="82000"/>
               </a:schemeClr>
             </a:gs>
           </a:gsLst>
           <a:lin ang="5400000" scaled="0"/>
         </a:gradFill>
+        <a:blipFill>
+          <a:blip xmlns:r="http://schemas.openxmlformats.org/officeDocument/2006/relationships" r:embed="rId1">
+            <a:duotone>
+              <a:schemeClr val="phClr">
+                <a:shade val="74000"/>
+                <a:satMod val="130000"/>
+                <a:lumMod val="90000"/>
+              </a:schemeClr>
+              <a:schemeClr val="phClr">
+                <a:tint val="94000"/>
+                <a:satMod val="120000"/>
+                <a:lumMod val="104000"/>
+              </a:schemeClr>
+            </a:duotone>
+          </a:blip>
+          <a:tile tx="0" ty="0" sx="100000" sy="100000" flip="none" algn="tl"/>
+        </a:blipFill>
       </a:fillStyleLst>
       <a:lnStyleLst>
-        <a:ln w="9525" cap="rnd" cmpd="sng" algn="ctr">
-          <a:solidFill>
-            <a:schemeClr val="phClr">
-              <a:shade val="90000"/>
-            </a:schemeClr>
-          </a:solidFill>
-          <a:prstDash val="solid"/>
-        </a:ln>
-        <a:ln w="15875" cap="rnd" cmpd="sng" algn="ctr">
+        <a:ln w="9525" cap="flat" cmpd="sng" algn="ctr">
           <a:solidFill>
             <a:schemeClr val="phClr"/>
           </a:solidFill>
           <a:prstDash val="solid"/>
         </a:ln>
-        <a:ln w="22225" cap="rnd" cmpd="sng" algn="ctr">
+        <a:ln w="15875" cap="flat" cmpd="sng" algn="ctr">
+          <a:solidFill>
+            <a:schemeClr val="phClr"/>
+          </a:solidFill>
+          <a:prstDash val="solid"/>
+        </a:ln>
+        <a:ln w="25400" cap="flat" cmpd="sng" algn="ctr">
           <a:solidFill>
             <a:schemeClr val="phClr"/>
           </a:solidFill>
@@ -10286,16 +8538,16 @@
         </a:effectStyle>
         <a:effectStyle>
           <a:effectLst>
-            <a:outerShdw blurRad="38100" dist="25400" dir="5400000" rotWithShape="0">
+            <a:innerShdw blurRad="25400" dist="12700" dir="13500000">
               <a:srgbClr val="000000">
-                <a:alpha val="25000"/>
+                <a:alpha val="45000"/>
               </a:srgbClr>
-            </a:outerShdw>
+            </a:innerShdw>
           </a:effectLst>
         </a:effectStyle>
         <a:effectStyle>
           <a:effectLst>
-            <a:outerShdw blurRad="50800" dist="38100" dir="5400000" rotWithShape="0">
+            <a:outerShdw blurRad="38100" dist="25400" dir="5400000" rotWithShape="0">
               <a:srgbClr val="000000">
                 <a:alpha val="60000"/>
               </a:srgbClr>
@@ -10312,40 +8564,22 @@
             <a:gs pos="0">
               <a:schemeClr val="phClr">
                 <a:tint val="90000"/>
-                <a:lumMod val="120000"/>
+                <a:lumMod val="110000"/>
               </a:schemeClr>
             </a:gs>
             <a:gs pos="100000">
               <a:schemeClr val="phClr">
-                <a:shade val="98000"/>
-                <a:satMod val="120000"/>
+                <a:shade val="88000"/>
                 <a:lumMod val="98000"/>
               </a:schemeClr>
             </a:gs>
           </a:gsLst>
           <a:lin ang="5400000" scaled="0"/>
         </a:gradFill>
-        <a:gradFill rotWithShape="1">
-          <a:gsLst>
-            <a:gs pos="0">
-              <a:schemeClr val="phClr">
-                <a:tint val="90000"/>
-                <a:satMod val="92000"/>
-                <a:lumMod val="120000"/>
-              </a:schemeClr>
-            </a:gs>
-            <a:gs pos="100000">
-              <a:schemeClr val="phClr">
-                <a:shade val="98000"/>
-                <a:satMod val="120000"/>
-                <a:lumMod val="98000"/>
-              </a:schemeClr>
-            </a:gs>
-          </a:gsLst>
-          <a:path path="circle">
-            <a:fillToRect l="50000" t="50000" r="100000" b="100000"/>
-          </a:path>
-        </a:gradFill>
+        <a:blipFill>
+          <a:blip xmlns:r="http://schemas.openxmlformats.org/officeDocument/2006/relationships" r:embed="rId2"/>
+          <a:stretch/>
+        </a:blipFill>
       </a:bgFillStyleLst>
     </a:fmtScheme>
   </a:themeElements>
@@ -10353,7 +8587,7 @@
   <a:extraClrSchemeLst/>
   <a:extLst>
     <a:ext uri="{05A4C25C-085E-4340-85A3-A5531E510DB2}">
-      <thm15:themeFamily xmlns:thm15="http://schemas.microsoft.com/office/thememl/2012/main" name="Wisp" id="{7CB32D59-10C0-40DD-B7BD-2E94284A981C}" vid="{24B1A44C-C006-48B2-A4D7-E5549B3D8CD4}"/>
+      <thm15:themeFamily xmlns:thm15="http://schemas.microsoft.com/office/thememl/2012/main" name="Organic" id="{28CDC826-8792-45C0-861B-85EB3ADEDA33}" vid="{7DAC20F1-423D-49E2-BD0B-50532748BAD0}"/>
     </a:ext>
   </a:extLst>
 </a:theme>
